--- a/ppt/第3章 Redis常用命令.pptx
+++ b/ppt/第3章 Redis常用命令.pptx
@@ -5,48 +5,48 @@
     <p:sldMasterId id="2147483648" r:id="rId1"/>
   </p:sldMasterIdLst>
   <p:notesMasterIdLst>
-    <p:notesMasterId r:id="rId37"/>
+    <p:notesMasterId r:id="rId36"/>
   </p:notesMasterIdLst>
   <p:sldIdLst>
-    <p:sldId id="256" r:id="rId3"/>
-    <p:sldId id="315" r:id="rId4"/>
-    <p:sldId id="420" r:id="rId5"/>
-    <p:sldId id="421" r:id="rId6"/>
-    <p:sldId id="422" r:id="rId7"/>
-    <p:sldId id="423" r:id="rId8"/>
-    <p:sldId id="424" r:id="rId9"/>
-    <p:sldId id="426" r:id="rId10"/>
-    <p:sldId id="425" r:id="rId11"/>
-    <p:sldId id="427" r:id="rId12"/>
-    <p:sldId id="428" r:id="rId13"/>
-    <p:sldId id="429" r:id="rId14"/>
-    <p:sldId id="430" r:id="rId15"/>
-    <p:sldId id="431" r:id="rId16"/>
-    <p:sldId id="432" r:id="rId17"/>
-    <p:sldId id="433" r:id="rId18"/>
-    <p:sldId id="434" r:id="rId19"/>
-    <p:sldId id="435" r:id="rId20"/>
-    <p:sldId id="436" r:id="rId21"/>
-    <p:sldId id="437" r:id="rId22"/>
-    <p:sldId id="438" r:id="rId23"/>
-    <p:sldId id="439" r:id="rId24"/>
-    <p:sldId id="440" r:id="rId25"/>
-    <p:sldId id="441" r:id="rId26"/>
-    <p:sldId id="443" r:id="rId27"/>
-    <p:sldId id="444" r:id="rId28"/>
-    <p:sldId id="445" r:id="rId29"/>
-    <p:sldId id="446" r:id="rId30"/>
-    <p:sldId id="447" r:id="rId31"/>
-    <p:sldId id="448" r:id="rId32"/>
-    <p:sldId id="449" r:id="rId33"/>
-    <p:sldId id="450" r:id="rId34"/>
-    <p:sldId id="451" r:id="rId35"/>
-    <p:sldId id="261" r:id="rId36"/>
+    <p:sldId id="256" r:id="rId2"/>
+    <p:sldId id="315" r:id="rId3"/>
+    <p:sldId id="420" r:id="rId4"/>
+    <p:sldId id="421" r:id="rId5"/>
+    <p:sldId id="422" r:id="rId6"/>
+    <p:sldId id="423" r:id="rId7"/>
+    <p:sldId id="424" r:id="rId8"/>
+    <p:sldId id="426" r:id="rId9"/>
+    <p:sldId id="425" r:id="rId10"/>
+    <p:sldId id="427" r:id="rId11"/>
+    <p:sldId id="428" r:id="rId12"/>
+    <p:sldId id="429" r:id="rId13"/>
+    <p:sldId id="430" r:id="rId14"/>
+    <p:sldId id="431" r:id="rId15"/>
+    <p:sldId id="432" r:id="rId16"/>
+    <p:sldId id="433" r:id="rId17"/>
+    <p:sldId id="434" r:id="rId18"/>
+    <p:sldId id="435" r:id="rId19"/>
+    <p:sldId id="436" r:id="rId20"/>
+    <p:sldId id="437" r:id="rId21"/>
+    <p:sldId id="438" r:id="rId22"/>
+    <p:sldId id="439" r:id="rId23"/>
+    <p:sldId id="440" r:id="rId24"/>
+    <p:sldId id="441" r:id="rId25"/>
+    <p:sldId id="443" r:id="rId26"/>
+    <p:sldId id="444" r:id="rId27"/>
+    <p:sldId id="445" r:id="rId28"/>
+    <p:sldId id="446" r:id="rId29"/>
+    <p:sldId id="447" r:id="rId30"/>
+    <p:sldId id="448" r:id="rId31"/>
+    <p:sldId id="449" r:id="rId32"/>
+    <p:sldId id="450" r:id="rId33"/>
+    <p:sldId id="451" r:id="rId34"/>
+    <p:sldId id="261" r:id="rId35"/>
   </p:sldIdLst>
   <p:sldSz cx="12192000" cy="6858000"/>
   <p:notesSz cx="6858000" cy="9144000"/>
   <p:custDataLst>
-    <p:tags r:id="rId41"/>
+    <p:tags r:id="rId37"/>
   </p:custDataLst>
   <p:defaultTextStyle>
     <a:defPPr>
@@ -143,6 +143,22 @@
       </a:defRPr>
     </a:lvl9pPr>
   </p:defaultTextStyle>
+  <p:extLst>
+    <p:ext uri="{EFAFB233-063F-42B5-8137-9DF3F51BA10A}">
+      <p15:sldGuideLst xmlns:p15="http://schemas.microsoft.com/office/powerpoint/2012/main">
+        <p15:guide id="1" orient="horz" pos="2160">
+          <p15:clr>
+            <a:srgbClr val="A4A3A4"/>
+          </p15:clr>
+        </p15:guide>
+        <p15:guide id="2" pos="3836">
+          <p15:clr>
+            <a:srgbClr val="A4A3A4"/>
+          </p15:clr>
+        </p15:guide>
+      </p15:sldGuideLst>
+    </p:ext>
+  </p:extLst>
 </p:presentation>
 </file>
 
@@ -228,6 +244,7 @@
           <a:p>
             <a:fld id="{E86D8963-CFCD-4740-AF60-049850373CDF}" type="datetimeFigureOut">
               <a:rPr lang="zh-CN" altLang="en-US" smtClean="0"/>
+              <a:t>2022/3/12</a:t>
             </a:fld>
             <a:endParaRPr lang="zh-CN" altLang="en-US"/>
           </a:p>
@@ -294,7 +311,6 @@
               <a:rPr lang="zh-CN" altLang="en-US"/>
               <a:t>单击此处编辑母版文本样式</a:t>
             </a:r>
-            <a:endParaRPr lang="zh-CN" altLang="en-US"/>
           </a:p>
           <a:p>
             <a:pPr lvl="1"/>
@@ -302,7 +318,6 @@
               <a:rPr lang="zh-CN" altLang="en-US"/>
               <a:t>第二级</a:t>
             </a:r>
-            <a:endParaRPr lang="zh-CN" altLang="en-US"/>
           </a:p>
           <a:p>
             <a:pPr lvl="2"/>
@@ -310,7 +325,6 @@
               <a:rPr lang="zh-CN" altLang="en-US"/>
               <a:t>第三级</a:t>
             </a:r>
-            <a:endParaRPr lang="zh-CN" altLang="en-US"/>
           </a:p>
           <a:p>
             <a:pPr lvl="3"/>
@@ -318,7 +332,6 @@
               <a:rPr lang="zh-CN" altLang="en-US"/>
               <a:t>第四级</a:t>
             </a:r>
-            <a:endParaRPr lang="zh-CN" altLang="en-US"/>
           </a:p>
           <a:p>
             <a:pPr lvl="4"/>
@@ -326,7 +339,6 @@
               <a:rPr lang="zh-CN" altLang="en-US"/>
               <a:t>第五级</a:t>
             </a:r>
-            <a:endParaRPr lang="zh-CN" altLang="en-US"/>
           </a:p>
         </p:txBody>
       </p:sp>
@@ -390,12 +402,18 @@
           <a:p>
             <a:fld id="{E9E6FDB6-6D2B-46C1-9FA1-D82906A37C3A}" type="slidenum">
               <a:rPr lang="zh-CN" altLang="en-US" smtClean="0"/>
+              <a:t>‹#›</a:t>
             </a:fld>
             <a:endParaRPr lang="zh-CN" altLang="en-US"/>
           </a:p>
         </p:txBody>
       </p:sp>
     </p:spTree>
+    <p:extLst>
+      <p:ext uri="{BB962C8B-B14F-4D97-AF65-F5344CB8AC3E}">
+        <p14:creationId xmlns:p14="http://schemas.microsoft.com/office/powerpoint/2010/main" val="1179006062"/>
+      </p:ext>
+    </p:extLst>
   </p:cSld>
   <p:clrMap bg1="lt1" tx1="dk1" bg2="lt2" tx2="dk2" accent1="accent1" accent2="accent2" accent3="accent3" accent4="accent4" accent5="accent5" accent6="accent6" hlink="hlink" folHlink="folHlink"/>
   <p:notesStyle>
@@ -494,7 +512,7 @@
 </file>
 
 <file path=ppt/slideLayouts/slideLayout1.xml><?xml version="1.0" encoding="utf-8"?>
-<p:sldLayout xmlns:a="http://schemas.openxmlformats.org/drawingml/2006/main" xmlns:r="http://schemas.openxmlformats.org/officeDocument/2006/relationships" xmlns:p="http://schemas.openxmlformats.org/presentationml/2006/main" type="title" preserve="1" showMasterSp="0" userDrawn="1">
+<p:sldLayout xmlns:a="http://schemas.openxmlformats.org/drawingml/2006/main" xmlns:r="http://schemas.openxmlformats.org/officeDocument/2006/relationships" xmlns:p="http://schemas.openxmlformats.org/presentationml/2006/main" showMasterSp="0" type="title" preserve="1" userDrawn="1">
   <p:cSld name="标题幻灯片">
     <p:bg>
       <p:bgPr>
@@ -1549,7 +1567,6 @@
               <a:rPr lang="en-US" altLang="zh-CN" dirty="0"/>
               <a:t>Signature</a:t>
             </a:r>
-            <a:endParaRPr lang="en-US" altLang="zh-CN" dirty="0"/>
           </a:p>
         </p:txBody>
       </p:sp>
@@ -1676,7 +1693,6 @@
               <a:rPr lang="en-US" dirty="0"/>
               <a:t>Click to edit Master subtitle style</a:t>
             </a:r>
-            <a:endParaRPr lang="en-US" dirty="0"/>
           </a:p>
         </p:txBody>
       </p:sp>
@@ -1727,7 +1743,7 @@
 </file>
 
 <file path=ppt/slideLayouts/slideLayout2.xml><?xml version="1.0" encoding="utf-8"?>
-<p:sldLayout xmlns:a="http://schemas.openxmlformats.org/drawingml/2006/main" xmlns:r="http://schemas.openxmlformats.org/officeDocument/2006/relationships" xmlns:p="http://schemas.openxmlformats.org/presentationml/2006/main" type="secHead" preserve="1" showMasterSp="0" userDrawn="1">
+<p:sldLayout xmlns:a="http://schemas.openxmlformats.org/drawingml/2006/main" xmlns:r="http://schemas.openxmlformats.org/officeDocument/2006/relationships" xmlns:p="http://schemas.openxmlformats.org/presentationml/2006/main" showMasterSp="0" type="secHead" preserve="1" userDrawn="1">
   <p:cSld name="节标题">
     <p:spTree>
       <p:nvGrpSpPr>
@@ -2296,7 +2312,6 @@
               <a:rPr lang="en-US" dirty="0"/>
               <a:t>Edit Master text styles</a:t>
             </a:r>
-            <a:endParaRPr lang="en-US" dirty="0"/>
           </a:p>
         </p:txBody>
       </p:sp>
@@ -3000,6 +3015,7 @@
                   </a:schemeClr>
                 </a:solidFill>
               </a:rPr>
+              <a:t>‹#›</a:t>
             </a:fld>
             <a:endParaRPr lang="zh-CN" altLang="en-US" b="1" dirty="0">
               <a:solidFill>
@@ -3111,6 +3127,7 @@
           <a:p>
             <a:fld id="{E6F26766-F62E-419D-BB7F-91C9CEBCA24E}" type="datetime1">
               <a:rPr lang="zh-CN" altLang="en-US" smtClean="0"/>
+              <a:t>2022/3/12</a:t>
             </a:fld>
             <a:endParaRPr lang="zh-CN" altLang="en-US"/>
           </a:p>
@@ -3164,6 +3181,7 @@
           <a:p>
             <a:fld id="{5DD3DB80-B894-403A-B48E-6FDC1A72010E}" type="slidenum">
               <a:rPr lang="zh-CN" altLang="en-US" smtClean="0"/>
+              <a:t>‹#›</a:t>
             </a:fld>
             <a:endParaRPr lang="zh-CN" altLang="en-US"/>
           </a:p>
@@ -3178,7 +3196,7 @@
 </file>
 
 <file path=ppt/slideLayouts/slideLayout5.xml><?xml version="1.0" encoding="utf-8"?>
-<p:sldLayout xmlns:a="http://schemas.openxmlformats.org/drawingml/2006/main" xmlns:r="http://schemas.openxmlformats.org/officeDocument/2006/relationships" xmlns:p="http://schemas.openxmlformats.org/presentationml/2006/main" type="blank" preserve="1" showMasterSp="0">
+<p:sldLayout xmlns:a="http://schemas.openxmlformats.org/drawingml/2006/main" xmlns:r="http://schemas.openxmlformats.org/officeDocument/2006/relationships" xmlns:p="http://schemas.openxmlformats.org/presentationml/2006/main" showMasterSp="0" type="blank" preserve="1">
   <p:cSld name="空白">
     <p:spTree>
       <p:nvGrpSpPr>
@@ -3203,7 +3221,7 @@
 </file>
 
 <file path=ppt/slideLayouts/slideLayout6.xml><?xml version="1.0" encoding="utf-8"?>
-<p:sldLayout xmlns:a="http://schemas.openxmlformats.org/drawingml/2006/main" xmlns:r="http://schemas.openxmlformats.org/officeDocument/2006/relationships" xmlns:p="http://schemas.openxmlformats.org/presentationml/2006/main" preserve="1" showMasterSp="0" userDrawn="1">
+<p:sldLayout xmlns:a="http://schemas.openxmlformats.org/drawingml/2006/main" xmlns:r="http://schemas.openxmlformats.org/officeDocument/2006/relationships" xmlns:p="http://schemas.openxmlformats.org/presentationml/2006/main" showMasterSp="0" preserve="1" userDrawn="1">
   <p:cSld name="末尾幻灯片">
     <p:bg>
       <p:bgPr>
@@ -4115,7 +4133,6 @@
               <a:rPr lang="en-US" altLang="zh-CN" dirty="0"/>
               <a:t>Data</a:t>
             </a:r>
-            <a:endParaRPr lang="en-US" altLang="zh-CN" dirty="0"/>
           </a:p>
         </p:txBody>
       </p:sp>
@@ -4171,7 +4188,6 @@
               <a:rPr lang="en-US" altLang="zh-CN" dirty="0"/>
               <a:t>Signature</a:t>
             </a:r>
-            <a:endParaRPr lang="en-US" altLang="zh-CN" dirty="0"/>
           </a:p>
         </p:txBody>
       </p:sp>
@@ -4456,7 +4472,6 @@
               <a:rPr lang="en-US" dirty="0"/>
               <a:t>Edit Master text styles</a:t>
             </a:r>
-            <a:endParaRPr lang="en-US" dirty="0"/>
           </a:p>
           <a:p>
             <a:pPr lvl="1"/>
@@ -4464,7 +4479,6 @@
               <a:rPr lang="en-US" dirty="0"/>
               <a:t>Second level</a:t>
             </a:r>
-            <a:endParaRPr lang="en-US" dirty="0"/>
           </a:p>
           <a:p>
             <a:pPr lvl="2"/>
@@ -4472,7 +4486,6 @@
               <a:rPr lang="en-US" dirty="0"/>
               <a:t>Third level</a:t>
             </a:r>
-            <a:endParaRPr lang="en-US" dirty="0"/>
           </a:p>
           <a:p>
             <a:pPr lvl="3"/>
@@ -4480,7 +4493,6 @@
               <a:rPr lang="en-US" dirty="0"/>
               <a:t>Fourth level</a:t>
             </a:r>
-            <a:endParaRPr lang="en-US" dirty="0"/>
           </a:p>
           <a:p>
             <a:pPr lvl="4"/>
@@ -4528,6 +4540,7 @@
           <a:p>
             <a:fld id="{67FE44A0-2E53-457E-9AC0-11D6EE9FA3B5}" type="datetime1">
               <a:rPr lang="zh-CN" altLang="en-US" smtClean="0"/>
+              <a:t>2022/3/12</a:t>
             </a:fld>
             <a:endParaRPr lang="zh-CN" altLang="en-US"/>
           </a:p>
@@ -4619,6 +4632,7 @@
           <a:p>
             <a:fld id="{5DD3DB80-B894-403A-B48E-6FDC1A72010E}" type="slidenum">
               <a:rPr lang="zh-CN" altLang="en-US" smtClean="0"/>
+              <a:t>‹#›</a:t>
             </a:fld>
             <a:endParaRPr lang="zh-CN" altLang="en-US"/>
           </a:p>
@@ -6254,7 +6268,7 @@
           <p:nvPr/>
         </p:nvPicPr>
         <p:blipFill>
-          <a:blip r:embed="rId2" cstate="print">
+          <a:blip r:embed="rId3" cstate="print">
             <a:extLst>
               <a:ext uri="{28A0092B-C50C-407E-A947-70E740481C1C}">
                 <a14:useLocalDpi xmlns:a14="http://schemas.microsoft.com/office/drawing/2010/main" val="0"/>
@@ -6333,11 +6347,6 @@
               </a:rPr>
               <a:t>XXX</a:t>
             </a:r>
-            <a:endParaRPr lang="en-US" altLang="zh-CN" b="1" dirty="0">
-              <a:solidFill>
-                <a:schemeClr val="tx1"/>
-              </a:solidFill>
-            </a:endParaRPr>
           </a:p>
         </p:txBody>
       </p:sp>
@@ -6350,7 +6359,7 @@
           <p:nvPr/>
         </p:nvPicPr>
         <p:blipFill>
-          <a:blip r:embed="rId3" cstate="print">
+          <a:blip r:embed="rId4" cstate="print">
             <a:extLst>
               <a:ext uri="{28A0092B-C50C-407E-A947-70E740481C1C}">
                 <a14:useLocalDpi xmlns:a14="http://schemas.microsoft.com/office/drawing/2010/main" val="0"/>
@@ -6488,15 +6497,6 @@
               </a:rPr>
               <a:t>XXX</a:t>
             </a:r>
-            <a:endParaRPr lang="en-US" altLang="zh-CN" dirty="0">
-              <a:solidFill>
-                <a:srgbClr val="0000FF"/>
-              </a:solidFill>
-              <a:latin typeface="Times New Roman" panose="02020603050405020304" charset="0"/>
-              <a:ea typeface="微软雅黑" panose="020B0503020204020204" pitchFamily="34" charset="-122"/>
-              <a:cs typeface="+mn-ea"/>
-              <a:sym typeface="Times New Roman" panose="02020603050405020304" charset="0"/>
-            </a:endParaRPr>
           </a:p>
           <a:p>
             <a:pPr algn="l">
@@ -6528,15 +6528,6 @@
               </a:rPr>
               <a:t>XXX</a:t>
             </a:r>
-            <a:endParaRPr lang="en-US" altLang="zh-CN" dirty="0">
-              <a:solidFill>
-                <a:srgbClr val="0000FF"/>
-              </a:solidFill>
-              <a:latin typeface="Times New Roman" panose="02020603050405020304" charset="0"/>
-              <a:ea typeface="微软雅黑" panose="020B0503020204020204" pitchFamily="34" charset="-122"/>
-              <a:cs typeface="+mn-ea"/>
-              <a:sym typeface="Times New Roman" panose="02020603050405020304" charset="0"/>
-            </a:endParaRPr>
           </a:p>
           <a:p>
             <a:pPr algn="l">
@@ -6568,15 +6559,6 @@
               </a:rPr>
               <a:t>XXX</a:t>
             </a:r>
-            <a:endParaRPr lang="en-US" altLang="zh-CN" dirty="0">
-              <a:solidFill>
-                <a:srgbClr val="0000FF"/>
-              </a:solidFill>
-              <a:latin typeface="Times New Roman" panose="02020603050405020304" charset="0"/>
-              <a:ea typeface="微软雅黑" panose="020B0503020204020204" pitchFamily="34" charset="-122"/>
-              <a:cs typeface="+mn-ea"/>
-              <a:sym typeface="Times New Roman" panose="02020603050405020304" charset="0"/>
-            </a:endParaRPr>
           </a:p>
           <a:p>
             <a:pPr algn="l">
@@ -6608,15 +6590,6 @@
               </a:rPr>
               <a:t>XXX</a:t>
             </a:r>
-            <a:endParaRPr lang="en-US" altLang="zh-CN" dirty="0">
-              <a:solidFill>
-                <a:srgbClr val="0000FF"/>
-              </a:solidFill>
-              <a:latin typeface="Times New Roman" panose="02020603050405020304" charset="0"/>
-              <a:ea typeface="微软雅黑" panose="020B0503020204020204" pitchFamily="34" charset="-122"/>
-              <a:cs typeface="+mn-ea"/>
-              <a:sym typeface="Times New Roman" panose="02020603050405020304" charset="0"/>
-            </a:endParaRPr>
           </a:p>
         </p:txBody>
       </p:sp>
@@ -7003,11 +6976,6 @@
               </a:rPr>
               <a:t>内容导航：</a:t>
             </a:r>
-            <a:endParaRPr lang="zh-CN" altLang="en-US" sz="2800" b="1" dirty="0">
-              <a:solidFill>
-                <a:schemeClr val="bg1"/>
-              </a:solidFill>
-            </a:endParaRPr>
           </a:p>
         </p:txBody>
       </p:sp>
@@ -7248,7 +7216,7 @@
           <p:nvPr/>
         </p:nvPicPr>
         <p:blipFill>
-          <a:blip r:embed="rId1" cstate="print">
+          <a:blip r:embed="rId3" cstate="print">
             <a:extLst>
               <a:ext uri="{28A0092B-C50C-407E-A947-70E740481C1C}">
                 <a14:useLocalDpi xmlns:a14="http://schemas.microsoft.com/office/drawing/2010/main" val="0"/>
@@ -7279,7 +7247,7 @@
           <p:nvPr/>
         </p:nvPicPr>
         <p:blipFill>
-          <a:blip r:embed="rId1" cstate="print">
+          <a:blip r:embed="rId3" cstate="print">
             <a:extLst>
               <a:ext uri="{28A0092B-C50C-407E-A947-70E740481C1C}">
                 <a14:useLocalDpi xmlns:a14="http://schemas.microsoft.com/office/drawing/2010/main" val="0"/>
@@ -7355,9 +7323,6 @@
               </a:rPr>
               <a:t>SCAN</a:t>
             </a:r>
-            <a:endParaRPr lang="zh-CN" altLang="en-US" sz="2400">
-              <a:sym typeface="+mn-ea"/>
-            </a:endParaRPr>
           </a:p>
           <a:p>
             <a:pPr algn="l">
@@ -7378,7 +7343,7 @@
           <p:cNvGraphicFramePr/>
           <p:nvPr>
             <p:custDataLst>
-              <p:tags r:id="rId2"/>
+              <p:tags r:id="rId1"/>
             </p:custDataLst>
           </p:nvPr>
         </p:nvGraphicFramePr>
@@ -7399,6 +7364,7 @@
                 <a:tc>
                   <a:txBody>
                     <a:bodyPr/>
+                    <a:lstStyle/>
                     <a:p>
                       <a:pPr algn="l">
                         <a:lnSpc>
@@ -7410,7 +7376,6 @@
                         <a:rPr lang="zh-CN" altLang="en-US"/>
                         <a:t>示例：</a:t>
                       </a:r>
-                      <a:endParaRPr lang="zh-CN" altLang="en-US"/>
                     </a:p>
                     <a:p>
                       <a:pPr marL="726440" indent="-481965" algn="l">
@@ -7432,17 +7397,8 @@
                       </a:r>
                       <a:r>
                         <a:rPr lang="zh-CN"/>
-                        <a:t>：（篇幅</a:t>
+                        <a:t>：（篇幅所限创建两条为例）</a:t>
                       </a:r>
-                      <a:r>
-                        <a:rPr lang="zh-CN"/>
-                        <a:t>所限创建两条为</a:t>
-                      </a:r>
-                      <a:r>
-                        <a:rPr lang="zh-CN"/>
-                        <a:t>例）</a:t>
-                      </a:r>
-                      <a:endParaRPr lang="zh-CN"/>
                     </a:p>
                     <a:p>
                       <a:pPr marL="726440" indent="-481965" algn="l">
@@ -7454,7 +7410,7 @@
                       <a:endParaRPr lang="zh-CN"/>
                     </a:p>
                   </a:txBody>
-                  <a:tcPr anchor="t" anchorCtr="0"/>
+                  <a:tcPr/>
                 </a:tc>
               </a:tr>
             </a:tbl>
@@ -7470,7 +7426,7 @@
           <p:nvPr/>
         </p:nvPicPr>
         <p:blipFill>
-          <a:blip r:embed="rId3"/>
+          <a:blip r:embed="rId4"/>
           <a:stretch>
             <a:fillRect/>
           </a:stretch>
@@ -7868,11 +7824,6 @@
               </a:rPr>
               <a:t>内容导航：</a:t>
             </a:r>
-            <a:endParaRPr lang="zh-CN" altLang="en-US" sz="2800" b="1" dirty="0">
-              <a:solidFill>
-                <a:schemeClr val="bg1"/>
-              </a:solidFill>
-            </a:endParaRPr>
           </a:p>
         </p:txBody>
       </p:sp>
@@ -8113,7 +8064,7 @@
           <p:nvPr/>
         </p:nvPicPr>
         <p:blipFill>
-          <a:blip r:embed="rId1" cstate="print">
+          <a:blip r:embed="rId3" cstate="print">
             <a:extLst>
               <a:ext uri="{28A0092B-C50C-407E-A947-70E740481C1C}">
                 <a14:useLocalDpi xmlns:a14="http://schemas.microsoft.com/office/drawing/2010/main" val="0"/>
@@ -8144,7 +8095,7 @@
           <p:nvPr/>
         </p:nvPicPr>
         <p:blipFill>
-          <a:blip r:embed="rId1" cstate="print">
+          <a:blip r:embed="rId3" cstate="print">
             <a:extLst>
               <a:ext uri="{28A0092B-C50C-407E-A947-70E740481C1C}">
                 <a14:useLocalDpi xmlns:a14="http://schemas.microsoft.com/office/drawing/2010/main" val="0"/>
@@ -8220,9 +8171,6 @@
               </a:rPr>
               <a:t>SCAN</a:t>
             </a:r>
-            <a:endParaRPr lang="zh-CN" altLang="en-US" sz="2400">
-              <a:sym typeface="+mn-ea"/>
-            </a:endParaRPr>
           </a:p>
           <a:p>
             <a:pPr algn="l">
@@ -8243,7 +8191,7 @@
           <p:cNvGraphicFramePr/>
           <p:nvPr>
             <p:custDataLst>
-              <p:tags r:id="rId2"/>
+              <p:tags r:id="rId1"/>
             </p:custDataLst>
           </p:nvPr>
         </p:nvGraphicFramePr>
@@ -8264,6 +8212,7 @@
                 <a:tc>
                   <a:txBody>
                     <a:bodyPr/>
+                    <a:lstStyle/>
                     <a:p>
                       <a:pPr algn="l">
                         <a:lnSpc>
@@ -8275,7 +8224,6 @@
                         <a:rPr lang="zh-CN" altLang="en-US"/>
                         <a:t>示例：</a:t>
                       </a:r>
-                      <a:endParaRPr lang="zh-CN" altLang="en-US"/>
                     </a:p>
                     <a:p>
                       <a:pPr marL="726440" indent="-481965" algn="l">
@@ -8297,7 +8245,7 @@
                       </a:r>
                     </a:p>
                   </a:txBody>
-                  <a:tcPr anchor="t" anchorCtr="0"/>
+                  <a:tcPr/>
                 </a:tc>
               </a:tr>
             </a:tbl>
@@ -8313,7 +8261,7 @@
           <p:nvPr/>
         </p:nvPicPr>
         <p:blipFill>
-          <a:blip r:embed="rId3"/>
+          <a:blip r:embed="rId4"/>
           <a:stretch>
             <a:fillRect/>
           </a:stretch>
@@ -8711,11 +8659,6 @@
               </a:rPr>
               <a:t>内容导航：</a:t>
             </a:r>
-            <a:endParaRPr lang="zh-CN" altLang="en-US" sz="2800" b="1" dirty="0">
-              <a:solidFill>
-                <a:schemeClr val="bg1"/>
-              </a:solidFill>
-            </a:endParaRPr>
           </a:p>
         </p:txBody>
       </p:sp>
@@ -8956,7 +8899,7 @@
           <p:nvPr/>
         </p:nvPicPr>
         <p:blipFill>
-          <a:blip r:embed="rId1" cstate="print">
+          <a:blip r:embed="rId3" cstate="print">
             <a:extLst>
               <a:ext uri="{28A0092B-C50C-407E-A947-70E740481C1C}">
                 <a14:useLocalDpi xmlns:a14="http://schemas.microsoft.com/office/drawing/2010/main" val="0"/>
@@ -8987,7 +8930,7 @@
           <p:nvPr/>
         </p:nvPicPr>
         <p:blipFill>
-          <a:blip r:embed="rId1" cstate="print">
+          <a:blip r:embed="rId3" cstate="print">
             <a:extLst>
               <a:ext uri="{28A0092B-C50C-407E-A947-70E740481C1C}">
                 <a14:useLocalDpi xmlns:a14="http://schemas.microsoft.com/office/drawing/2010/main" val="0"/>
@@ -9063,9 +9006,6 @@
               </a:rPr>
               <a:t>SCAN</a:t>
             </a:r>
-            <a:endParaRPr lang="zh-CN" altLang="en-US" sz="2400">
-              <a:sym typeface="+mn-ea"/>
-            </a:endParaRPr>
           </a:p>
           <a:p>
             <a:pPr algn="l">
@@ -9086,7 +9026,7 @@
           <p:cNvGraphicFramePr/>
           <p:nvPr>
             <p:custDataLst>
-              <p:tags r:id="rId2"/>
+              <p:tags r:id="rId1"/>
             </p:custDataLst>
           </p:nvPr>
         </p:nvGraphicFramePr>
@@ -9107,6 +9047,7 @@
                 <a:tc>
                   <a:txBody>
                     <a:bodyPr/>
+                    <a:lstStyle/>
                     <a:p>
                       <a:pPr algn="l">
                         <a:lnSpc>
@@ -9118,7 +9059,6 @@
                         <a:rPr lang="zh-CN" altLang="en-US"/>
                         <a:t>示例：</a:t>
                       </a:r>
-                      <a:endParaRPr lang="zh-CN" altLang="en-US"/>
                     </a:p>
                     <a:p>
                       <a:pPr marL="726440" indent="-481965" algn="l">
@@ -9140,7 +9080,7 @@
                       </a:r>
                     </a:p>
                   </a:txBody>
-                  <a:tcPr anchor="t" anchorCtr="0"/>
+                  <a:tcPr/>
                 </a:tc>
               </a:tr>
             </a:tbl>
@@ -9156,7 +9096,7 @@
           <p:nvPr/>
         </p:nvPicPr>
         <p:blipFill>
-          <a:blip r:embed="rId3"/>
+          <a:blip r:embed="rId4"/>
           <a:stretch>
             <a:fillRect/>
           </a:stretch>
@@ -9554,11 +9494,6 @@
               </a:rPr>
               <a:t>内容导航：</a:t>
             </a:r>
-            <a:endParaRPr lang="zh-CN" altLang="en-US" sz="2800" b="1" dirty="0">
-              <a:solidFill>
-                <a:schemeClr val="bg1"/>
-              </a:solidFill>
-            </a:endParaRPr>
           </a:p>
         </p:txBody>
       </p:sp>
@@ -9799,7 +9734,7 @@
           <p:nvPr/>
         </p:nvPicPr>
         <p:blipFill>
-          <a:blip r:embed="rId1" cstate="print">
+          <a:blip r:embed="rId3" cstate="print">
             <a:extLst>
               <a:ext uri="{28A0092B-C50C-407E-A947-70E740481C1C}">
                 <a14:useLocalDpi xmlns:a14="http://schemas.microsoft.com/office/drawing/2010/main" val="0"/>
@@ -9830,7 +9765,7 @@
           <p:nvPr/>
         </p:nvPicPr>
         <p:blipFill>
-          <a:blip r:embed="rId1" cstate="print">
+          <a:blip r:embed="rId3" cstate="print">
             <a:extLst>
               <a:ext uri="{28A0092B-C50C-407E-A947-70E740481C1C}">
                 <a14:useLocalDpi xmlns:a14="http://schemas.microsoft.com/office/drawing/2010/main" val="0"/>
@@ -9921,7 +9856,7 @@
           <p:cNvGraphicFramePr/>
           <p:nvPr>
             <p:custDataLst>
-              <p:tags r:id="rId2"/>
+              <p:tags r:id="rId1"/>
             </p:custDataLst>
           </p:nvPr>
         </p:nvGraphicFramePr>
@@ -9943,6 +9878,7 @@
                 <a:tc>
                   <a:txBody>
                     <a:bodyPr/>
+                    <a:lstStyle/>
                     <a:p>
                       <a:pPr algn="ctr">
                         <a:buNone/>
@@ -9951,14 +9887,14 @@
                         <a:rPr lang="zh-CN" altLang="en-US"/>
                         <a:t>键值</a:t>
                       </a:r>
-                      <a:endParaRPr lang="zh-CN" altLang="en-US"/>
                     </a:p>
                   </a:txBody>
-                  <a:tcPr anchor="ctr" anchorCtr="0"/>
+                  <a:tcPr anchor="ctr"/>
                 </a:tc>
                 <a:tc>
                   <a:txBody>
                     <a:bodyPr/>
+                    <a:lstStyle/>
                     <a:p>
                       <a:pPr algn="ctr">
                         <a:buNone/>
@@ -9967,16 +9903,16 @@
                         <a:rPr lang="zh-CN" altLang="en-US"/>
                         <a:t>释义</a:t>
                       </a:r>
-                      <a:endParaRPr lang="zh-CN" altLang="en-US"/>
                     </a:p>
                   </a:txBody>
-                  <a:tcPr anchor="ctr" anchorCtr="0"/>
+                  <a:tcPr anchor="ctr"/>
                 </a:tc>
               </a:tr>
               <a:tr h="640080">
                 <a:tc>
                   <a:txBody>
                     <a:bodyPr/>
+                    <a:lstStyle/>
                     <a:p>
                       <a:pPr algn="ctr">
                         <a:buNone/>
@@ -9985,14 +9921,14 @@
                         <a:rPr lang="zh-CN" altLang="en-US"/>
                         <a:t>EXISTS</a:t>
                       </a:r>
-                      <a:endParaRPr lang="zh-CN" altLang="en-US"/>
                     </a:p>
                   </a:txBody>
-                  <a:tcPr anchor="ctr" anchorCtr="0"/>
+                  <a:tcPr anchor="ctr"/>
                 </a:tc>
                 <a:tc>
                   <a:txBody>
                     <a:bodyPr/>
+                    <a:lstStyle/>
                     <a:p>
                       <a:pPr algn="l">
                         <a:buNone/>
@@ -10001,16 +9937,16 @@
                         <a:rPr lang="zh-CN" altLang="en-US"/>
                         <a:t>EXISTS key 查看一个键是否存在，如果键存在则返回1， 否则返回0</a:t>
                       </a:r>
-                      <a:endParaRPr lang="zh-CN" altLang="en-US"/>
                     </a:p>
                   </a:txBody>
-                  <a:tcPr anchor="ctr" anchorCtr="0"/>
+                  <a:tcPr anchor="ctr"/>
                 </a:tc>
               </a:tr>
               <a:tr h="2717800">
                 <a:tc gridSpan="2">
                   <a:txBody>
                     <a:bodyPr/>
+                    <a:lstStyle/>
                     <a:p>
                       <a:pPr algn="l">
                         <a:buNone/>
@@ -10067,13 +10003,19 @@
                         <a:rPr lang="zh-CN" altLang="en-US"/>
                         <a:t>从结果中不存在address这个key，但是name这个key存在。</a:t>
                       </a:r>
-                      <a:endParaRPr lang="zh-CN" altLang="en-US"/>
                     </a:p>
                   </a:txBody>
-                  <a:tcPr anchor="t" anchorCtr="0"/>
+                  <a:tcPr/>
                 </a:tc>
                 <a:tc hMerge="1">
-                  <a:tcPr anchor="ctr" anchorCtr="0"/>
+                  <a:txBody>
+                    <a:bodyPr/>
+                    <a:lstStyle/>
+                    <a:p>
+                      <a:endParaRPr lang="zh-CN"/>
+                    </a:p>
+                  </a:txBody>
+                  <a:tcPr anchor="ctr"/>
                 </a:tc>
               </a:tr>
             </a:tbl>
@@ -10089,7 +10031,7 @@
           <p:nvPr/>
         </p:nvPicPr>
         <p:blipFill>
-          <a:blip r:embed="rId3"/>
+          <a:blip r:embed="rId4"/>
           <a:stretch>
             <a:fillRect/>
           </a:stretch>
@@ -10487,11 +10429,6 @@
               </a:rPr>
               <a:t>内容导航：</a:t>
             </a:r>
-            <a:endParaRPr lang="zh-CN" altLang="en-US" sz="2800" b="1" dirty="0">
-              <a:solidFill>
-                <a:schemeClr val="bg1"/>
-              </a:solidFill>
-            </a:endParaRPr>
           </a:p>
         </p:txBody>
       </p:sp>
@@ -10732,7 +10669,7 @@
           <p:nvPr/>
         </p:nvPicPr>
         <p:blipFill>
-          <a:blip r:embed="rId1" cstate="print">
+          <a:blip r:embed="rId3" cstate="print">
             <a:extLst>
               <a:ext uri="{28A0092B-C50C-407E-A947-70E740481C1C}">
                 <a14:useLocalDpi xmlns:a14="http://schemas.microsoft.com/office/drawing/2010/main" val="0"/>
@@ -10763,7 +10700,7 @@
           <p:nvPr/>
         </p:nvPicPr>
         <p:blipFill>
-          <a:blip r:embed="rId1" cstate="print">
+          <a:blip r:embed="rId3" cstate="print">
             <a:extLst>
               <a:ext uri="{28A0092B-C50C-407E-A947-70E740481C1C}">
                 <a14:useLocalDpi xmlns:a14="http://schemas.microsoft.com/office/drawing/2010/main" val="0"/>
@@ -10854,7 +10791,7 @@
           <p:cNvGraphicFramePr/>
           <p:nvPr>
             <p:custDataLst>
-              <p:tags r:id="rId2"/>
+              <p:tags r:id="rId1"/>
             </p:custDataLst>
           </p:nvPr>
         </p:nvGraphicFramePr>
@@ -10876,6 +10813,7 @@
                 <a:tc>
                   <a:txBody>
                     <a:bodyPr/>
+                    <a:lstStyle/>
                     <a:p>
                       <a:pPr algn="ctr">
                         <a:buNone/>
@@ -10884,14 +10822,14 @@
                         <a:rPr lang="zh-CN" altLang="en-US"/>
                         <a:t>键值</a:t>
                       </a:r>
-                      <a:endParaRPr lang="zh-CN" altLang="en-US"/>
                     </a:p>
                   </a:txBody>
-                  <a:tcPr anchor="ctr" anchorCtr="0"/>
+                  <a:tcPr anchor="ctr"/>
                 </a:tc>
                 <a:tc>
                   <a:txBody>
                     <a:bodyPr/>
+                    <a:lstStyle/>
                     <a:p>
                       <a:pPr algn="ctr">
                         <a:buNone/>
@@ -10900,16 +10838,16 @@
                         <a:rPr lang="zh-CN" altLang="en-US"/>
                         <a:t>释义</a:t>
                       </a:r>
-                      <a:endParaRPr lang="zh-CN" altLang="en-US"/>
                     </a:p>
                   </a:txBody>
-                  <a:tcPr anchor="ctr" anchorCtr="0"/>
+                  <a:tcPr anchor="ctr"/>
                 </a:tc>
               </a:tr>
               <a:tr h="640080">
                 <a:tc>
                   <a:txBody>
                     <a:bodyPr/>
+                    <a:lstStyle/>
                     <a:p>
                       <a:pPr algn="ctr">
                         <a:buNone/>
@@ -10918,14 +10856,14 @@
                         <a:rPr lang="en-US" altLang="zh-CN"/>
                         <a:t>DEL</a:t>
                       </a:r>
-                      <a:endParaRPr lang="en-US" altLang="zh-CN"/>
                     </a:p>
                   </a:txBody>
-                  <a:tcPr anchor="ctr" anchorCtr="0"/>
+                  <a:tcPr anchor="ctr"/>
                 </a:tc>
                 <a:tc>
                   <a:txBody>
                     <a:bodyPr/>
+                    <a:lstStyle/>
                     <a:p>
                       <a:pPr algn="l">
                         <a:buNone/>
@@ -10934,16 +10872,16 @@
                         <a:rPr lang="zh-CN" altLang="en-US"/>
                         <a:t>DEL key [key ...] 删除键, 返回值为删除键的个数</a:t>
                       </a:r>
-                      <a:endParaRPr lang="zh-CN" altLang="en-US"/>
                     </a:p>
                   </a:txBody>
-                  <a:tcPr anchor="ctr" anchorCtr="0"/>
+                  <a:tcPr anchor="ctr"/>
                 </a:tc>
               </a:tr>
               <a:tr h="2717800">
                 <a:tc gridSpan="2">
                   <a:txBody>
                     <a:bodyPr/>
+                    <a:lstStyle/>
                     <a:p>
                       <a:pPr algn="l">
                         <a:buNone/>
@@ -11008,13 +10946,19 @@
                         <a:rPr lang="en-US" altLang="zh-CN"/>
                         <a:t> </a:t>
                       </a:r>
-                      <a:endParaRPr lang="en-US" altLang="zh-CN"/>
                     </a:p>
                   </a:txBody>
-                  <a:tcPr anchor="t" anchorCtr="0"/>
+                  <a:tcPr/>
                 </a:tc>
                 <a:tc hMerge="1">
-                  <a:tcPr anchor="ctr" anchorCtr="0"/>
+                  <a:txBody>
+                    <a:bodyPr/>
+                    <a:lstStyle/>
+                    <a:p>
+                      <a:endParaRPr lang="zh-CN"/>
+                    </a:p>
+                  </a:txBody>
+                  <a:tcPr anchor="ctr"/>
                 </a:tc>
               </a:tr>
             </a:tbl>
@@ -11030,7 +10974,7 @@
           <p:nvPr/>
         </p:nvPicPr>
         <p:blipFill>
-          <a:blip r:embed="rId3"/>
+          <a:blip r:embed="rId4"/>
           <a:stretch>
             <a:fillRect/>
           </a:stretch>
@@ -11428,11 +11372,6 @@
               </a:rPr>
               <a:t>内容导航：</a:t>
             </a:r>
-            <a:endParaRPr lang="zh-CN" altLang="en-US" sz="2800" b="1" dirty="0">
-              <a:solidFill>
-                <a:schemeClr val="bg1"/>
-              </a:solidFill>
-            </a:endParaRPr>
           </a:p>
         </p:txBody>
       </p:sp>
@@ -11673,7 +11612,7 @@
           <p:nvPr/>
         </p:nvPicPr>
         <p:blipFill>
-          <a:blip r:embed="rId1" cstate="print">
+          <a:blip r:embed="rId3" cstate="print">
             <a:extLst>
               <a:ext uri="{28A0092B-C50C-407E-A947-70E740481C1C}">
                 <a14:useLocalDpi xmlns:a14="http://schemas.microsoft.com/office/drawing/2010/main" val="0"/>
@@ -11704,7 +11643,7 @@
           <p:nvPr/>
         </p:nvPicPr>
         <p:blipFill>
-          <a:blip r:embed="rId1" cstate="print">
+          <a:blip r:embed="rId3" cstate="print">
             <a:extLst>
               <a:ext uri="{28A0092B-C50C-407E-A947-70E740481C1C}">
                 <a14:useLocalDpi xmlns:a14="http://schemas.microsoft.com/office/drawing/2010/main" val="0"/>
@@ -11795,13 +11734,13 @@
           <p:cNvGraphicFramePr/>
           <p:nvPr>
             <p:custDataLst>
-              <p:tags r:id="rId2"/>
+              <p:tags r:id="rId1"/>
             </p:custDataLst>
           </p:nvPr>
         </p:nvGraphicFramePr>
         <p:xfrm>
           <a:off x="1484630" y="1986915"/>
-          <a:ext cx="9226550" cy="3901440"/>
+          <a:ext cx="9226550" cy="4292600"/>
         </p:xfrm>
         <a:graphic>
           <a:graphicData uri="http://schemas.openxmlformats.org/drawingml/2006/table">
@@ -11817,6 +11756,7 @@
                 <a:tc>
                   <a:txBody>
                     <a:bodyPr/>
+                    <a:lstStyle/>
                     <a:p>
                       <a:pPr algn="ctr">
                         <a:buNone/>
@@ -11825,14 +11765,14 @@
                         <a:rPr lang="zh-CN" altLang="en-US"/>
                         <a:t>键值</a:t>
                       </a:r>
-                      <a:endParaRPr lang="zh-CN" altLang="en-US"/>
                     </a:p>
                   </a:txBody>
-                  <a:tcPr anchor="ctr" anchorCtr="0"/>
+                  <a:tcPr anchor="ctr"/>
                 </a:tc>
                 <a:tc>
                   <a:txBody>
                     <a:bodyPr/>
+                    <a:lstStyle/>
                     <a:p>
                       <a:pPr algn="ctr">
                         <a:buNone/>
@@ -11841,16 +11781,16 @@
                         <a:rPr lang="zh-CN" altLang="en-US"/>
                         <a:t>释义</a:t>
                       </a:r>
-                      <a:endParaRPr lang="zh-CN" altLang="en-US"/>
                     </a:p>
                   </a:txBody>
-                  <a:tcPr anchor="ctr" anchorCtr="0"/>
+                  <a:tcPr anchor="ctr"/>
                 </a:tc>
               </a:tr>
               <a:tr h="640080">
                 <a:tc>
                   <a:txBody>
                     <a:bodyPr/>
+                    <a:lstStyle/>
                     <a:p>
                       <a:pPr algn="ctr">
                         <a:buNone/>
@@ -11859,14 +11799,14 @@
                         <a:rPr lang="en-US" altLang="zh-CN"/>
                         <a:t>EXPIRE</a:t>
                       </a:r>
-                      <a:endParaRPr lang="en-US" altLang="zh-CN"/>
                     </a:p>
                   </a:txBody>
-                  <a:tcPr anchor="ctr" anchorCtr="0"/>
+                  <a:tcPr anchor="ctr"/>
                 </a:tc>
                 <a:tc>
                   <a:txBody>
                     <a:bodyPr/>
+                    <a:lstStyle/>
                     <a:p>
                       <a:pPr algn="l">
                         <a:buNone/>
@@ -11875,16 +11815,16 @@
                         <a:rPr lang="zh-CN" altLang="en-US"/>
                         <a:t>EXPIRE key seconds ,该命令为设置key的过期时间，单位为秒。超过该时间后，Key被自动的删除。</a:t>
                       </a:r>
-                      <a:endParaRPr lang="zh-CN" altLang="en-US"/>
                     </a:p>
                   </a:txBody>
-                  <a:tcPr anchor="ctr" anchorCtr="0"/>
+                  <a:tcPr anchor="ctr"/>
                 </a:tc>
               </a:tr>
               <a:tr h="2717800">
                 <a:tc gridSpan="2">
                   <a:txBody>
                     <a:bodyPr/>
+                    <a:lstStyle/>
                     <a:p>
                       <a:pPr algn="l">
                         <a:buNone/>
@@ -11893,7 +11833,6 @@
                         <a:rPr lang="zh-CN" altLang="en-US"/>
                         <a:t>返回值为1表示超时被设置，返回值为0则表示Key不存在，不能被设置为超时。</a:t>
                       </a:r>
-                      <a:endParaRPr lang="zh-CN" altLang="en-US"/>
                     </a:p>
                     <a:p>
                       <a:pPr algn="l">
@@ -11911,7 +11850,6 @@
                         <a:rPr lang="zh-CN" altLang="en-US"/>
                         <a:t>如果key已经存在过期时间，在通过expire设置的时候回覆盖之前过期时间。</a:t>
                       </a:r>
-                      <a:endParaRPr lang="zh-CN" altLang="en-US"/>
                     </a:p>
                     <a:p>
                       <a:pPr algn="l">
@@ -11945,7 +11883,6 @@
                         <a:rPr lang="zh-CN" altLang="en-US"/>
                         <a:t>在本例中，使用expire命令让cache_page存在一分钟。等待一分钟，一分钟后 cache_page这个key会自动删除，就不存在了。可以使用exists命令查看这个key</a:t>
                       </a:r>
-                      <a:endParaRPr lang="zh-CN" altLang="en-US"/>
                     </a:p>
                     <a:p>
                       <a:pPr algn="l">
@@ -11966,10 +11903,17 @@
                       <a:endParaRPr lang="en-US" altLang="zh-CN"/>
                     </a:p>
                   </a:txBody>
-                  <a:tcPr anchor="t" anchorCtr="0"/>
+                  <a:tcPr/>
                 </a:tc>
                 <a:tc hMerge="1">
-                  <a:tcPr anchor="ctr" anchorCtr="0"/>
+                  <a:txBody>
+                    <a:bodyPr/>
+                    <a:lstStyle/>
+                    <a:p>
+                      <a:endParaRPr lang="zh-CN"/>
+                    </a:p>
+                  </a:txBody>
+                  <a:tcPr anchor="ctr"/>
                 </a:tc>
               </a:tr>
             </a:tbl>
@@ -11985,7 +11929,7 @@
           <p:nvPr/>
         </p:nvPicPr>
         <p:blipFill>
-          <a:blip r:embed="rId3"/>
+          <a:blip r:embed="rId4"/>
           <a:stretch>
             <a:fillRect/>
           </a:stretch>
@@ -12009,7 +11953,7 @@
           <p:nvPr/>
         </p:nvPicPr>
         <p:blipFill>
-          <a:blip r:embed="rId4"/>
+          <a:blip r:embed="rId5"/>
           <a:stretch>
             <a:fillRect/>
           </a:stretch>
@@ -12407,11 +12351,6 @@
               </a:rPr>
               <a:t>内容导航：</a:t>
             </a:r>
-            <a:endParaRPr lang="zh-CN" altLang="en-US" sz="2800" b="1" dirty="0">
-              <a:solidFill>
-                <a:schemeClr val="bg1"/>
-              </a:solidFill>
-            </a:endParaRPr>
           </a:p>
         </p:txBody>
       </p:sp>
@@ -12652,7 +12591,7 @@
           <p:nvPr/>
         </p:nvPicPr>
         <p:blipFill>
-          <a:blip r:embed="rId1" cstate="print">
+          <a:blip r:embed="rId3" cstate="print">
             <a:extLst>
               <a:ext uri="{28A0092B-C50C-407E-A947-70E740481C1C}">
                 <a14:useLocalDpi xmlns:a14="http://schemas.microsoft.com/office/drawing/2010/main" val="0"/>
@@ -12683,7 +12622,7 @@
           <p:nvPr/>
         </p:nvPicPr>
         <p:blipFill>
-          <a:blip r:embed="rId1" cstate="print">
+          <a:blip r:embed="rId3" cstate="print">
             <a:extLst>
               <a:ext uri="{28A0092B-C50C-407E-A947-70E740481C1C}">
                 <a14:useLocalDpi xmlns:a14="http://schemas.microsoft.com/office/drawing/2010/main" val="0"/>
@@ -12774,7 +12713,7 @@
           <p:cNvGraphicFramePr/>
           <p:nvPr>
             <p:custDataLst>
-              <p:tags r:id="rId2"/>
+              <p:tags r:id="rId1"/>
             </p:custDataLst>
           </p:nvPr>
         </p:nvGraphicFramePr>
@@ -12796,6 +12735,7 @@
                 <a:tc>
                   <a:txBody>
                     <a:bodyPr/>
+                    <a:lstStyle/>
                     <a:p>
                       <a:pPr algn="ctr">
                         <a:buNone/>
@@ -12804,14 +12744,14 @@
                         <a:rPr lang="zh-CN" altLang="en-US"/>
                         <a:t>键值</a:t>
                       </a:r>
-                      <a:endParaRPr lang="zh-CN" altLang="en-US"/>
                     </a:p>
                   </a:txBody>
-                  <a:tcPr anchor="ctr" anchorCtr="0"/>
+                  <a:tcPr anchor="ctr"/>
                 </a:tc>
                 <a:tc>
                   <a:txBody>
                     <a:bodyPr/>
+                    <a:lstStyle/>
                     <a:p>
                       <a:pPr algn="ctr">
                         <a:buNone/>
@@ -12820,16 +12760,16 @@
                         <a:rPr lang="zh-CN" altLang="en-US"/>
                         <a:t>释义</a:t>
                       </a:r>
-                      <a:endParaRPr lang="zh-CN" altLang="en-US"/>
                     </a:p>
                   </a:txBody>
-                  <a:tcPr anchor="ctr" anchorCtr="0"/>
+                  <a:tcPr anchor="ctr"/>
                 </a:tc>
               </a:tr>
               <a:tr h="692785">
                 <a:tc>
                   <a:txBody>
                     <a:bodyPr/>
+                    <a:lstStyle/>
                     <a:p>
                       <a:pPr algn="ctr">
                         <a:buNone/>
@@ -12838,14 +12778,14 @@
                         <a:rPr lang="en-US" altLang="zh-CN"/>
                         <a:t>TTL</a:t>
                       </a:r>
-                      <a:endParaRPr lang="en-US" altLang="zh-CN"/>
                     </a:p>
                   </a:txBody>
-                  <a:tcPr anchor="ctr" anchorCtr="0"/>
+                  <a:tcPr anchor="ctr"/>
                 </a:tc>
                 <a:tc>
                   <a:txBody>
                     <a:bodyPr/>
+                    <a:lstStyle/>
                     <a:p>
                       <a:pPr algn="l">
                         <a:buNone/>
@@ -12854,16 +12794,16 @@
                         <a:rPr lang="zh-CN" altLang="en-US"/>
                         <a:t>TTL key ，获取该键的过期时间。该命令以秒为单位返回key的剩余时间，如果该键不存在或没有超时设置，则返回-2</a:t>
                       </a:r>
-                      <a:endParaRPr lang="zh-CN" altLang="en-US"/>
                     </a:p>
                   </a:txBody>
-                  <a:tcPr anchor="ctr" anchorCtr="0"/>
+                  <a:tcPr anchor="ctr"/>
                 </a:tc>
               </a:tr>
               <a:tr h="2941955">
                 <a:tc gridSpan="2">
                   <a:txBody>
                     <a:bodyPr/>
+                    <a:lstStyle/>
                     <a:p>
                       <a:pPr marL="3836670" indent="278765" algn="l">
                         <a:lnSpc>
@@ -12875,13 +12815,19 @@
                         <a:rPr lang="en-US" altLang="zh-CN"/>
                         <a:t>在本例中，我们设置cache_page2这个key的过期时间是60秒，然后我们不断用ttl来获取这个key的有效时长，直至为-2说明此值以过期。</a:t>
                       </a:r>
-                      <a:endParaRPr lang="en-US" altLang="zh-CN"/>
                     </a:p>
                   </a:txBody>
-                  <a:tcPr anchor="ctr" anchorCtr="0"/>
+                  <a:tcPr anchor="ctr"/>
                 </a:tc>
                 <a:tc hMerge="1">
-                  <a:tcPr anchor="ctr" anchorCtr="0"/>
+                  <a:txBody>
+                    <a:bodyPr/>
+                    <a:lstStyle/>
+                    <a:p>
+                      <a:endParaRPr lang="zh-CN"/>
+                    </a:p>
+                  </a:txBody>
+                  <a:tcPr anchor="ctr"/>
                 </a:tc>
               </a:tr>
             </a:tbl>
@@ -12897,7 +12843,7 @@
           <p:nvPr/>
         </p:nvPicPr>
         <p:blipFill>
-          <a:blip r:embed="rId3"/>
+          <a:blip r:embed="rId4"/>
           <a:stretch>
             <a:fillRect/>
           </a:stretch>
@@ -13295,11 +13241,6 @@
               </a:rPr>
               <a:t>内容导航：</a:t>
             </a:r>
-            <a:endParaRPr lang="zh-CN" altLang="en-US" sz="2800" b="1" dirty="0">
-              <a:solidFill>
-                <a:schemeClr val="bg1"/>
-              </a:solidFill>
-            </a:endParaRPr>
           </a:p>
         </p:txBody>
       </p:sp>
@@ -13540,7 +13481,7 @@
           <p:nvPr/>
         </p:nvPicPr>
         <p:blipFill>
-          <a:blip r:embed="rId1" cstate="print">
+          <a:blip r:embed="rId3" cstate="print">
             <a:extLst>
               <a:ext uri="{28A0092B-C50C-407E-A947-70E740481C1C}">
                 <a14:useLocalDpi xmlns:a14="http://schemas.microsoft.com/office/drawing/2010/main" val="0"/>
@@ -13571,7 +13512,7 @@
           <p:nvPr/>
         </p:nvPicPr>
         <p:blipFill>
-          <a:blip r:embed="rId1" cstate="print">
+          <a:blip r:embed="rId3" cstate="print">
             <a:extLst>
               <a:ext uri="{28A0092B-C50C-407E-A947-70E740481C1C}">
                 <a14:useLocalDpi xmlns:a14="http://schemas.microsoft.com/office/drawing/2010/main" val="0"/>
@@ -13662,7 +13603,7 @@
           <p:cNvGraphicFramePr/>
           <p:nvPr>
             <p:custDataLst>
-              <p:tags r:id="rId2"/>
+              <p:tags r:id="rId1"/>
             </p:custDataLst>
           </p:nvPr>
         </p:nvGraphicFramePr>
@@ -13684,6 +13625,7 @@
                 <a:tc>
                   <a:txBody>
                     <a:bodyPr/>
+                    <a:lstStyle/>
                     <a:p>
                       <a:pPr algn="ctr">
                         <a:buNone/>
@@ -13692,14 +13634,14 @@
                         <a:rPr lang="zh-CN" altLang="en-US"/>
                         <a:t>键值</a:t>
                       </a:r>
-                      <a:endParaRPr lang="zh-CN" altLang="en-US"/>
                     </a:p>
                   </a:txBody>
-                  <a:tcPr anchor="ctr" anchorCtr="0"/>
+                  <a:tcPr anchor="ctr"/>
                 </a:tc>
                 <a:tc>
                   <a:txBody>
                     <a:bodyPr/>
+                    <a:lstStyle/>
                     <a:p>
                       <a:pPr algn="ctr">
                         <a:buNone/>
@@ -13708,16 +13650,16 @@
                         <a:rPr lang="zh-CN" altLang="en-US"/>
                         <a:t>释义</a:t>
                       </a:r>
-                      <a:endParaRPr lang="zh-CN" altLang="en-US"/>
                     </a:p>
                   </a:txBody>
-                  <a:tcPr anchor="ctr" anchorCtr="0"/>
+                  <a:tcPr anchor="ctr"/>
                 </a:tc>
               </a:tr>
               <a:tr h="640080">
                 <a:tc>
                   <a:txBody>
                     <a:bodyPr/>
+                    <a:lstStyle/>
                     <a:p>
                       <a:pPr algn="ctr">
                         <a:buNone/>
@@ -13731,11 +13673,12 @@
                       <a:endParaRPr lang="en-US" altLang="zh-CN"/>
                     </a:p>
                   </a:txBody>
-                  <a:tcPr anchor="ctr" anchorCtr="0"/>
+                  <a:tcPr anchor="ctr"/>
                 </a:tc>
                 <a:tc>
                   <a:txBody>
                     <a:bodyPr/>
+                    <a:lstStyle/>
                     <a:p>
                       <a:pPr algn="l">
                         <a:buNone/>
@@ -13744,16 +13687,16 @@
                         <a:rPr lang="zh-CN" altLang="en-US"/>
                         <a:t>SELECT数据库，数据库从0到15（一共16个数据库）</a:t>
                       </a:r>
-                      <a:endParaRPr lang="zh-CN" altLang="en-US"/>
                     </a:p>
                   </a:txBody>
-                  <a:tcPr anchor="ctr" anchorCtr="0"/>
+                  <a:tcPr anchor="ctr"/>
                 </a:tc>
               </a:tr>
               <a:tr h="2717800">
                 <a:tc gridSpan="2">
                   <a:txBody>
                     <a:bodyPr/>
+                    <a:lstStyle/>
                     <a:p>
                       <a:pPr algn="l">
                         <a:buNone/>
@@ -13785,10 +13728,17 @@
                       </a:r>
                     </a:p>
                   </a:txBody>
-                  <a:tcPr anchor="t" anchorCtr="0"/>
+                  <a:tcPr/>
                 </a:tc>
                 <a:tc hMerge="1">
-                  <a:tcPr anchor="ctr" anchorCtr="0"/>
+                  <a:txBody>
+                    <a:bodyPr/>
+                    <a:lstStyle/>
+                    <a:p>
+                      <a:endParaRPr lang="zh-CN"/>
+                    </a:p>
+                  </a:txBody>
+                  <a:tcPr anchor="ctr"/>
                 </a:tc>
               </a:tr>
             </a:tbl>
@@ -13804,7 +13754,7 @@
           <p:nvPr/>
         </p:nvPicPr>
         <p:blipFill>
-          <a:blip r:embed="rId3"/>
+          <a:blip r:embed="rId4"/>
           <a:stretch>
             <a:fillRect/>
           </a:stretch>
@@ -14202,11 +14152,6 @@
               </a:rPr>
               <a:t>内容导航：</a:t>
             </a:r>
-            <a:endParaRPr lang="zh-CN" altLang="en-US" sz="2800" b="1" dirty="0">
-              <a:solidFill>
-                <a:schemeClr val="bg1"/>
-              </a:solidFill>
-            </a:endParaRPr>
           </a:p>
         </p:txBody>
       </p:sp>
@@ -14447,7 +14392,7 @@
           <p:nvPr/>
         </p:nvPicPr>
         <p:blipFill>
-          <a:blip r:embed="rId1" cstate="print">
+          <a:blip r:embed="rId3" cstate="print">
             <a:extLst>
               <a:ext uri="{28A0092B-C50C-407E-A947-70E740481C1C}">
                 <a14:useLocalDpi xmlns:a14="http://schemas.microsoft.com/office/drawing/2010/main" val="0"/>
@@ -14478,7 +14423,7 @@
           <p:nvPr/>
         </p:nvPicPr>
         <p:blipFill>
-          <a:blip r:embed="rId1" cstate="print">
+          <a:blip r:embed="rId3" cstate="print">
             <a:extLst>
               <a:ext uri="{28A0092B-C50C-407E-A947-70E740481C1C}">
                 <a14:useLocalDpi xmlns:a14="http://schemas.microsoft.com/office/drawing/2010/main" val="0"/>
@@ -14554,9 +14499,6 @@
               </a:rPr>
               <a:t>MOVE</a:t>
             </a:r>
-            <a:endParaRPr lang="en-US" altLang="zh-CN" sz="2400">
-              <a:sym typeface="+mn-ea"/>
-            </a:endParaRPr>
           </a:p>
         </p:txBody>
       </p:sp>
@@ -14566,7 +14508,7 @@
           <p:cNvGraphicFramePr/>
           <p:nvPr>
             <p:custDataLst>
-              <p:tags r:id="rId2"/>
+              <p:tags r:id="rId1"/>
             </p:custDataLst>
           </p:nvPr>
         </p:nvGraphicFramePr>
@@ -14588,6 +14530,7 @@
                 <a:tc>
                   <a:txBody>
                     <a:bodyPr/>
+                    <a:lstStyle/>
                     <a:p>
                       <a:pPr algn="ctr">
                         <a:buNone/>
@@ -14596,14 +14539,14 @@
                         <a:rPr lang="zh-CN" altLang="en-US"/>
                         <a:t>键值</a:t>
                       </a:r>
-                      <a:endParaRPr lang="zh-CN" altLang="en-US"/>
                     </a:p>
                   </a:txBody>
-                  <a:tcPr anchor="ctr" anchorCtr="0"/>
+                  <a:tcPr anchor="ctr"/>
                 </a:tc>
                 <a:tc>
                   <a:txBody>
                     <a:bodyPr/>
+                    <a:lstStyle/>
                     <a:p>
                       <a:pPr algn="ctr">
                         <a:buNone/>
@@ -14612,16 +14555,16 @@
                         <a:rPr lang="zh-CN" altLang="en-US"/>
                         <a:t>释义</a:t>
                       </a:r>
-                      <a:endParaRPr lang="zh-CN" altLang="en-US"/>
                     </a:p>
                   </a:txBody>
-                  <a:tcPr anchor="ctr" anchorCtr="0"/>
+                  <a:tcPr anchor="ctr"/>
                 </a:tc>
               </a:tr>
               <a:tr h="512445">
                 <a:tc>
                   <a:txBody>
                     <a:bodyPr/>
+                    <a:lstStyle/>
                     <a:p>
                       <a:pPr algn="ctr">
                         <a:buNone/>
@@ -14632,16 +14575,14 @@
                         </a:rPr>
                         <a:t>MOVE</a:t>
                       </a:r>
-                      <a:endParaRPr lang="en-US" altLang="zh-CN" sz="1800">
-                        <a:sym typeface="+mn-ea"/>
-                      </a:endParaRPr>
                     </a:p>
                   </a:txBody>
-                  <a:tcPr anchor="ctr" anchorCtr="0"/>
+                  <a:tcPr anchor="ctr"/>
                 </a:tc>
                 <a:tc>
                   <a:txBody>
                     <a:bodyPr/>
+                    <a:lstStyle/>
                     <a:p>
                       <a:pPr algn="l">
                         <a:buNone/>
@@ -14650,16 +14591,16 @@
                         <a:rPr lang="zh-CN" altLang="en-US"/>
                         <a:t>MOVE key 数据库，将当前数据中的key转移到其它数据库中</a:t>
                       </a:r>
-                      <a:endParaRPr lang="zh-CN" altLang="en-US"/>
                     </a:p>
                   </a:txBody>
-                  <a:tcPr anchor="ctr" anchorCtr="0"/>
+                  <a:tcPr anchor="ctr"/>
                 </a:tc>
               </a:tr>
               <a:tr h="3132455">
                 <a:tc gridSpan="2">
                   <a:txBody>
                     <a:bodyPr/>
+                    <a:lstStyle/>
                     <a:p>
                       <a:pPr marL="3704590" indent="263525" algn="l">
                         <a:lnSpc>
@@ -14671,13 +14612,19 @@
                         <a:rPr lang="zh-CN" altLang="en-US"/>
                         <a:t>在本例中，我们先显示的选择了数据库0，然后在这个库中设置一个key，接下来我们将这个key从数据库0移到数据库1，之后我们在数据库0中确认了没有age这个key了。但在数据库1中存在这个key，说明转移key成功了。</a:t>
                       </a:r>
-                      <a:endParaRPr lang="zh-CN" altLang="en-US"/>
                     </a:p>
                   </a:txBody>
-                  <a:tcPr anchor="ctr" anchorCtr="0"/>
+                  <a:tcPr anchor="ctr"/>
                 </a:tc>
                 <a:tc hMerge="1">
-                  <a:tcPr anchor="ctr" anchorCtr="0"/>
+                  <a:txBody>
+                    <a:bodyPr/>
+                    <a:lstStyle/>
+                    <a:p>
+                      <a:endParaRPr lang="zh-CN"/>
+                    </a:p>
+                  </a:txBody>
+                  <a:tcPr anchor="ctr"/>
                 </a:tc>
               </a:tr>
             </a:tbl>
@@ -14693,7 +14640,7 @@
           <p:nvPr/>
         </p:nvPicPr>
         <p:blipFill>
-          <a:blip r:embed="rId3"/>
+          <a:blip r:embed="rId4"/>
           <a:stretch>
             <a:fillRect/>
           </a:stretch>
@@ -15091,11 +15038,6 @@
               </a:rPr>
               <a:t>内容导航：</a:t>
             </a:r>
-            <a:endParaRPr lang="zh-CN" altLang="en-US" sz="2800" b="1" dirty="0">
-              <a:solidFill>
-                <a:schemeClr val="bg1"/>
-              </a:solidFill>
-            </a:endParaRPr>
           </a:p>
         </p:txBody>
       </p:sp>
@@ -15336,7 +15278,7 @@
           <p:nvPr/>
         </p:nvPicPr>
         <p:blipFill>
-          <a:blip r:embed="rId1" cstate="print">
+          <a:blip r:embed="rId3" cstate="print">
             <a:extLst>
               <a:ext uri="{28A0092B-C50C-407E-A947-70E740481C1C}">
                 <a14:useLocalDpi xmlns:a14="http://schemas.microsoft.com/office/drawing/2010/main" val="0"/>
@@ -15367,7 +15309,7 @@
           <p:nvPr/>
         </p:nvPicPr>
         <p:blipFill>
-          <a:blip r:embed="rId1" cstate="print">
+          <a:blip r:embed="rId3" cstate="print">
             <a:extLst>
               <a:ext uri="{28A0092B-C50C-407E-A947-70E740481C1C}">
                 <a14:useLocalDpi xmlns:a14="http://schemas.microsoft.com/office/drawing/2010/main" val="0"/>
@@ -15443,9 +15385,6 @@
               </a:rPr>
               <a:t>PERSIST</a:t>
             </a:r>
-            <a:endParaRPr lang="en-US" altLang="zh-CN" sz="2400">
-              <a:sym typeface="+mn-ea"/>
-            </a:endParaRPr>
           </a:p>
         </p:txBody>
       </p:sp>
@@ -15455,7 +15394,7 @@
           <p:cNvGraphicFramePr/>
           <p:nvPr>
             <p:custDataLst>
-              <p:tags r:id="rId2"/>
+              <p:tags r:id="rId1"/>
             </p:custDataLst>
           </p:nvPr>
         </p:nvGraphicFramePr>
@@ -15477,6 +15416,7 @@
                 <a:tc>
                   <a:txBody>
                     <a:bodyPr/>
+                    <a:lstStyle/>
                     <a:p>
                       <a:pPr algn="ctr">
                         <a:buNone/>
@@ -15485,14 +15425,14 @@
                         <a:rPr lang="zh-CN" altLang="en-US"/>
                         <a:t>键值</a:t>
                       </a:r>
-                      <a:endParaRPr lang="zh-CN" altLang="en-US"/>
                     </a:p>
                   </a:txBody>
-                  <a:tcPr anchor="ctr" anchorCtr="0"/>
+                  <a:tcPr anchor="ctr"/>
                 </a:tc>
                 <a:tc>
                   <a:txBody>
                     <a:bodyPr/>
+                    <a:lstStyle/>
                     <a:p>
                       <a:pPr algn="ctr">
                         <a:buNone/>
@@ -15501,16 +15441,16 @@
                         <a:rPr lang="zh-CN" altLang="en-US"/>
                         <a:t>释义</a:t>
                       </a:r>
-                      <a:endParaRPr lang="zh-CN" altLang="en-US"/>
                     </a:p>
                   </a:txBody>
-                  <a:tcPr anchor="ctr" anchorCtr="0"/>
+                  <a:tcPr anchor="ctr"/>
                 </a:tc>
               </a:tr>
               <a:tr h="512445">
                 <a:tc>
                   <a:txBody>
                     <a:bodyPr/>
+                    <a:lstStyle/>
                     <a:p>
                       <a:pPr algn="ctr">
                         <a:buNone/>
@@ -15521,16 +15461,14 @@
                         </a:rPr>
                         <a:t>PERSIST</a:t>
                       </a:r>
-                      <a:endParaRPr lang="en-US" altLang="zh-CN" sz="1800">
-                        <a:sym typeface="+mn-ea"/>
-                      </a:endParaRPr>
                     </a:p>
                   </a:txBody>
-                  <a:tcPr anchor="ctr" anchorCtr="0"/>
+                  <a:tcPr anchor="ctr"/>
                 </a:tc>
                 <a:tc>
                   <a:txBody>
                     <a:bodyPr/>
+                    <a:lstStyle/>
                     <a:p>
                       <a:pPr algn="l">
                         <a:buNone/>
@@ -15539,16 +15477,16 @@
                         <a:rPr lang="zh-CN" altLang="en-US"/>
                         <a:t>PERSIST key，移除给定key的过期时间</a:t>
                       </a:r>
-                      <a:endParaRPr lang="zh-CN" altLang="en-US"/>
                     </a:p>
                   </a:txBody>
-                  <a:tcPr anchor="ctr" anchorCtr="0"/>
+                  <a:tcPr anchor="ctr"/>
                 </a:tc>
               </a:tr>
               <a:tr h="3132455">
                 <a:tc gridSpan="2">
                   <a:txBody>
                     <a:bodyPr/>
+                    <a:lstStyle/>
                     <a:p>
                       <a:pPr marL="3704590" indent="263525" algn="l">
                         <a:lnSpc>
@@ -15560,13 +15498,19 @@
                         <a:rPr lang="zh-CN" altLang="en-US"/>
                         <a:t>在这个例子中，我们手动的移除age这个key的过期时间。</a:t>
                       </a:r>
-                      <a:endParaRPr lang="zh-CN" altLang="en-US"/>
                     </a:p>
                   </a:txBody>
-                  <a:tcPr anchor="ctr" anchorCtr="0"/>
+                  <a:tcPr anchor="ctr"/>
                 </a:tc>
                 <a:tc hMerge="1">
-                  <a:tcPr anchor="ctr" anchorCtr="0"/>
+                  <a:txBody>
+                    <a:bodyPr/>
+                    <a:lstStyle/>
+                    <a:p>
+                      <a:endParaRPr lang="zh-CN"/>
+                    </a:p>
+                  </a:txBody>
+                  <a:tcPr anchor="ctr"/>
                 </a:tc>
               </a:tr>
             </a:tbl>
@@ -15582,7 +15526,7 @@
           <p:nvPr/>
         </p:nvPicPr>
         <p:blipFill>
-          <a:blip r:embed="rId3"/>
+          <a:blip r:embed="rId4"/>
           <a:stretch>
             <a:fillRect/>
           </a:stretch>
@@ -15980,11 +15924,6 @@
               </a:rPr>
               <a:t>内容导航：</a:t>
             </a:r>
-            <a:endParaRPr lang="zh-CN" altLang="en-US" sz="2800" b="1" dirty="0">
-              <a:solidFill>
-                <a:schemeClr val="bg1"/>
-              </a:solidFill>
-            </a:endParaRPr>
           </a:p>
         </p:txBody>
       </p:sp>
@@ -16047,21 +15986,8 @@
                   <a:srgbClr val="000000"/>
                 </a:solidFill>
               </a:rPr>
-              <a:t>常用</a:t>
+              <a:t>常用命令</a:t>
             </a:r>
-            <a:r>
-              <a:rPr lang="zh-CN" altLang="en-US" sz="3600" dirty="0" err="1" smtClean="0">
-                <a:solidFill>
-                  <a:srgbClr val="000000"/>
-                </a:solidFill>
-              </a:rPr>
-              <a:t>命令</a:t>
-            </a:r>
-            <a:endParaRPr lang="zh-CN" altLang="en-US" sz="3600" dirty="0" err="1" smtClean="0">
-              <a:solidFill>
-                <a:srgbClr val="000000"/>
-              </a:solidFill>
-            </a:endParaRPr>
           </a:p>
         </p:txBody>
       </p:sp>
@@ -16332,7 +16258,7 @@
           <p:nvPr/>
         </p:nvPicPr>
         <p:blipFill>
-          <a:blip r:embed="rId1" cstate="print">
+          <a:blip r:embed="rId2" cstate="print">
             <a:extLst>
               <a:ext uri="{28A0092B-C50C-407E-A947-70E740481C1C}">
                 <a14:useLocalDpi xmlns:a14="http://schemas.microsoft.com/office/drawing/2010/main" val="0"/>
@@ -16363,7 +16289,7 @@
           <p:nvPr/>
         </p:nvPicPr>
         <p:blipFill>
-          <a:blip r:embed="rId1" cstate="print">
+          <a:blip r:embed="rId2" cstate="print">
             <a:extLst>
               <a:ext uri="{28A0092B-C50C-407E-A947-70E740481C1C}">
                 <a14:useLocalDpi xmlns:a14="http://schemas.microsoft.com/office/drawing/2010/main" val="0"/>
@@ -16400,7 +16326,7 @@
           <p:nvPr/>
         </p:nvPicPr>
         <p:blipFill>
-          <a:blip r:embed="rId1" cstate="print">
+          <a:blip r:embed="rId2" cstate="print">
             <a:extLst>
               <a:ext uri="{28A0092B-C50C-407E-A947-70E740481C1C}">
                 <a14:useLocalDpi xmlns:a14="http://schemas.microsoft.com/office/drawing/2010/main" val="0"/>
@@ -16463,12 +16389,6 @@
               </a:rPr>
               <a:t>键值相关命令</a:t>
             </a:r>
-            <a:endParaRPr lang="zh-CN" altLang="en-US" sz="2400" dirty="0">
-              <a:solidFill>
-                <a:srgbClr val="000000"/>
-              </a:solidFill>
-              <a:sym typeface="+mn-ea"/>
-            </a:endParaRPr>
           </a:p>
         </p:txBody>
       </p:sp>
@@ -16507,12 +16427,6 @@
               </a:rPr>
               <a:t>服务器相关命令</a:t>
             </a:r>
-            <a:endParaRPr lang="zh-CN" altLang="en-US" sz="2400" dirty="0">
-              <a:solidFill>
-                <a:srgbClr val="000000"/>
-              </a:solidFill>
-              <a:sym typeface="+mn-ea"/>
-            </a:endParaRPr>
           </a:p>
         </p:txBody>
       </p:sp>
@@ -16899,11 +16813,6 @@
               </a:rPr>
               <a:t>内容导航：</a:t>
             </a:r>
-            <a:endParaRPr lang="zh-CN" altLang="en-US" sz="2800" b="1" dirty="0">
-              <a:solidFill>
-                <a:schemeClr val="bg1"/>
-              </a:solidFill>
-            </a:endParaRPr>
           </a:p>
         </p:txBody>
       </p:sp>
@@ -17144,7 +17053,7 @@
           <p:nvPr/>
         </p:nvPicPr>
         <p:blipFill>
-          <a:blip r:embed="rId1" cstate="print">
+          <a:blip r:embed="rId3" cstate="print">
             <a:extLst>
               <a:ext uri="{28A0092B-C50C-407E-A947-70E740481C1C}">
                 <a14:useLocalDpi xmlns:a14="http://schemas.microsoft.com/office/drawing/2010/main" val="0"/>
@@ -17175,7 +17084,7 @@
           <p:nvPr/>
         </p:nvPicPr>
         <p:blipFill>
-          <a:blip r:embed="rId1" cstate="print">
+          <a:blip r:embed="rId3" cstate="print">
             <a:extLst>
               <a:ext uri="{28A0092B-C50C-407E-A947-70E740481C1C}">
                 <a14:useLocalDpi xmlns:a14="http://schemas.microsoft.com/office/drawing/2010/main" val="0"/>
@@ -17251,9 +17160,6 @@
               </a:rPr>
               <a:t>RANDOMKEY</a:t>
             </a:r>
-            <a:endParaRPr lang="en-US" altLang="zh-CN" sz="2400">
-              <a:sym typeface="+mn-ea"/>
-            </a:endParaRPr>
           </a:p>
         </p:txBody>
       </p:sp>
@@ -17263,7 +17169,7 @@
           <p:cNvGraphicFramePr/>
           <p:nvPr>
             <p:custDataLst>
-              <p:tags r:id="rId2"/>
+              <p:tags r:id="rId1"/>
             </p:custDataLst>
           </p:nvPr>
         </p:nvGraphicFramePr>
@@ -17285,6 +17191,7 @@
                 <a:tc>
                   <a:txBody>
                     <a:bodyPr/>
+                    <a:lstStyle/>
                     <a:p>
                       <a:pPr algn="ctr">
                         <a:buNone/>
@@ -17293,14 +17200,14 @@
                         <a:rPr lang="zh-CN" altLang="en-US"/>
                         <a:t>键值</a:t>
                       </a:r>
-                      <a:endParaRPr lang="zh-CN" altLang="en-US"/>
                     </a:p>
                   </a:txBody>
-                  <a:tcPr anchor="ctr" anchorCtr="0"/>
+                  <a:tcPr anchor="ctr"/>
                 </a:tc>
                 <a:tc>
                   <a:txBody>
                     <a:bodyPr/>
+                    <a:lstStyle/>
                     <a:p>
                       <a:pPr algn="ctr">
                         <a:buNone/>
@@ -17309,16 +17216,16 @@
                         <a:rPr lang="zh-CN" altLang="en-US"/>
                         <a:t>释义</a:t>
                       </a:r>
-                      <a:endParaRPr lang="zh-CN" altLang="en-US"/>
                     </a:p>
                   </a:txBody>
-                  <a:tcPr anchor="ctr" anchorCtr="0"/>
+                  <a:tcPr anchor="ctr"/>
                 </a:tc>
               </a:tr>
               <a:tr h="512445">
                 <a:tc>
                   <a:txBody>
                     <a:bodyPr/>
+                    <a:lstStyle/>
                     <a:p>
                       <a:pPr algn="ctr">
                         <a:buNone/>
@@ -17329,16 +17236,14 @@
                         </a:rPr>
                         <a:t>RANDOMKEY</a:t>
                       </a:r>
-                      <a:endParaRPr lang="en-US" altLang="zh-CN" sz="1800">
-                        <a:sym typeface="+mn-ea"/>
-                      </a:endParaRPr>
                     </a:p>
                   </a:txBody>
-                  <a:tcPr anchor="ctr" anchorCtr="0"/>
+                  <a:tcPr anchor="ctr"/>
                 </a:tc>
                 <a:tc>
                   <a:txBody>
                     <a:bodyPr/>
+                    <a:lstStyle/>
                     <a:p>
                       <a:pPr algn="l">
                         <a:buNone/>
@@ -17347,16 +17252,16 @@
                         <a:rPr lang="zh-CN" altLang="en-US"/>
                         <a:t>RANDOMKEY随机返回key空间的一个key</a:t>
                       </a:r>
-                      <a:endParaRPr lang="zh-CN" altLang="en-US"/>
                     </a:p>
                   </a:txBody>
-                  <a:tcPr anchor="ctr" anchorCtr="0"/>
+                  <a:tcPr anchor="ctr"/>
                 </a:tc>
               </a:tr>
               <a:tr h="3132455">
                 <a:tc gridSpan="2">
                   <a:txBody>
                     <a:bodyPr/>
+                    <a:lstStyle/>
                     <a:p>
                       <a:pPr marL="3704590" indent="-3704590" algn="l">
                         <a:lnSpc>
@@ -17422,13 +17327,19 @@
                         <a:rPr lang="zh-CN" altLang="en-US"/>
                         <a:t>通过本例的结果可以看到取key的规则是随机的。</a:t>
                       </a:r>
-                      <a:endParaRPr lang="zh-CN" altLang="en-US"/>
                     </a:p>
                   </a:txBody>
-                  <a:tcPr anchor="t" anchorCtr="0"/>
+                  <a:tcPr/>
                 </a:tc>
                 <a:tc hMerge="1">
-                  <a:tcPr anchor="ctr" anchorCtr="0"/>
+                  <a:txBody>
+                    <a:bodyPr/>
+                    <a:lstStyle/>
+                    <a:p>
+                      <a:endParaRPr lang="zh-CN"/>
+                    </a:p>
+                  </a:txBody>
+                  <a:tcPr anchor="ctr"/>
                 </a:tc>
               </a:tr>
             </a:tbl>
@@ -17444,7 +17355,7 @@
           <p:nvPr/>
         </p:nvPicPr>
         <p:blipFill>
-          <a:blip r:embed="rId3"/>
+          <a:blip r:embed="rId4"/>
           <a:stretch>
             <a:fillRect/>
           </a:stretch>
@@ -17842,11 +17753,6 @@
               </a:rPr>
               <a:t>内容导航：</a:t>
             </a:r>
-            <a:endParaRPr lang="zh-CN" altLang="en-US" sz="2800" b="1" dirty="0">
-              <a:solidFill>
-                <a:schemeClr val="bg1"/>
-              </a:solidFill>
-            </a:endParaRPr>
           </a:p>
         </p:txBody>
       </p:sp>
@@ -18087,7 +17993,7 @@
           <p:nvPr/>
         </p:nvPicPr>
         <p:blipFill>
-          <a:blip r:embed="rId1" cstate="print">
+          <a:blip r:embed="rId3" cstate="print">
             <a:extLst>
               <a:ext uri="{28A0092B-C50C-407E-A947-70E740481C1C}">
                 <a14:useLocalDpi xmlns:a14="http://schemas.microsoft.com/office/drawing/2010/main" val="0"/>
@@ -18118,7 +18024,7 @@
           <p:nvPr/>
         </p:nvPicPr>
         <p:blipFill>
-          <a:blip r:embed="rId1" cstate="print">
+          <a:blip r:embed="rId3" cstate="print">
             <a:extLst>
               <a:ext uri="{28A0092B-C50C-407E-A947-70E740481C1C}">
                 <a14:useLocalDpi xmlns:a14="http://schemas.microsoft.com/office/drawing/2010/main" val="0"/>
@@ -18194,9 +18100,6 @@
               </a:rPr>
               <a:t>RENAME</a:t>
             </a:r>
-            <a:endParaRPr lang="en-US" altLang="zh-CN" sz="2400">
-              <a:sym typeface="+mn-ea"/>
-            </a:endParaRPr>
           </a:p>
         </p:txBody>
       </p:sp>
@@ -18206,7 +18109,7 @@
           <p:cNvGraphicFramePr/>
           <p:nvPr>
             <p:custDataLst>
-              <p:tags r:id="rId2"/>
+              <p:tags r:id="rId1"/>
             </p:custDataLst>
           </p:nvPr>
         </p:nvGraphicFramePr>
@@ -18228,6 +18131,7 @@
                 <a:tc>
                   <a:txBody>
                     <a:bodyPr/>
+                    <a:lstStyle/>
                     <a:p>
                       <a:pPr algn="ctr">
                         <a:buNone/>
@@ -18236,14 +18140,14 @@
                         <a:rPr lang="zh-CN" altLang="en-US"/>
                         <a:t>键值</a:t>
                       </a:r>
-                      <a:endParaRPr lang="zh-CN" altLang="en-US"/>
                     </a:p>
                   </a:txBody>
-                  <a:tcPr anchor="ctr" anchorCtr="0"/>
+                  <a:tcPr anchor="ctr"/>
                 </a:tc>
                 <a:tc>
                   <a:txBody>
                     <a:bodyPr/>
+                    <a:lstStyle/>
                     <a:p>
                       <a:pPr algn="ctr">
                         <a:buNone/>
@@ -18252,16 +18156,16 @@
                         <a:rPr lang="zh-CN" altLang="en-US"/>
                         <a:t>释义</a:t>
                       </a:r>
-                      <a:endParaRPr lang="zh-CN" altLang="en-US"/>
                     </a:p>
                   </a:txBody>
-                  <a:tcPr anchor="ctr" anchorCtr="0"/>
+                  <a:tcPr anchor="ctr"/>
                 </a:tc>
               </a:tr>
               <a:tr h="512445">
                 <a:tc>
                   <a:txBody>
                     <a:bodyPr/>
+                    <a:lstStyle/>
                     <a:p>
                       <a:pPr algn="ctr">
                         <a:buNone/>
@@ -18272,16 +18176,14 @@
                         </a:rPr>
                         <a:t>RENAME</a:t>
                       </a:r>
-                      <a:endParaRPr lang="en-US" altLang="zh-CN" sz="1800">
-                        <a:sym typeface="+mn-ea"/>
-                      </a:endParaRPr>
                     </a:p>
                   </a:txBody>
-                  <a:tcPr anchor="ctr" anchorCtr="0"/>
+                  <a:tcPr anchor="ctr"/>
                 </a:tc>
                 <a:tc>
                   <a:txBody>
                     <a:bodyPr/>
+                    <a:lstStyle/>
                     <a:p>
                       <a:pPr algn="l">
                         <a:buNone/>
@@ -18290,16 +18192,16 @@
                         <a:rPr lang="zh-CN" altLang="en-US"/>
                         <a:t>RENAME existed_key new_key，重命名key</a:t>
                       </a:r>
-                      <a:endParaRPr lang="zh-CN" altLang="en-US"/>
                     </a:p>
                   </a:txBody>
-                  <a:tcPr anchor="ctr" anchorCtr="0"/>
+                  <a:tcPr anchor="ctr"/>
                 </a:tc>
               </a:tr>
               <a:tr h="3132455">
                 <a:tc gridSpan="2">
                   <a:txBody>
                     <a:bodyPr/>
+                    <a:lstStyle/>
                     <a:p>
                       <a:pPr marL="3704590" indent="-3704590" algn="l">
                         <a:lnSpc>
@@ -18356,13 +18258,19 @@
                         <a:rPr lang="zh-CN" altLang="en-US"/>
                         <a:t>从本例中，我们看到age3这个key，被我们成功改名为age4了。</a:t>
                       </a:r>
-                      <a:endParaRPr lang="zh-CN" altLang="en-US"/>
                     </a:p>
                   </a:txBody>
-                  <a:tcPr anchor="t" anchorCtr="0"/>
+                  <a:tcPr/>
                 </a:tc>
                 <a:tc hMerge="1">
-                  <a:tcPr anchor="ctr" anchorCtr="0"/>
+                  <a:txBody>
+                    <a:bodyPr/>
+                    <a:lstStyle/>
+                    <a:p>
+                      <a:endParaRPr lang="zh-CN"/>
+                    </a:p>
+                  </a:txBody>
+                  <a:tcPr anchor="ctr"/>
                 </a:tc>
               </a:tr>
             </a:tbl>
@@ -18378,7 +18286,7 @@
           <p:nvPr/>
         </p:nvPicPr>
         <p:blipFill>
-          <a:blip r:embed="rId3"/>
+          <a:blip r:embed="rId4"/>
           <a:stretch>
             <a:fillRect/>
           </a:stretch>
@@ -18776,11 +18684,6 @@
               </a:rPr>
               <a:t>内容导航：</a:t>
             </a:r>
-            <a:endParaRPr lang="zh-CN" altLang="en-US" sz="2800" b="1" dirty="0">
-              <a:solidFill>
-                <a:schemeClr val="bg1"/>
-              </a:solidFill>
-            </a:endParaRPr>
           </a:p>
         </p:txBody>
       </p:sp>
@@ -19021,7 +18924,7 @@
           <p:nvPr/>
         </p:nvPicPr>
         <p:blipFill>
-          <a:blip r:embed="rId1" cstate="print">
+          <a:blip r:embed="rId3" cstate="print">
             <a:extLst>
               <a:ext uri="{28A0092B-C50C-407E-A947-70E740481C1C}">
                 <a14:useLocalDpi xmlns:a14="http://schemas.microsoft.com/office/drawing/2010/main" val="0"/>
@@ -19052,7 +18955,7 @@
           <p:nvPr/>
         </p:nvPicPr>
         <p:blipFill>
-          <a:blip r:embed="rId1" cstate="print">
+          <a:blip r:embed="rId3" cstate="print">
             <a:extLst>
               <a:ext uri="{28A0092B-C50C-407E-A947-70E740481C1C}">
                 <a14:useLocalDpi xmlns:a14="http://schemas.microsoft.com/office/drawing/2010/main" val="0"/>
@@ -19128,9 +19031,6 @@
               </a:rPr>
               <a:t>TYPE</a:t>
             </a:r>
-            <a:endParaRPr lang="en-US" altLang="zh-CN" sz="2400">
-              <a:sym typeface="+mn-ea"/>
-            </a:endParaRPr>
           </a:p>
         </p:txBody>
       </p:sp>
@@ -19140,7 +19040,7 @@
           <p:cNvGraphicFramePr/>
           <p:nvPr>
             <p:custDataLst>
-              <p:tags r:id="rId2"/>
+              <p:tags r:id="rId1"/>
             </p:custDataLst>
           </p:nvPr>
         </p:nvGraphicFramePr>
@@ -19162,6 +19062,7 @@
                 <a:tc>
                   <a:txBody>
                     <a:bodyPr/>
+                    <a:lstStyle/>
                     <a:p>
                       <a:pPr algn="ctr">
                         <a:buNone/>
@@ -19170,14 +19071,14 @@
                         <a:rPr lang="zh-CN" altLang="en-US"/>
                         <a:t>键值</a:t>
                       </a:r>
-                      <a:endParaRPr lang="zh-CN" altLang="en-US"/>
                     </a:p>
                   </a:txBody>
-                  <a:tcPr anchor="ctr" anchorCtr="0"/>
+                  <a:tcPr anchor="ctr"/>
                 </a:tc>
                 <a:tc>
                   <a:txBody>
                     <a:bodyPr/>
+                    <a:lstStyle/>
                     <a:p>
                       <a:pPr algn="ctr">
                         <a:buNone/>
@@ -19186,16 +19087,16 @@
                         <a:rPr lang="zh-CN" altLang="en-US"/>
                         <a:t>释义</a:t>
                       </a:r>
-                      <a:endParaRPr lang="zh-CN" altLang="en-US"/>
                     </a:p>
                   </a:txBody>
-                  <a:tcPr anchor="ctr" anchorCtr="0"/>
+                  <a:tcPr anchor="ctr"/>
                 </a:tc>
               </a:tr>
               <a:tr h="914400">
                 <a:tc>
                   <a:txBody>
                     <a:bodyPr/>
+                    <a:lstStyle/>
                     <a:p>
                       <a:pPr algn="ctr">
                         <a:buNone/>
@@ -19206,16 +19107,14 @@
                         </a:rPr>
                         <a:t>TYPE</a:t>
                       </a:r>
-                      <a:endParaRPr lang="en-US" altLang="zh-CN" sz="1800">
-                        <a:sym typeface="+mn-ea"/>
-                      </a:endParaRPr>
                     </a:p>
                   </a:txBody>
-                  <a:tcPr anchor="ctr" anchorCtr="0"/>
+                  <a:tcPr anchor="ctr"/>
                 </a:tc>
                 <a:tc>
                   <a:txBody>
                     <a:bodyPr/>
+                    <a:lstStyle/>
                     <a:p>
                       <a:pPr algn="l">
                         <a:buNone/>
@@ -19224,16 +19123,16 @@
                         <a:rPr lang="zh-CN" altLang="en-US"/>
                         <a:t>TYPE 命令获取指定key关联值的类型，该命令将以字符串的格式返回。返回的字符串为string、list、set、hash和zset，如果key不存在返回none</a:t>
                       </a:r>
-                      <a:endParaRPr lang="zh-CN" altLang="en-US"/>
                     </a:p>
                   </a:txBody>
-                  <a:tcPr anchor="ctr" anchorCtr="0"/>
+                  <a:tcPr anchor="ctr"/>
                 </a:tc>
               </a:tr>
               <a:tr h="2823210">
                 <a:tc gridSpan="2">
                   <a:txBody>
                     <a:bodyPr/>
+                    <a:lstStyle/>
                     <a:p>
                       <a:pPr marL="3513455" indent="323215" algn="l">
                         <a:lnSpc>
@@ -19245,13 +19144,19 @@
                         <a:rPr lang="zh-CN" altLang="en-US"/>
                         <a:t>从本例中，可以看出TYPE命令可以返回指定key关联值的类型。</a:t>
                       </a:r>
-                      <a:endParaRPr lang="zh-CN" altLang="en-US"/>
                     </a:p>
                   </a:txBody>
-                  <a:tcPr anchor="ctr" anchorCtr="0"/>
+                  <a:tcPr anchor="ctr"/>
                 </a:tc>
                 <a:tc hMerge="1">
-                  <a:tcPr anchor="ctr" anchorCtr="0"/>
+                  <a:txBody>
+                    <a:bodyPr/>
+                    <a:lstStyle/>
+                    <a:p>
+                      <a:endParaRPr lang="zh-CN"/>
+                    </a:p>
+                  </a:txBody>
+                  <a:tcPr anchor="ctr"/>
                 </a:tc>
               </a:tr>
             </a:tbl>
@@ -19267,7 +19172,7 @@
           <p:nvPr/>
         </p:nvPicPr>
         <p:blipFill>
-          <a:blip r:embed="rId3"/>
+          <a:blip r:embed="rId4"/>
           <a:stretch>
             <a:fillRect/>
           </a:stretch>
@@ -19665,11 +19570,6 @@
               </a:rPr>
               <a:t>内容导航：</a:t>
             </a:r>
-            <a:endParaRPr lang="zh-CN" altLang="en-US" sz="2800" b="1" dirty="0">
-              <a:solidFill>
-                <a:schemeClr val="bg1"/>
-              </a:solidFill>
-            </a:endParaRPr>
           </a:p>
         </p:txBody>
       </p:sp>
@@ -19910,7 +19810,7 @@
           <p:nvPr/>
         </p:nvPicPr>
         <p:blipFill>
-          <a:blip r:embed="rId1" cstate="print">
+          <a:blip r:embed="rId3" cstate="print">
             <a:extLst>
               <a:ext uri="{28A0092B-C50C-407E-A947-70E740481C1C}">
                 <a14:useLocalDpi xmlns:a14="http://schemas.microsoft.com/office/drawing/2010/main" val="0"/>
@@ -19941,7 +19841,7 @@
           <p:nvPr/>
         </p:nvPicPr>
         <p:blipFill>
-          <a:blip r:embed="rId1" cstate="print">
+          <a:blip r:embed="rId3" cstate="print">
             <a:extLst>
               <a:ext uri="{28A0092B-C50C-407E-A947-70E740481C1C}">
                 <a14:useLocalDpi xmlns:a14="http://schemas.microsoft.com/office/drawing/2010/main" val="0"/>
@@ -20017,9 +19917,6 @@
               </a:rPr>
               <a:t>RENAME</a:t>
             </a:r>
-            <a:endParaRPr lang="en-US" altLang="zh-CN" sz="2400">
-              <a:sym typeface="+mn-ea"/>
-            </a:endParaRPr>
           </a:p>
         </p:txBody>
       </p:sp>
@@ -20029,7 +19926,7 @@
           <p:cNvGraphicFramePr/>
           <p:nvPr>
             <p:custDataLst>
-              <p:tags r:id="rId2"/>
+              <p:tags r:id="rId1"/>
             </p:custDataLst>
           </p:nvPr>
         </p:nvGraphicFramePr>
@@ -20051,6 +19948,7 @@
                 <a:tc>
                   <a:txBody>
                     <a:bodyPr/>
+                    <a:lstStyle/>
                     <a:p>
                       <a:pPr algn="ctr">
                         <a:buNone/>
@@ -20059,14 +19957,14 @@
                         <a:rPr lang="zh-CN" altLang="en-US"/>
                         <a:t>键值</a:t>
                       </a:r>
-                      <a:endParaRPr lang="zh-CN" altLang="en-US"/>
                     </a:p>
                   </a:txBody>
-                  <a:tcPr anchor="ctr" anchorCtr="0"/>
+                  <a:tcPr anchor="ctr"/>
                 </a:tc>
                 <a:tc>
                   <a:txBody>
                     <a:bodyPr/>
+                    <a:lstStyle/>
                     <a:p>
                       <a:pPr algn="ctr">
                         <a:buNone/>
@@ -20075,16 +19973,16 @@
                         <a:rPr lang="zh-CN" altLang="en-US"/>
                         <a:t>释义</a:t>
                       </a:r>
-                      <a:endParaRPr lang="zh-CN" altLang="en-US"/>
                     </a:p>
                   </a:txBody>
-                  <a:tcPr anchor="ctr" anchorCtr="0"/>
+                  <a:tcPr anchor="ctr"/>
                 </a:tc>
               </a:tr>
               <a:tr h="512445">
                 <a:tc>
                   <a:txBody>
                     <a:bodyPr/>
+                    <a:lstStyle/>
                     <a:p>
                       <a:pPr algn="ctr">
                         <a:buNone/>
@@ -20095,16 +19993,14 @@
                         </a:rPr>
                         <a:t>RENAME</a:t>
                       </a:r>
-                      <a:endParaRPr lang="en-US" altLang="zh-CN" sz="1800">
-                        <a:sym typeface="+mn-ea"/>
-                      </a:endParaRPr>
                     </a:p>
                   </a:txBody>
-                  <a:tcPr anchor="ctr" anchorCtr="0"/>
+                  <a:tcPr anchor="ctr"/>
                 </a:tc>
                 <a:tc>
                   <a:txBody>
                     <a:bodyPr/>
+                    <a:lstStyle/>
                     <a:p>
                       <a:pPr algn="l">
                         <a:buNone/>
@@ -20113,16 +20009,16 @@
                         <a:rPr lang="zh-CN" altLang="en-US"/>
                         <a:t>RENAME existed_key new_key，重命名key</a:t>
                       </a:r>
-                      <a:endParaRPr lang="zh-CN" altLang="en-US"/>
                     </a:p>
                   </a:txBody>
-                  <a:tcPr anchor="ctr" anchorCtr="0"/>
+                  <a:tcPr anchor="ctr"/>
                 </a:tc>
               </a:tr>
               <a:tr h="3132455">
                 <a:tc gridSpan="2">
                   <a:txBody>
                     <a:bodyPr/>
+                    <a:lstStyle/>
                     <a:p>
                       <a:pPr marL="3704590" indent="-3704590" algn="l">
                         <a:lnSpc>
@@ -20179,13 +20075,19 @@
                         <a:rPr lang="zh-CN" altLang="en-US"/>
                         <a:t>从本例中，我们看到age3这个key，被我们成功改名为age4了。</a:t>
                       </a:r>
-                      <a:endParaRPr lang="zh-CN" altLang="en-US"/>
                     </a:p>
                   </a:txBody>
-                  <a:tcPr anchor="t" anchorCtr="0"/>
+                  <a:tcPr/>
                 </a:tc>
                 <a:tc hMerge="1">
-                  <a:tcPr anchor="ctr" anchorCtr="0"/>
+                  <a:txBody>
+                    <a:bodyPr/>
+                    <a:lstStyle/>
+                    <a:p>
+                      <a:endParaRPr lang="zh-CN"/>
+                    </a:p>
+                  </a:txBody>
+                  <a:tcPr anchor="ctr"/>
                 </a:tc>
               </a:tr>
             </a:tbl>
@@ -20201,7 +20103,7 @@
           <p:nvPr/>
         </p:nvPicPr>
         <p:blipFill>
-          <a:blip r:embed="rId3"/>
+          <a:blip r:embed="rId4"/>
           <a:stretch>
             <a:fillRect/>
           </a:stretch>
@@ -20599,11 +20501,6 @@
               </a:rPr>
               <a:t>内容导航：</a:t>
             </a:r>
-            <a:endParaRPr lang="zh-CN" altLang="en-US" sz="2800" b="1" dirty="0">
-              <a:solidFill>
-                <a:schemeClr val="bg1"/>
-              </a:solidFill>
-            </a:endParaRPr>
           </a:p>
         </p:txBody>
       </p:sp>
@@ -20844,7 +20741,7 @@
           <p:nvPr/>
         </p:nvPicPr>
         <p:blipFill>
-          <a:blip r:embed="rId1" cstate="print">
+          <a:blip r:embed="rId3" cstate="print">
             <a:extLst>
               <a:ext uri="{28A0092B-C50C-407E-A947-70E740481C1C}">
                 <a14:useLocalDpi xmlns:a14="http://schemas.microsoft.com/office/drawing/2010/main" val="0"/>
@@ -20875,7 +20772,7 @@
           <p:nvPr/>
         </p:nvPicPr>
         <p:blipFill>
-          <a:blip r:embed="rId1" cstate="print">
+          <a:blip r:embed="rId3" cstate="print">
             <a:extLst>
               <a:ext uri="{28A0092B-C50C-407E-A947-70E740481C1C}">
                 <a14:useLocalDpi xmlns:a14="http://schemas.microsoft.com/office/drawing/2010/main" val="0"/>
@@ -20947,12 +20844,6 @@
               </a:rPr>
               <a:t> </a:t>
             </a:r>
-            <a:endParaRPr lang="en-US" altLang="zh-CN" sz="2400" dirty="0">
-              <a:solidFill>
-                <a:srgbClr val="000000"/>
-              </a:solidFill>
-              <a:sym typeface="+mn-ea"/>
-            </a:endParaRPr>
           </a:p>
         </p:txBody>
       </p:sp>
@@ -20962,7 +20853,7 @@
           <p:cNvGraphicFramePr/>
           <p:nvPr>
             <p:custDataLst>
-              <p:tags r:id="rId2"/>
+              <p:tags r:id="rId1"/>
             </p:custDataLst>
           </p:nvPr>
         </p:nvGraphicFramePr>
@@ -20984,6 +20875,7 @@
                 <a:tc>
                   <a:txBody>
                     <a:bodyPr/>
+                    <a:lstStyle/>
                     <a:p>
                       <a:pPr algn="ctr">
                         <a:buNone/>
@@ -20992,14 +20884,14 @@
                         <a:rPr lang="zh-CN" altLang="en-US"/>
                         <a:t>键值</a:t>
                       </a:r>
-                      <a:endParaRPr lang="zh-CN" altLang="en-US"/>
                     </a:p>
                   </a:txBody>
-                  <a:tcPr anchor="ctr" anchorCtr="0"/>
+                  <a:tcPr anchor="ctr"/>
                 </a:tc>
                 <a:tc>
                   <a:txBody>
                     <a:bodyPr/>
+                    <a:lstStyle/>
                     <a:p>
                       <a:pPr algn="ctr">
                         <a:buNone/>
@@ -21008,16 +20900,16 @@
                         <a:rPr lang="zh-CN" altLang="en-US"/>
                         <a:t>释义</a:t>
                       </a:r>
-                      <a:endParaRPr lang="zh-CN" altLang="en-US"/>
                     </a:p>
                   </a:txBody>
-                  <a:tcPr anchor="ctr" anchorCtr="0"/>
+                  <a:tcPr anchor="ctr"/>
                 </a:tc>
               </a:tr>
               <a:tr h="323850">
                 <a:tc>
                   <a:txBody>
                     <a:bodyPr/>
+                    <a:lstStyle/>
                     <a:p>
                       <a:pPr algn="l">
                         <a:buNone/>
@@ -21026,14 +20918,14 @@
                         <a:rPr lang="zh-CN" altLang="en-US"/>
                         <a:t>PING</a:t>
                       </a:r>
-                      <a:endParaRPr lang="zh-CN" altLang="en-US"/>
                     </a:p>
                   </a:txBody>
-                  <a:tcPr anchor="ctr" anchorCtr="0"/>
+                  <a:tcPr anchor="ctr"/>
                 </a:tc>
                 <a:tc>
                   <a:txBody>
                     <a:bodyPr/>
+                    <a:lstStyle/>
                     <a:p>
                       <a:pPr algn="l">
                         <a:buNone/>
@@ -21042,16 +20934,16 @@
                         <a:rPr lang="zh-CN" altLang="en-US"/>
                         <a:t>PING命令使用客户端向 Redis 服务器发送一个 “PING”字符串</a:t>
                       </a:r>
-                      <a:endParaRPr lang="zh-CN" altLang="en-US"/>
                     </a:p>
                   </a:txBody>
-                  <a:tcPr anchor="ctr" anchorCtr="0"/>
+                  <a:tcPr anchor="ctr"/>
                 </a:tc>
               </a:tr>
               <a:tr h="235585">
                 <a:tc>
                   <a:txBody>
                     <a:bodyPr/>
+                    <a:lstStyle/>
                     <a:p>
                       <a:pPr algn="l">
                         <a:buNone/>
@@ -21060,14 +20952,14 @@
                         <a:rPr lang="zh-CN" altLang="en-US"/>
                         <a:t>ECHO</a:t>
                       </a:r>
-                      <a:endParaRPr lang="zh-CN" altLang="en-US"/>
                     </a:p>
                   </a:txBody>
-                  <a:tcPr anchor="ctr" anchorCtr="0"/>
+                  <a:tcPr anchor="ctr"/>
                 </a:tc>
                 <a:tc>
                   <a:txBody>
                     <a:bodyPr/>
+                    <a:lstStyle/>
                     <a:p>
                       <a:pPr algn="l">
                         <a:buNone/>
@@ -21076,16 +20968,16 @@
                         <a:rPr lang="zh-CN" altLang="en-US"/>
                         <a:t>ECHO命令可以在命令行打印一些内容</a:t>
                       </a:r>
-                      <a:endParaRPr lang="zh-CN" altLang="en-US"/>
                     </a:p>
                   </a:txBody>
-                  <a:tcPr anchor="ctr" anchorCtr="0"/>
+                  <a:tcPr anchor="ctr"/>
                 </a:tc>
               </a:tr>
               <a:tr h="308610">
                 <a:tc>
                   <a:txBody>
                     <a:bodyPr/>
+                    <a:lstStyle/>
                     <a:p>
                       <a:pPr algn="l">
                         <a:buNone/>
@@ -21094,14 +20986,14 @@
                         <a:rPr lang="zh-CN" altLang="en-US"/>
                         <a:t>QUIT</a:t>
                       </a:r>
-                      <a:endParaRPr lang="zh-CN" altLang="en-US"/>
                     </a:p>
                   </a:txBody>
-                  <a:tcPr anchor="ctr" anchorCtr="0"/>
+                  <a:tcPr anchor="ctr"/>
                 </a:tc>
                 <a:tc>
                   <a:txBody>
                     <a:bodyPr/>
+                    <a:lstStyle/>
                     <a:p>
                       <a:pPr algn="l">
                         <a:buNone/>
@@ -21110,16 +21002,16 @@
                         <a:rPr lang="zh-CN" altLang="en-US"/>
                         <a:t>QUIT命令可以退出当前Redis连接</a:t>
                       </a:r>
-                      <a:endParaRPr lang="zh-CN" altLang="en-US"/>
                     </a:p>
                   </a:txBody>
-                  <a:tcPr anchor="ctr" anchorCtr="0"/>
+                  <a:tcPr anchor="ctr"/>
                 </a:tc>
               </a:tr>
               <a:tr h="0">
                 <a:tc>
                   <a:txBody>
                     <a:bodyPr/>
+                    <a:lstStyle/>
                     <a:p>
                       <a:pPr algn="l">
                         <a:buNone/>
@@ -21128,14 +21020,14 @@
                         <a:rPr lang="zh-CN" altLang="en-US"/>
                         <a:t>DBSIZE</a:t>
                       </a:r>
-                      <a:endParaRPr lang="zh-CN" altLang="en-US"/>
                     </a:p>
                   </a:txBody>
-                  <a:tcPr anchor="ctr" anchorCtr="0"/>
+                  <a:tcPr anchor="ctr"/>
                 </a:tc>
                 <a:tc>
                   <a:txBody>
                     <a:bodyPr/>
+                    <a:lstStyle/>
                     <a:p>
                       <a:pPr algn="l">
                         <a:buNone/>
@@ -21144,16 +21036,16 @@
                         <a:rPr lang="zh-CN" altLang="en-US"/>
                         <a:t>DBSIZE命令查看当前数据库中key的数目</a:t>
                       </a:r>
-                      <a:endParaRPr lang="zh-CN" altLang="en-US"/>
                     </a:p>
                   </a:txBody>
-                  <a:tcPr anchor="ctr" anchorCtr="0"/>
+                  <a:tcPr anchor="ctr"/>
                 </a:tc>
               </a:tr>
               <a:tr h="118110">
                 <a:tc>
                   <a:txBody>
                     <a:bodyPr/>
+                    <a:lstStyle/>
                     <a:p>
                       <a:pPr algn="l">
                         <a:buNone/>
@@ -21162,14 +21054,14 @@
                         <a:rPr lang="zh-CN" altLang="en-US"/>
                         <a:t>INFO</a:t>
                       </a:r>
-                      <a:endParaRPr lang="zh-CN" altLang="en-US"/>
                     </a:p>
                   </a:txBody>
-                  <a:tcPr anchor="ctr" anchorCtr="0"/>
+                  <a:tcPr anchor="ctr"/>
                 </a:tc>
                 <a:tc>
                   <a:txBody>
                     <a:bodyPr/>
+                    <a:lstStyle/>
                     <a:p>
                       <a:pPr algn="l">
                         <a:buNone/>
@@ -21178,16 +21070,16 @@
                         <a:rPr lang="zh-CN" altLang="en-US"/>
                         <a:t>输入INFO命令查看Redis服务器的各种信息和统计数值</a:t>
                       </a:r>
-                      <a:endParaRPr lang="zh-CN" altLang="en-US"/>
                     </a:p>
                   </a:txBody>
-                  <a:tcPr anchor="ctr" anchorCtr="0"/>
+                  <a:tcPr anchor="ctr"/>
                 </a:tc>
               </a:tr>
               <a:tr h="0">
                 <a:tc>
                   <a:txBody>
                     <a:bodyPr/>
+                    <a:lstStyle/>
                     <a:p>
                       <a:pPr algn="l">
                         <a:buNone/>
@@ -21196,14 +21088,14 @@
                         <a:rPr lang="zh-CN" altLang="en-US"/>
                         <a:t>MONITOR</a:t>
                       </a:r>
-                      <a:endParaRPr lang="zh-CN" altLang="en-US"/>
                     </a:p>
                   </a:txBody>
-                  <a:tcPr anchor="ctr" anchorCtr="0"/>
+                  <a:tcPr anchor="ctr"/>
                 </a:tc>
                 <a:tc>
                   <a:txBody>
                     <a:bodyPr/>
+                    <a:lstStyle/>
                     <a:p>
                       <a:pPr algn="l">
                         <a:buNone/>
@@ -21212,16 +21104,16 @@
                         <a:rPr lang="zh-CN" altLang="en-US"/>
                         <a:t>实时打印出 Redis 服务器接收到的命令，可供调试使用</a:t>
                       </a:r>
-                      <a:endParaRPr lang="zh-CN" altLang="en-US"/>
                     </a:p>
                   </a:txBody>
-                  <a:tcPr anchor="ctr" anchorCtr="0"/>
+                  <a:tcPr anchor="ctr"/>
                 </a:tc>
               </a:tr>
               <a:tr h="0">
                 <a:tc>
                   <a:txBody>
                     <a:bodyPr/>
+                    <a:lstStyle/>
                     <a:p>
                       <a:pPr algn="l">
                         <a:buNone/>
@@ -21230,14 +21122,14 @@
                         <a:rPr lang="zh-CN" altLang="en-US"/>
                         <a:t>CONFIG GET</a:t>
                       </a:r>
-                      <a:endParaRPr lang="zh-CN" altLang="en-US"/>
                     </a:p>
                   </a:txBody>
-                  <a:tcPr anchor="ctr" anchorCtr="0"/>
+                  <a:tcPr anchor="ctr"/>
                 </a:tc>
                 <a:tc>
                   <a:txBody>
                     <a:bodyPr/>
+                    <a:lstStyle/>
                     <a:p>
                       <a:pPr algn="l">
                         <a:buNone/>
@@ -21246,16 +21138,16 @@
                         <a:rPr lang="zh-CN" altLang="en-US"/>
                         <a:t>使用CONFIG GET 命令获取服务器的配置信息</a:t>
                       </a:r>
-                      <a:endParaRPr lang="zh-CN" altLang="en-US"/>
                     </a:p>
                   </a:txBody>
-                  <a:tcPr anchor="ctr" anchorCtr="0"/>
+                  <a:tcPr anchor="ctr"/>
                 </a:tc>
               </a:tr>
               <a:tr h="0">
                 <a:tc>
                   <a:txBody>
                     <a:bodyPr/>
+                    <a:lstStyle/>
                     <a:p>
                       <a:pPr algn="l">
                         <a:buNone/>
@@ -21264,14 +21156,14 @@
                         <a:rPr lang="zh-CN" altLang="en-US"/>
                         <a:t>FLUSHDB</a:t>
                       </a:r>
-                      <a:endParaRPr lang="zh-CN" altLang="en-US"/>
                     </a:p>
                   </a:txBody>
-                  <a:tcPr anchor="ctr" anchorCtr="0"/>
+                  <a:tcPr anchor="ctr"/>
                 </a:tc>
                 <a:tc>
                   <a:txBody>
                     <a:bodyPr/>
+                    <a:lstStyle/>
                     <a:p>
                       <a:pPr algn="l">
                         <a:buNone/>
@@ -21280,16 +21172,16 @@
                         <a:rPr lang="zh-CN" altLang="en-US"/>
                         <a:t>FLUSHDB命令删除当前选择数据库中的所有key</a:t>
                       </a:r>
-                      <a:endParaRPr lang="zh-CN" altLang="en-US"/>
                     </a:p>
                   </a:txBody>
-                  <a:tcPr anchor="ctr" anchorCtr="0"/>
+                  <a:tcPr anchor="ctr"/>
                 </a:tc>
               </a:tr>
               <a:tr h="0">
                 <a:tc>
                   <a:txBody>
                     <a:bodyPr/>
+                    <a:lstStyle/>
                     <a:p>
                       <a:pPr algn="l">
                         <a:buNone/>
@@ -21298,14 +21190,14 @@
                         <a:rPr lang="zh-CN" altLang="en-US"/>
                         <a:t>FLUSHALL</a:t>
                       </a:r>
-                      <a:endParaRPr lang="zh-CN" altLang="en-US"/>
                     </a:p>
                   </a:txBody>
-                  <a:tcPr anchor="ctr" anchorCtr="0"/>
+                  <a:tcPr anchor="ctr"/>
                 </a:tc>
                 <a:tc>
                   <a:txBody>
                     <a:bodyPr/>
+                    <a:lstStyle/>
                     <a:p>
                       <a:pPr algn="l">
                         <a:buNone/>
@@ -21314,10 +21206,9 @@
                         <a:rPr lang="zh-CN" altLang="en-US"/>
                         <a:t>FLUSHALL删除数据库中的所有key</a:t>
                       </a:r>
-                      <a:endParaRPr lang="zh-CN" altLang="en-US"/>
                     </a:p>
                   </a:txBody>
-                  <a:tcPr anchor="ctr" anchorCtr="0"/>
+                  <a:tcPr anchor="ctr"/>
                 </a:tc>
               </a:tr>
             </a:tbl>
@@ -21707,11 +21598,6 @@
               </a:rPr>
               <a:t>内容导航：</a:t>
             </a:r>
-            <a:endParaRPr lang="zh-CN" altLang="en-US" sz="2800" b="1" dirty="0">
-              <a:solidFill>
-                <a:schemeClr val="bg1"/>
-              </a:solidFill>
-            </a:endParaRPr>
           </a:p>
         </p:txBody>
       </p:sp>
@@ -21952,7 +21838,7 @@
           <p:nvPr/>
         </p:nvPicPr>
         <p:blipFill>
-          <a:blip r:embed="rId1" cstate="print">
+          <a:blip r:embed="rId3" cstate="print">
             <a:extLst>
               <a:ext uri="{28A0092B-C50C-407E-A947-70E740481C1C}">
                 <a14:useLocalDpi xmlns:a14="http://schemas.microsoft.com/office/drawing/2010/main" val="0"/>
@@ -21983,7 +21869,7 @@
           <p:nvPr/>
         </p:nvPicPr>
         <p:blipFill>
-          <a:blip r:embed="rId1" cstate="print">
+          <a:blip r:embed="rId3" cstate="print">
             <a:extLst>
               <a:ext uri="{28A0092B-C50C-407E-A947-70E740481C1C}">
                 <a14:useLocalDpi xmlns:a14="http://schemas.microsoft.com/office/drawing/2010/main" val="0"/>
@@ -22036,13 +21922,22 @@
               <a:buNone/>
             </a:pPr>
             <a:r>
-              <a:rPr lang="zh-CN" altLang="en-US" sz="2400" dirty="0">
+              <a:rPr lang="zh-CN" altLang="en-US" sz="2400" dirty="0" smtClean="0">
                 <a:solidFill>
                   <a:srgbClr val="000000"/>
                 </a:solidFill>
                 <a:sym typeface="+mn-ea"/>
               </a:rPr>
-              <a:t>键值相关命令</a:t>
+              <a:t>服务器相关</a:t>
+            </a:r>
+            <a:r>
+              <a:rPr lang="zh-CN" altLang="en-US" sz="2400" dirty="0">
+                <a:solidFill>
+                  <a:srgbClr val="000000"/>
+                </a:solidFill>
+                <a:sym typeface="+mn-ea"/>
+              </a:rPr>
+              <a:t>命令</a:t>
             </a:r>
             <a:r>
               <a:rPr lang="en-US" altLang="zh-CN" sz="2400" dirty="0">
@@ -22054,12 +21949,12 @@
               <a:t> </a:t>
             </a:r>
             <a:r>
-              <a:rPr lang="zh-CN" altLang="en-US" sz="2400">
+              <a:rPr lang="zh-CN" altLang="en-US" sz="2400" dirty="0">
                 <a:sym typeface="+mn-ea"/>
               </a:rPr>
               <a:t>PING</a:t>
             </a:r>
-            <a:endParaRPr lang="en-US" altLang="zh-CN" sz="2400">
+            <a:endParaRPr lang="en-US" altLang="zh-CN" sz="2400" dirty="0">
               <a:sym typeface="+mn-ea"/>
             </a:endParaRPr>
           </a:p>
@@ -22071,7 +21966,7 @@
           <p:cNvGraphicFramePr/>
           <p:nvPr>
             <p:custDataLst>
-              <p:tags r:id="rId2"/>
+              <p:tags r:id="rId1"/>
             </p:custDataLst>
           </p:nvPr>
         </p:nvGraphicFramePr>
@@ -22093,6 +21988,7 @@
                 <a:tc>
                   <a:txBody>
                     <a:bodyPr/>
+                    <a:lstStyle/>
                     <a:p>
                       <a:pPr algn="ctr">
                         <a:buNone/>
@@ -22101,14 +21997,14 @@
                         <a:rPr lang="zh-CN" altLang="en-US"/>
                         <a:t>键值</a:t>
                       </a:r>
-                      <a:endParaRPr lang="zh-CN" altLang="en-US"/>
                     </a:p>
                   </a:txBody>
-                  <a:tcPr anchor="ctr" anchorCtr="0"/>
+                  <a:tcPr anchor="ctr"/>
                 </a:tc>
                 <a:tc>
                   <a:txBody>
                     <a:bodyPr/>
+                    <a:lstStyle/>
                     <a:p>
                       <a:pPr algn="ctr">
                         <a:buNone/>
@@ -22117,16 +22013,16 @@
                         <a:rPr lang="zh-CN" altLang="en-US"/>
                         <a:t>释义</a:t>
                       </a:r>
-                      <a:endParaRPr lang="zh-CN" altLang="en-US"/>
                     </a:p>
                   </a:txBody>
-                  <a:tcPr anchor="ctr" anchorCtr="0"/>
+                  <a:tcPr anchor="ctr"/>
                 </a:tc>
               </a:tr>
               <a:tr h="914400">
                 <a:tc>
                   <a:txBody>
                     <a:bodyPr/>
+                    <a:lstStyle/>
                     <a:p>
                       <a:pPr algn="ctr">
                         <a:buNone/>
@@ -22142,11 +22038,12 @@
                       </a:endParaRPr>
                     </a:p>
                   </a:txBody>
-                  <a:tcPr anchor="ctr" anchorCtr="0"/>
+                  <a:tcPr anchor="ctr"/>
                 </a:tc>
                 <a:tc>
                   <a:txBody>
                     <a:bodyPr/>
+                    <a:lstStyle/>
                     <a:p>
                       <a:pPr algn="l">
                         <a:buNone/>
@@ -22155,16 +22052,16 @@
                         <a:rPr lang="zh-CN" altLang="en-US"/>
                         <a:t>PING命令使用客户端向 Redis 服务器发送一个 “PING”字符串 ，如果服务器运作正常的话，会返回一个 “PONG”字符串 ，用来测试Redis客户端与服务器的连接是否依然生效。</a:t>
                       </a:r>
-                      <a:endParaRPr lang="zh-CN" altLang="en-US"/>
                     </a:p>
                   </a:txBody>
-                  <a:tcPr anchor="ctr" anchorCtr="0"/>
+                  <a:tcPr anchor="ctr"/>
                 </a:tc>
               </a:tr>
               <a:tr h="2778125">
                 <a:tc gridSpan="2">
                   <a:txBody>
                     <a:bodyPr/>
+                    <a:lstStyle/>
                     <a:p>
                       <a:pPr marL="3704590" indent="-3704590" algn="l">
                         <a:lnSpc>
@@ -22176,7 +22073,6 @@
                         <a:rPr lang="zh-CN" altLang="en-US"/>
                         <a:t>示例：</a:t>
                       </a:r>
-                      <a:endParaRPr lang="zh-CN" altLang="en-US"/>
                     </a:p>
                     <a:p>
                       <a:pPr marL="3704590" indent="-3704590" algn="l">
@@ -22206,10 +22102,17 @@
                       <a:endParaRPr lang="zh-CN" altLang="en-US"/>
                     </a:p>
                   </a:txBody>
-                  <a:tcPr anchor="t" anchorCtr="0"/>
+                  <a:tcPr/>
                 </a:tc>
                 <a:tc hMerge="1">
-                  <a:tcPr anchor="ctr" anchorCtr="0"/>
+                  <a:txBody>
+                    <a:bodyPr/>
+                    <a:lstStyle/>
+                    <a:p>
+                      <a:endParaRPr lang="zh-CN"/>
+                    </a:p>
+                  </a:txBody>
+                  <a:tcPr anchor="ctr"/>
                 </a:tc>
               </a:tr>
             </a:tbl>
@@ -22225,7 +22128,7 @@
           <p:nvPr/>
         </p:nvPicPr>
         <p:blipFill>
-          <a:blip r:embed="rId3"/>
+          <a:blip r:embed="rId4"/>
           <a:stretch>
             <a:fillRect/>
           </a:stretch>
@@ -22623,11 +22526,6 @@
               </a:rPr>
               <a:t>内容导航：</a:t>
             </a:r>
-            <a:endParaRPr lang="zh-CN" altLang="en-US" sz="2800" b="1" dirty="0">
-              <a:solidFill>
-                <a:schemeClr val="bg1"/>
-              </a:solidFill>
-            </a:endParaRPr>
           </a:p>
         </p:txBody>
       </p:sp>
@@ -22868,7 +22766,7 @@
           <p:nvPr/>
         </p:nvPicPr>
         <p:blipFill>
-          <a:blip r:embed="rId1" cstate="print">
+          <a:blip r:embed="rId3" cstate="print">
             <a:extLst>
               <a:ext uri="{28A0092B-C50C-407E-A947-70E740481C1C}">
                 <a14:useLocalDpi xmlns:a14="http://schemas.microsoft.com/office/drawing/2010/main" val="0"/>
@@ -22899,7 +22797,7 @@
           <p:nvPr/>
         </p:nvPicPr>
         <p:blipFill>
-          <a:blip r:embed="rId1" cstate="print">
+          <a:blip r:embed="rId3" cstate="print">
             <a:extLst>
               <a:ext uri="{28A0092B-C50C-407E-A947-70E740481C1C}">
                 <a14:useLocalDpi xmlns:a14="http://schemas.microsoft.com/office/drawing/2010/main" val="0"/>
@@ -22948,9 +22846,6 @@
           </a:bodyPr>
           <a:lstStyle/>
           <a:p>
-            <a:pPr algn="l">
-              <a:buNone/>
-            </a:pPr>
             <a:r>
               <a:rPr lang="zh-CN" altLang="en-US" sz="2400" dirty="0">
                 <a:solidFill>
@@ -22958,7 +22853,16 @@
                 </a:solidFill>
                 <a:sym typeface="+mn-ea"/>
               </a:rPr>
-              <a:t>键值相关命令</a:t>
+              <a:t>服务器相关</a:t>
+            </a:r>
+            <a:r>
+              <a:rPr lang="zh-CN" altLang="en-US" sz="2400" dirty="0">
+                <a:solidFill>
+                  <a:srgbClr val="000000"/>
+                </a:solidFill>
+                <a:sym typeface="+mn-ea"/>
+              </a:rPr>
+              <a:t>命令</a:t>
             </a:r>
             <a:r>
               <a:rPr lang="en-US" altLang="zh-CN" sz="2400" dirty="0">
@@ -22970,12 +22874,12 @@
               <a:t> </a:t>
             </a:r>
             <a:r>
-              <a:rPr lang="zh-CN" altLang="en-US" sz="2400">
+              <a:rPr lang="zh-CN" altLang="en-US" sz="2400" dirty="0">
                 <a:sym typeface="+mn-ea"/>
               </a:rPr>
               <a:t>ECHO</a:t>
             </a:r>
-            <a:endParaRPr lang="en-US" altLang="zh-CN" sz="2400">
+            <a:endParaRPr lang="en-US" altLang="zh-CN" sz="2400" dirty="0">
               <a:sym typeface="+mn-ea"/>
             </a:endParaRPr>
           </a:p>
@@ -22987,7 +22891,7 @@
           <p:cNvGraphicFramePr/>
           <p:nvPr>
             <p:custDataLst>
-              <p:tags r:id="rId2"/>
+              <p:tags r:id="rId1"/>
             </p:custDataLst>
           </p:nvPr>
         </p:nvGraphicFramePr>
@@ -23009,6 +22913,7 @@
                 <a:tc>
                   <a:txBody>
                     <a:bodyPr/>
+                    <a:lstStyle/>
                     <a:p>
                       <a:pPr algn="ctr">
                         <a:buNone/>
@@ -23017,14 +22922,14 @@
                         <a:rPr lang="zh-CN" altLang="en-US"/>
                         <a:t>键值</a:t>
                       </a:r>
-                      <a:endParaRPr lang="zh-CN" altLang="en-US"/>
                     </a:p>
                   </a:txBody>
-                  <a:tcPr anchor="ctr" anchorCtr="0"/>
+                  <a:tcPr anchor="ctr"/>
                 </a:tc>
                 <a:tc>
                   <a:txBody>
                     <a:bodyPr/>
+                    <a:lstStyle/>
                     <a:p>
                       <a:pPr algn="ctr">
                         <a:buNone/>
@@ -23033,16 +22938,16 @@
                         <a:rPr lang="zh-CN" altLang="en-US"/>
                         <a:t>释义</a:t>
                       </a:r>
-                      <a:endParaRPr lang="zh-CN" altLang="en-US"/>
                     </a:p>
                   </a:txBody>
-                  <a:tcPr anchor="ctr" anchorCtr="0"/>
+                  <a:tcPr anchor="ctr"/>
                 </a:tc>
               </a:tr>
               <a:tr h="503555">
                 <a:tc>
                   <a:txBody>
                     <a:bodyPr/>
+                    <a:lstStyle/>
                     <a:p>
                       <a:pPr algn="ctr">
                         <a:buNone/>
@@ -23058,11 +22963,12 @@
                       </a:endParaRPr>
                     </a:p>
                   </a:txBody>
-                  <a:tcPr anchor="ctr" anchorCtr="0"/>
+                  <a:tcPr anchor="ctr"/>
                 </a:tc>
                 <a:tc>
                   <a:txBody>
                     <a:bodyPr/>
+                    <a:lstStyle/>
                     <a:p>
                       <a:pPr algn="l">
                         <a:buNone/>
@@ -23071,16 +22977,16 @@
                         <a:rPr lang="zh-CN" altLang="en-US"/>
                         <a:t>ECHO命令可以在命令行打印一些内容</a:t>
                       </a:r>
-                      <a:endParaRPr lang="zh-CN" altLang="en-US"/>
                     </a:p>
                   </a:txBody>
-                  <a:tcPr anchor="ctr" anchorCtr="0"/>
+                  <a:tcPr anchor="ctr"/>
                 </a:tc>
               </a:tr>
               <a:tr h="2778125">
                 <a:tc gridSpan="2">
                   <a:txBody>
                     <a:bodyPr/>
+                    <a:lstStyle/>
                     <a:p>
                       <a:pPr marL="3704590" indent="-3704590" algn="l">
                         <a:lnSpc>
@@ -23092,7 +22998,6 @@
                         <a:rPr lang="zh-CN" altLang="en-US"/>
                         <a:t>示例：</a:t>
                       </a:r>
-                      <a:endParaRPr lang="zh-CN" altLang="en-US"/>
                     </a:p>
                     <a:p>
                       <a:pPr marL="3704590" indent="-3704590" algn="l">
@@ -23122,10 +23027,17 @@
                       <a:endParaRPr lang="zh-CN" altLang="en-US"/>
                     </a:p>
                   </a:txBody>
-                  <a:tcPr anchor="t" anchorCtr="0"/>
+                  <a:tcPr/>
                 </a:tc>
                 <a:tc hMerge="1">
-                  <a:tcPr anchor="ctr" anchorCtr="0"/>
+                  <a:txBody>
+                    <a:bodyPr/>
+                    <a:lstStyle/>
+                    <a:p>
+                      <a:endParaRPr lang="zh-CN"/>
+                    </a:p>
+                  </a:txBody>
+                  <a:tcPr anchor="ctr"/>
                 </a:tc>
               </a:tr>
             </a:tbl>
@@ -23141,7 +23053,7 @@
           <p:nvPr/>
         </p:nvPicPr>
         <p:blipFill>
-          <a:blip r:embed="rId3"/>
+          <a:blip r:embed="rId4"/>
           <a:stretch>
             <a:fillRect/>
           </a:stretch>
@@ -23539,11 +23451,6 @@
               </a:rPr>
               <a:t>内容导航：</a:t>
             </a:r>
-            <a:endParaRPr lang="zh-CN" altLang="en-US" sz="2800" b="1" dirty="0">
-              <a:solidFill>
-                <a:schemeClr val="bg1"/>
-              </a:solidFill>
-            </a:endParaRPr>
           </a:p>
         </p:txBody>
       </p:sp>
@@ -23784,7 +23691,7 @@
           <p:nvPr/>
         </p:nvPicPr>
         <p:blipFill>
-          <a:blip r:embed="rId1" cstate="print">
+          <a:blip r:embed="rId3" cstate="print">
             <a:extLst>
               <a:ext uri="{28A0092B-C50C-407E-A947-70E740481C1C}">
                 <a14:useLocalDpi xmlns:a14="http://schemas.microsoft.com/office/drawing/2010/main" val="0"/>
@@ -23815,7 +23722,7 @@
           <p:nvPr/>
         </p:nvPicPr>
         <p:blipFill>
-          <a:blip r:embed="rId1" cstate="print">
+          <a:blip r:embed="rId3" cstate="print">
             <a:extLst>
               <a:ext uri="{28A0092B-C50C-407E-A947-70E740481C1C}">
                 <a14:useLocalDpi xmlns:a14="http://schemas.microsoft.com/office/drawing/2010/main" val="0"/>
@@ -23864,9 +23771,6 @@
           </a:bodyPr>
           <a:lstStyle/>
           <a:p>
-            <a:pPr algn="l">
-              <a:buNone/>
-            </a:pPr>
             <a:r>
               <a:rPr lang="zh-CN" altLang="en-US" sz="2400" dirty="0">
                 <a:solidFill>
@@ -23874,7 +23778,16 @@
                 </a:solidFill>
                 <a:sym typeface="+mn-ea"/>
               </a:rPr>
-              <a:t>键值相关命令</a:t>
+              <a:t>服务器相关</a:t>
+            </a:r>
+            <a:r>
+              <a:rPr lang="zh-CN" altLang="en-US" sz="2400" dirty="0">
+                <a:solidFill>
+                  <a:srgbClr val="000000"/>
+                </a:solidFill>
+                <a:sym typeface="+mn-ea"/>
+              </a:rPr>
+              <a:t>命令</a:t>
             </a:r>
             <a:r>
               <a:rPr lang="en-US" altLang="zh-CN" sz="2400" dirty="0">
@@ -23886,14 +23799,11 @@
               <a:t> </a:t>
             </a:r>
             <a:r>
-              <a:rPr lang="zh-CN" altLang="en-US" sz="2400">
+              <a:rPr lang="zh-CN" altLang="en-US" sz="2400" dirty="0">
                 <a:sym typeface="+mn-ea"/>
               </a:rPr>
               <a:t>QUIT</a:t>
             </a:r>
-            <a:endParaRPr lang="zh-CN" altLang="en-US" sz="2400">
-              <a:sym typeface="+mn-ea"/>
-            </a:endParaRPr>
           </a:p>
         </p:txBody>
       </p:sp>
@@ -23903,7 +23813,7 @@
           <p:cNvGraphicFramePr/>
           <p:nvPr>
             <p:custDataLst>
-              <p:tags r:id="rId2"/>
+              <p:tags r:id="rId1"/>
             </p:custDataLst>
           </p:nvPr>
         </p:nvGraphicFramePr>
@@ -23925,6 +23835,7 @@
                 <a:tc>
                   <a:txBody>
                     <a:bodyPr/>
+                    <a:lstStyle/>
                     <a:p>
                       <a:pPr algn="ctr">
                         <a:buNone/>
@@ -23933,14 +23844,14 @@
                         <a:rPr lang="zh-CN" altLang="en-US"/>
                         <a:t>键值</a:t>
                       </a:r>
-                      <a:endParaRPr lang="zh-CN" altLang="en-US"/>
                     </a:p>
                   </a:txBody>
-                  <a:tcPr anchor="ctr" anchorCtr="0"/>
+                  <a:tcPr anchor="ctr"/>
                 </a:tc>
                 <a:tc>
                   <a:txBody>
                     <a:bodyPr/>
+                    <a:lstStyle/>
                     <a:p>
                       <a:pPr algn="ctr">
                         <a:buNone/>
@@ -23949,16 +23860,16 @@
                         <a:rPr lang="zh-CN" altLang="en-US"/>
                         <a:t>释义</a:t>
                       </a:r>
-                      <a:endParaRPr lang="zh-CN" altLang="en-US"/>
                     </a:p>
                   </a:txBody>
-                  <a:tcPr anchor="ctr" anchorCtr="0"/>
+                  <a:tcPr anchor="ctr"/>
                 </a:tc>
               </a:tr>
               <a:tr h="503555">
                 <a:tc>
                   <a:txBody>
                     <a:bodyPr/>
+                    <a:lstStyle/>
                     <a:p>
                       <a:pPr algn="ctr">
                         <a:buNone/>
@@ -23969,16 +23880,14 @@
                         </a:rPr>
                         <a:t>QUIT</a:t>
                       </a:r>
-                      <a:endParaRPr lang="zh-CN" altLang="en-US" sz="1800">
-                        <a:sym typeface="+mn-ea"/>
-                      </a:endParaRPr>
                     </a:p>
                   </a:txBody>
-                  <a:tcPr anchor="ctr" anchorCtr="0"/>
+                  <a:tcPr anchor="ctr"/>
                 </a:tc>
                 <a:tc>
                   <a:txBody>
                     <a:bodyPr/>
+                    <a:lstStyle/>
                     <a:p>
                       <a:pPr algn="l">
                         <a:buNone/>
@@ -23987,16 +23896,16 @@
                         <a:rPr lang="zh-CN" altLang="en-US"/>
                         <a:t>QUIT命令可以退出当前Redis连接</a:t>
                       </a:r>
-                      <a:endParaRPr lang="zh-CN" altLang="en-US"/>
                     </a:p>
                   </a:txBody>
-                  <a:tcPr anchor="ctr" anchorCtr="0"/>
+                  <a:tcPr anchor="ctr"/>
                 </a:tc>
               </a:tr>
               <a:tr h="2778125">
                 <a:tc gridSpan="2">
                   <a:txBody>
                     <a:bodyPr/>
+                    <a:lstStyle/>
                     <a:p>
                       <a:pPr marL="3704590" indent="-3704590" algn="l">
                         <a:lnSpc>
@@ -24008,7 +23917,6 @@
                         <a:rPr lang="zh-CN" altLang="en-US"/>
                         <a:t>示例：</a:t>
                       </a:r>
-                      <a:endParaRPr lang="zh-CN" altLang="en-US"/>
                     </a:p>
                     <a:p>
                       <a:pPr marL="3704590" indent="-3704590" algn="l">
@@ -24038,10 +23946,17 @@
                       <a:endParaRPr lang="zh-CN" altLang="en-US"/>
                     </a:p>
                   </a:txBody>
-                  <a:tcPr anchor="t" anchorCtr="0"/>
+                  <a:tcPr/>
                 </a:tc>
                 <a:tc hMerge="1">
-                  <a:tcPr anchor="ctr" anchorCtr="0"/>
+                  <a:txBody>
+                    <a:bodyPr/>
+                    <a:lstStyle/>
+                    <a:p>
+                      <a:endParaRPr lang="zh-CN"/>
+                    </a:p>
+                  </a:txBody>
+                  <a:tcPr anchor="ctr"/>
                 </a:tc>
               </a:tr>
             </a:tbl>
@@ -24057,7 +23972,7 @@
           <p:nvPr/>
         </p:nvPicPr>
         <p:blipFill>
-          <a:blip r:embed="rId3"/>
+          <a:blip r:embed="rId4"/>
           <a:stretch>
             <a:fillRect/>
           </a:stretch>
@@ -24455,11 +24370,6 @@
               </a:rPr>
               <a:t>内容导航：</a:t>
             </a:r>
-            <a:endParaRPr lang="zh-CN" altLang="en-US" sz="2800" b="1" dirty="0">
-              <a:solidFill>
-                <a:schemeClr val="bg1"/>
-              </a:solidFill>
-            </a:endParaRPr>
           </a:p>
         </p:txBody>
       </p:sp>
@@ -24700,7 +24610,7 @@
           <p:nvPr/>
         </p:nvPicPr>
         <p:blipFill>
-          <a:blip r:embed="rId1" cstate="print">
+          <a:blip r:embed="rId3" cstate="print">
             <a:extLst>
               <a:ext uri="{28A0092B-C50C-407E-A947-70E740481C1C}">
                 <a14:useLocalDpi xmlns:a14="http://schemas.microsoft.com/office/drawing/2010/main" val="0"/>
@@ -24731,7 +24641,7 @@
           <p:nvPr/>
         </p:nvPicPr>
         <p:blipFill>
-          <a:blip r:embed="rId1" cstate="print">
+          <a:blip r:embed="rId3" cstate="print">
             <a:extLst>
               <a:ext uri="{28A0092B-C50C-407E-A947-70E740481C1C}">
                 <a14:useLocalDpi xmlns:a14="http://schemas.microsoft.com/office/drawing/2010/main" val="0"/>
@@ -24780,9 +24690,6 @@
           </a:bodyPr>
           <a:lstStyle/>
           <a:p>
-            <a:pPr algn="l">
-              <a:buNone/>
-            </a:pPr>
             <a:r>
               <a:rPr lang="zh-CN" altLang="en-US" sz="2400" dirty="0">
                 <a:solidFill>
@@ -24790,7 +24697,16 @@
                 </a:solidFill>
                 <a:sym typeface="+mn-ea"/>
               </a:rPr>
-              <a:t>键值相关命令</a:t>
+              <a:t>服务器相关</a:t>
+            </a:r>
+            <a:r>
+              <a:rPr lang="zh-CN" altLang="en-US" sz="2400" dirty="0">
+                <a:solidFill>
+                  <a:srgbClr val="000000"/>
+                </a:solidFill>
+                <a:sym typeface="+mn-ea"/>
+              </a:rPr>
+              <a:t>命令</a:t>
             </a:r>
             <a:r>
               <a:rPr lang="en-US" altLang="zh-CN" sz="2400" dirty="0">
@@ -24802,14 +24718,11 @@
               <a:t> </a:t>
             </a:r>
             <a:r>
-              <a:rPr lang="zh-CN" altLang="en-US" sz="2400">
+              <a:rPr lang="zh-CN" altLang="en-US" sz="2400" dirty="0">
                 <a:sym typeface="+mn-ea"/>
               </a:rPr>
               <a:t>DBSIZE</a:t>
             </a:r>
-            <a:endParaRPr lang="zh-CN" altLang="en-US" sz="2400">
-              <a:sym typeface="+mn-ea"/>
-            </a:endParaRPr>
           </a:p>
         </p:txBody>
       </p:sp>
@@ -24819,7 +24732,7 @@
           <p:cNvGraphicFramePr/>
           <p:nvPr>
             <p:custDataLst>
-              <p:tags r:id="rId2"/>
+              <p:tags r:id="rId1"/>
             </p:custDataLst>
           </p:nvPr>
         </p:nvGraphicFramePr>
@@ -24841,6 +24754,7 @@
                 <a:tc>
                   <a:txBody>
                     <a:bodyPr/>
+                    <a:lstStyle/>
                     <a:p>
                       <a:pPr algn="ctr">
                         <a:buNone/>
@@ -24849,14 +24763,14 @@
                         <a:rPr lang="zh-CN" altLang="en-US"/>
                         <a:t>键值</a:t>
                       </a:r>
-                      <a:endParaRPr lang="zh-CN" altLang="en-US"/>
                     </a:p>
                   </a:txBody>
-                  <a:tcPr anchor="ctr" anchorCtr="0"/>
+                  <a:tcPr anchor="ctr"/>
                 </a:tc>
                 <a:tc>
                   <a:txBody>
                     <a:bodyPr/>
+                    <a:lstStyle/>
                     <a:p>
                       <a:pPr algn="ctr">
                         <a:buNone/>
@@ -24865,16 +24779,16 @@
                         <a:rPr lang="zh-CN" altLang="en-US"/>
                         <a:t>释义</a:t>
                       </a:r>
-                      <a:endParaRPr lang="zh-CN" altLang="en-US"/>
                     </a:p>
                   </a:txBody>
-                  <a:tcPr anchor="ctr" anchorCtr="0"/>
+                  <a:tcPr anchor="ctr"/>
                 </a:tc>
               </a:tr>
               <a:tr h="503555">
                 <a:tc>
                   <a:txBody>
                     <a:bodyPr/>
+                    <a:lstStyle/>
                     <a:p>
                       <a:pPr algn="ctr">
                         <a:buNone/>
@@ -24885,16 +24799,14 @@
                         </a:rPr>
                         <a:t>DBSIZE</a:t>
                       </a:r>
-                      <a:endParaRPr lang="zh-CN" altLang="en-US" sz="1800">
-                        <a:sym typeface="+mn-ea"/>
-                      </a:endParaRPr>
                     </a:p>
                   </a:txBody>
-                  <a:tcPr anchor="ctr" anchorCtr="0"/>
+                  <a:tcPr anchor="ctr"/>
                 </a:tc>
                 <a:tc>
                   <a:txBody>
                     <a:bodyPr/>
+                    <a:lstStyle/>
                     <a:p>
                       <a:pPr algn="l">
                         <a:buNone/>
@@ -24903,16 +24815,16 @@
                         <a:rPr lang="zh-CN" altLang="en-US"/>
                         <a:t>DBSIZE命令查看当前数据库中key的数目</a:t>
                       </a:r>
-                      <a:endParaRPr lang="zh-CN" altLang="en-US"/>
                     </a:p>
                   </a:txBody>
-                  <a:tcPr anchor="ctr" anchorCtr="0"/>
+                  <a:tcPr anchor="ctr"/>
                 </a:tc>
               </a:tr>
               <a:tr h="2778125">
                 <a:tc gridSpan="2">
                   <a:txBody>
                     <a:bodyPr/>
+                    <a:lstStyle/>
                     <a:p>
                       <a:pPr marL="3704590" indent="-3704590" algn="l">
                         <a:lnSpc>
@@ -24924,7 +24836,6 @@
                         <a:rPr lang="zh-CN" altLang="en-US"/>
                         <a:t>示例：</a:t>
                       </a:r>
-                      <a:endParaRPr lang="zh-CN" altLang="en-US"/>
                     </a:p>
                     <a:p>
                       <a:pPr marL="3704590" indent="-3704590" algn="l">
@@ -24973,13 +24884,19 @@
                         <a:rPr lang="zh-CN" altLang="en-US"/>
                         <a:t>在本例中可以看出当前数据库中有2个key</a:t>
                       </a:r>
-                      <a:endParaRPr lang="zh-CN" altLang="en-US"/>
                     </a:p>
                   </a:txBody>
-                  <a:tcPr anchor="t" anchorCtr="0"/>
+                  <a:tcPr/>
                 </a:tc>
                 <a:tc hMerge="1">
-                  <a:tcPr anchor="ctr" anchorCtr="0"/>
+                  <a:txBody>
+                    <a:bodyPr/>
+                    <a:lstStyle/>
+                    <a:p>
+                      <a:endParaRPr lang="zh-CN"/>
+                    </a:p>
+                  </a:txBody>
+                  <a:tcPr anchor="ctr"/>
                 </a:tc>
               </a:tr>
             </a:tbl>
@@ -24995,7 +24912,7 @@
           <p:nvPr/>
         </p:nvPicPr>
         <p:blipFill>
-          <a:blip r:embed="rId3"/>
+          <a:blip r:embed="rId4"/>
           <a:stretch>
             <a:fillRect/>
           </a:stretch>
@@ -25393,11 +25310,6 @@
               </a:rPr>
               <a:t>内容导航：</a:t>
             </a:r>
-            <a:endParaRPr lang="zh-CN" altLang="en-US" sz="2800" b="1" dirty="0">
-              <a:solidFill>
-                <a:schemeClr val="bg1"/>
-              </a:solidFill>
-            </a:endParaRPr>
           </a:p>
         </p:txBody>
       </p:sp>
@@ -25638,7 +25550,7 @@
           <p:nvPr/>
         </p:nvPicPr>
         <p:blipFill>
-          <a:blip r:embed="rId1" cstate="print">
+          <a:blip r:embed="rId3" cstate="print">
             <a:extLst>
               <a:ext uri="{28A0092B-C50C-407E-A947-70E740481C1C}">
                 <a14:useLocalDpi xmlns:a14="http://schemas.microsoft.com/office/drawing/2010/main" val="0"/>
@@ -25669,7 +25581,7 @@
           <p:nvPr/>
         </p:nvPicPr>
         <p:blipFill>
-          <a:blip r:embed="rId1" cstate="print">
+          <a:blip r:embed="rId3" cstate="print">
             <a:extLst>
               <a:ext uri="{28A0092B-C50C-407E-A947-70E740481C1C}">
                 <a14:useLocalDpi xmlns:a14="http://schemas.microsoft.com/office/drawing/2010/main" val="0"/>
@@ -25718,9 +25630,6 @@
           </a:bodyPr>
           <a:lstStyle/>
           <a:p>
-            <a:pPr algn="l">
-              <a:buNone/>
-            </a:pPr>
             <a:r>
               <a:rPr lang="zh-CN" altLang="en-US" sz="2400" dirty="0">
                 <a:solidFill>
@@ -25728,7 +25637,16 @@
                 </a:solidFill>
                 <a:sym typeface="+mn-ea"/>
               </a:rPr>
-              <a:t>键值相关命令</a:t>
+              <a:t>服务器相关</a:t>
+            </a:r>
+            <a:r>
+              <a:rPr lang="zh-CN" altLang="en-US" sz="2400" dirty="0">
+                <a:solidFill>
+                  <a:srgbClr val="000000"/>
+                </a:solidFill>
+                <a:sym typeface="+mn-ea"/>
+              </a:rPr>
+              <a:t>命令</a:t>
             </a:r>
             <a:r>
               <a:rPr lang="en-US" altLang="zh-CN" sz="2400" dirty="0">
@@ -25740,14 +25658,11 @@
               <a:t> </a:t>
             </a:r>
             <a:r>
-              <a:rPr lang="zh-CN" altLang="en-US" sz="2400">
+              <a:rPr lang="zh-CN" altLang="en-US" sz="2400" dirty="0">
                 <a:sym typeface="+mn-ea"/>
               </a:rPr>
               <a:t>INFO</a:t>
             </a:r>
-            <a:endParaRPr lang="zh-CN" altLang="en-US" sz="2400">
-              <a:sym typeface="+mn-ea"/>
-            </a:endParaRPr>
           </a:p>
         </p:txBody>
       </p:sp>
@@ -25757,13 +25672,13 @@
           <p:cNvGraphicFramePr/>
           <p:nvPr>
             <p:custDataLst>
-              <p:tags r:id="rId2"/>
+              <p:tags r:id="rId1"/>
             </p:custDataLst>
           </p:nvPr>
         </p:nvGraphicFramePr>
         <p:xfrm>
           <a:off x="1484630" y="1986915"/>
-          <a:ext cx="9226550" cy="4331970"/>
+          <a:ext cx="9226550" cy="4332859"/>
         </p:xfrm>
         <a:graphic>
           <a:graphicData uri="http://schemas.openxmlformats.org/drawingml/2006/table">
@@ -25779,6 +25694,7 @@
                 <a:tc>
                   <a:txBody>
                     <a:bodyPr/>
+                    <a:lstStyle/>
                     <a:p>
                       <a:pPr algn="ctr">
                         <a:buNone/>
@@ -25787,14 +25703,14 @@
                         <a:rPr lang="zh-CN" altLang="en-US"/>
                         <a:t>键值</a:t>
                       </a:r>
-                      <a:endParaRPr lang="zh-CN" altLang="en-US"/>
                     </a:p>
                   </a:txBody>
-                  <a:tcPr anchor="ctr" anchorCtr="0"/>
+                  <a:tcPr anchor="ctr"/>
                 </a:tc>
                 <a:tc>
                   <a:txBody>
                     <a:bodyPr/>
+                    <a:lstStyle/>
                     <a:p>
                       <a:pPr algn="ctr">
                         <a:buNone/>
@@ -25803,16 +25719,16 @@
                         <a:rPr lang="zh-CN" altLang="en-US"/>
                         <a:t>释义</a:t>
                       </a:r>
-                      <a:endParaRPr lang="zh-CN" altLang="en-US"/>
                     </a:p>
                   </a:txBody>
-                  <a:tcPr anchor="ctr" anchorCtr="0"/>
+                  <a:tcPr anchor="ctr"/>
                 </a:tc>
               </a:tr>
               <a:tr h="274320">
                 <a:tc>
                   <a:txBody>
                     <a:bodyPr/>
+                    <a:lstStyle/>
                     <a:p>
                       <a:pPr algn="ctr">
                         <a:buNone/>
@@ -25823,16 +25739,14 @@
                         </a:rPr>
                         <a:t>INFO</a:t>
                       </a:r>
-                      <a:endParaRPr lang="zh-CN" altLang="en-US" sz="1800">
-                        <a:sym typeface="+mn-ea"/>
-                      </a:endParaRPr>
                     </a:p>
                   </a:txBody>
-                  <a:tcPr anchor="ctr" anchorCtr="0"/>
+                  <a:tcPr anchor="ctr"/>
                 </a:tc>
                 <a:tc>
                   <a:txBody>
                     <a:bodyPr/>
+                    <a:lstStyle/>
                     <a:p>
                       <a:pPr algn="l">
                         <a:buNone/>
@@ -25841,16 +25755,16 @@
                         <a:rPr lang="zh-CN" altLang="en-US"/>
                         <a:t>输入INFO命令查看Redis服务器的各种信息和统计数值</a:t>
                       </a:r>
-                      <a:endParaRPr lang="zh-CN" altLang="en-US"/>
                     </a:p>
                   </a:txBody>
-                  <a:tcPr anchor="ctr" anchorCtr="0"/>
+                  <a:tcPr anchor="ctr"/>
                 </a:tc>
               </a:tr>
               <a:tr h="3327400">
                 <a:tc gridSpan="2">
                   <a:txBody>
                     <a:bodyPr/>
+                    <a:lstStyle/>
                     <a:p>
                       <a:pPr marL="3704590" indent="-3704590" algn="l">
                         <a:lnSpc>
@@ -25862,7 +25776,6 @@
                         <a:rPr lang="zh-CN" altLang="en-US"/>
                         <a:t>示例：</a:t>
                       </a:r>
-                      <a:endParaRPr lang="zh-CN" altLang="en-US"/>
                     </a:p>
                     <a:p>
                       <a:pPr marL="3704590" indent="-3704590" algn="l">
@@ -25887,7 +25800,6 @@
                         <a:rPr lang="zh-CN" altLang="en-US"/>
                         <a:t>）</a:t>
                       </a:r>
-                      <a:endParaRPr lang="zh-CN" altLang="en-US"/>
                     </a:p>
                     <a:p>
                       <a:pPr marL="3704590" indent="-3704590" algn="l">
@@ -25904,7 +25816,6 @@
                         <a:rPr lang="en-US" altLang="zh-CN"/>
                         <a:t>            // Redis 的服务器信息</a:t>
                       </a:r>
-                      <a:endParaRPr lang="en-US" altLang="zh-CN"/>
                     </a:p>
                     <a:p>
                       <a:pPr marL="3704590" indent="-3704590" algn="l">
@@ -25931,7 +25842,6 @@
                         <a:rPr lang="en-US" altLang="zh-CN"/>
                         <a:t>已连接客户端信息</a:t>
                       </a:r>
-                      <a:endParaRPr lang="en-US" altLang="zh-CN"/>
                     </a:p>
                     <a:p>
                       <a:pPr marL="3704590" indent="-3704590" algn="l">
@@ -25958,7 +25868,6 @@
                         <a:rPr lang="zh-CN" altLang="en-US"/>
                         <a:t> 内存信息</a:t>
                       </a:r>
-                      <a:endParaRPr lang="zh-CN" altLang="en-US"/>
                     </a:p>
                     <a:p>
                       <a:pPr marL="3704590" indent="-3704590" algn="l">
@@ -25981,9 +25890,6 @@
                         </a:rPr>
                         <a:t>// 持久化的相关信息</a:t>
                       </a:r>
-                      <a:endParaRPr lang="en-US" altLang="zh-CN" sz="1800">
-                        <a:sym typeface="+mn-ea"/>
-                      </a:endParaRPr>
                     </a:p>
                     <a:p>
                       <a:pPr marL="3704590" indent="-3704590" algn="l">
@@ -25996,23 +25902,8 @@
                         <a:rPr lang="en-US" altLang="zh-CN" sz="1800">
                           <a:sym typeface="+mn-ea"/>
                         </a:rPr>
-                        <a:t># Stats              </a:t>
+                        <a:t># Stats              // 一般统计信息</a:t>
                       </a:r>
-                      <a:r>
-                        <a:rPr lang="en-US" altLang="zh-CN" sz="1800">
-                          <a:sym typeface="+mn-ea"/>
-                        </a:rPr>
-                        <a:t>// </a:t>
-                      </a:r>
-                      <a:r>
-                        <a:rPr lang="en-US" altLang="zh-CN" sz="1800">
-                          <a:sym typeface="+mn-ea"/>
-                        </a:rPr>
-                        <a:t>一般统计信息</a:t>
-                      </a:r>
-                      <a:endParaRPr lang="en-US" altLang="zh-CN" sz="1800">
-                        <a:sym typeface="+mn-ea"/>
-                      </a:endParaRPr>
                     </a:p>
                     <a:p>
                       <a:pPr marL="3704590" indent="-3704590" algn="l">
@@ -26025,17 +25916,8 @@
                         <a:rPr lang="en-US" altLang="zh-CN" sz="1800">
                           <a:sym typeface="+mn-ea"/>
                         </a:rPr>
-                        <a:t># Replication     </a:t>
+                        <a:t># Replication     // 主/从复制信息</a:t>
                       </a:r>
-                      <a:r>
-                        <a:rPr lang="en-US" altLang="zh-CN" sz="1800">
-                          <a:sym typeface="+mn-ea"/>
-                        </a:rPr>
-                        <a:t>// 主/从复制信息</a:t>
-                      </a:r>
-                      <a:endParaRPr lang="en-US" altLang="zh-CN" sz="1800">
-                        <a:sym typeface="+mn-ea"/>
-                      </a:endParaRPr>
                     </a:p>
                     <a:p>
                       <a:pPr marL="3704590" indent="-3704590" algn="l">
@@ -26048,17 +25930,8 @@
                         <a:rPr lang="en-US" altLang="zh-CN" sz="1800">
                           <a:sym typeface="+mn-ea"/>
                         </a:rPr>
-                        <a:t># CPU               </a:t>
+                        <a:t># CPU               // CPU 计算量的统计信息</a:t>
                       </a:r>
-                      <a:r>
-                        <a:rPr lang="en-US" altLang="zh-CN" sz="1800">
-                          <a:sym typeface="+mn-ea"/>
-                        </a:rPr>
-                        <a:t>// CPU 计算量的统计信息</a:t>
-                      </a:r>
-                      <a:endParaRPr lang="en-US" altLang="zh-CN" sz="1800">
-                        <a:sym typeface="+mn-ea"/>
-                      </a:endParaRPr>
                     </a:p>
                     <a:p>
                       <a:pPr marL="3704590" indent="-3704590" algn="l">
@@ -26071,23 +25944,21 @@
                         <a:rPr lang="en-US" altLang="zh-CN" sz="1800">
                           <a:sym typeface="+mn-ea"/>
                         </a:rPr>
-                        <a:t># Cluster           </a:t>
+                        <a:t># Cluster           // Redis 集群信息 </a:t>
                       </a:r>
-                      <a:r>
-                        <a:rPr lang="en-US" altLang="zh-CN" sz="1800">
-                          <a:sym typeface="+mn-ea"/>
-                        </a:rPr>
-                        <a:t>// Redis 集群信息 </a:t>
-                      </a:r>
-                      <a:endParaRPr lang="en-US" altLang="zh-CN" sz="1800">
-                        <a:sym typeface="+mn-ea"/>
-                      </a:endParaRPr>
                     </a:p>
                   </a:txBody>
-                  <a:tcPr anchor="t" anchorCtr="0"/>
+                  <a:tcPr/>
                 </a:tc>
                 <a:tc hMerge="1">
-                  <a:tcPr anchor="ctr" anchorCtr="0"/>
+                  <a:txBody>
+                    <a:bodyPr/>
+                    <a:lstStyle/>
+                    <a:p>
+                      <a:endParaRPr lang="zh-CN"/>
+                    </a:p>
+                  </a:txBody>
+                  <a:tcPr anchor="ctr"/>
                 </a:tc>
               </a:tr>
             </a:tbl>
@@ -26103,7 +25974,7 @@
           <p:nvPr/>
         </p:nvPicPr>
         <p:blipFill>
-          <a:blip r:embed="rId3"/>
+          <a:blip r:embed="rId4"/>
           <a:stretch>
             <a:fillRect/>
           </a:stretch>
@@ -26501,11 +26372,6 @@
               </a:rPr>
               <a:t>内容导航：</a:t>
             </a:r>
-            <a:endParaRPr lang="zh-CN" altLang="en-US" sz="2800" b="1" dirty="0">
-              <a:solidFill>
-                <a:schemeClr val="bg1"/>
-              </a:solidFill>
-            </a:endParaRPr>
           </a:p>
         </p:txBody>
       </p:sp>
@@ -26746,7 +26612,7 @@
           <p:nvPr/>
         </p:nvPicPr>
         <p:blipFill>
-          <a:blip r:embed="rId1" cstate="print">
+          <a:blip r:embed="rId3" cstate="print">
             <a:extLst>
               <a:ext uri="{28A0092B-C50C-407E-A947-70E740481C1C}">
                 <a14:useLocalDpi xmlns:a14="http://schemas.microsoft.com/office/drawing/2010/main" val="0"/>
@@ -26777,7 +26643,7 @@
           <p:nvPr/>
         </p:nvPicPr>
         <p:blipFill>
-          <a:blip r:embed="rId1" cstate="print">
+          <a:blip r:embed="rId3" cstate="print">
             <a:extLst>
               <a:ext uri="{28A0092B-C50C-407E-A947-70E740481C1C}">
                 <a14:useLocalDpi xmlns:a14="http://schemas.microsoft.com/office/drawing/2010/main" val="0"/>
@@ -26849,12 +26715,6 @@
               </a:rPr>
               <a:t> 1</a:t>
             </a:r>
-            <a:endParaRPr lang="en-US" altLang="zh-CN" sz="2400" dirty="0">
-              <a:solidFill>
-                <a:srgbClr val="000000"/>
-              </a:solidFill>
-              <a:sym typeface="+mn-ea"/>
-            </a:endParaRPr>
           </a:p>
         </p:txBody>
       </p:sp>
@@ -26864,7 +26724,7 @@
           <p:cNvGraphicFramePr/>
           <p:nvPr>
             <p:custDataLst>
-              <p:tags r:id="rId2"/>
+              <p:tags r:id="rId1"/>
             </p:custDataLst>
           </p:nvPr>
         </p:nvGraphicFramePr>
@@ -26886,6 +26746,7 @@
                 <a:tc>
                   <a:txBody>
                     <a:bodyPr/>
+                    <a:lstStyle/>
                     <a:p>
                       <a:pPr algn="ctr">
                         <a:buNone/>
@@ -26894,14 +26755,14 @@
                         <a:rPr lang="zh-CN" altLang="en-US"/>
                         <a:t>键值</a:t>
                       </a:r>
-                      <a:endParaRPr lang="zh-CN" altLang="en-US"/>
                     </a:p>
                   </a:txBody>
-                  <a:tcPr anchor="ctr" anchorCtr="0"/>
+                  <a:tcPr anchor="ctr"/>
                 </a:tc>
                 <a:tc>
                   <a:txBody>
                     <a:bodyPr/>
+                    <a:lstStyle/>
                     <a:p>
                       <a:pPr algn="ctr">
                         <a:buNone/>
@@ -26910,16 +26771,16 @@
                         <a:rPr lang="zh-CN" altLang="en-US"/>
                         <a:t>释义</a:t>
                       </a:r>
-                      <a:endParaRPr lang="zh-CN" altLang="en-US"/>
                     </a:p>
                   </a:txBody>
-                  <a:tcPr anchor="ctr" anchorCtr="0"/>
+                  <a:tcPr anchor="ctr"/>
                 </a:tc>
               </a:tr>
               <a:tr h="543560">
                 <a:tc>
                   <a:txBody>
                     <a:bodyPr/>
+                    <a:lstStyle/>
                     <a:p>
                       <a:pPr algn="l">
                         <a:buNone/>
@@ -26928,14 +26789,14 @@
                         <a:rPr lang="zh-CN" altLang="en-US"/>
                         <a:t>KEYS</a:t>
                       </a:r>
-                      <a:endParaRPr lang="zh-CN" altLang="en-US"/>
                     </a:p>
                   </a:txBody>
-                  <a:tcPr anchor="ctr" anchorCtr="0"/>
+                  <a:tcPr anchor="ctr"/>
                 </a:tc>
                 <a:tc>
                   <a:txBody>
                     <a:bodyPr/>
+                    <a:lstStyle/>
                     <a:p>
                       <a:pPr algn="l">
                         <a:buNone/>
@@ -26944,16 +26805,16 @@
                         <a:rPr lang="zh-CN" altLang="en-US"/>
                         <a:t>返回满足给定pattern的所有keys</a:t>
                       </a:r>
-                      <a:endParaRPr lang="zh-CN" altLang="en-US"/>
                     </a:p>
                   </a:txBody>
-                  <a:tcPr anchor="ctr" anchorCtr="0"/>
+                  <a:tcPr anchor="ctr"/>
                 </a:tc>
               </a:tr>
               <a:tr h="543560">
                 <a:tc>
                   <a:txBody>
                     <a:bodyPr/>
+                    <a:lstStyle/>
                     <a:p>
                       <a:pPr algn="l">
                         <a:buNone/>
@@ -26962,14 +26823,14 @@
                         <a:rPr lang="zh-CN" altLang="en-US"/>
                         <a:t>SCAN</a:t>
                       </a:r>
-                      <a:endParaRPr lang="zh-CN" altLang="en-US"/>
                     </a:p>
                   </a:txBody>
-                  <a:tcPr anchor="ctr" anchorCtr="0"/>
+                  <a:tcPr anchor="ctr"/>
                 </a:tc>
                 <a:tc>
                   <a:txBody>
                     <a:bodyPr/>
+                    <a:lstStyle/>
                     <a:p>
                       <a:pPr algn="l">
                         <a:buNone/>
@@ -26978,16 +26839,16 @@
                         <a:rPr lang="zh-CN" altLang="en-US"/>
                         <a:t>Redis Scan 命令用于迭代数据库中的数据库键</a:t>
                       </a:r>
-                      <a:endParaRPr lang="zh-CN" altLang="en-US"/>
                     </a:p>
                   </a:txBody>
-                  <a:tcPr anchor="ctr" anchorCtr="0"/>
+                  <a:tcPr anchor="ctr"/>
                 </a:tc>
               </a:tr>
               <a:tr h="543560">
                 <a:tc>
                   <a:txBody>
                     <a:bodyPr/>
+                    <a:lstStyle/>
                     <a:p>
                       <a:pPr algn="l">
                         <a:buNone/>
@@ -26996,14 +26857,14 @@
                         <a:rPr lang="zh-CN" altLang="en-US"/>
                         <a:t>EXISTS</a:t>
                       </a:r>
-                      <a:endParaRPr lang="zh-CN" altLang="en-US"/>
                     </a:p>
                   </a:txBody>
-                  <a:tcPr anchor="ctr" anchorCtr="0"/>
+                  <a:tcPr anchor="ctr"/>
                 </a:tc>
                 <a:tc>
                   <a:txBody>
                     <a:bodyPr/>
+                    <a:lstStyle/>
                     <a:p>
                       <a:pPr algn="l">
                         <a:buNone/>
@@ -27012,16 +26873,16 @@
                         <a:rPr lang="zh-CN" altLang="en-US"/>
                         <a:t>EXISTS key 查看一个键是否存在，如果键存在则返回1， 否则返回0</a:t>
                       </a:r>
-                      <a:endParaRPr lang="zh-CN" altLang="en-US"/>
                     </a:p>
                   </a:txBody>
-                  <a:tcPr anchor="ctr" anchorCtr="0"/>
+                  <a:tcPr anchor="ctr"/>
                 </a:tc>
               </a:tr>
               <a:tr h="543560">
                 <a:tc>
                   <a:txBody>
                     <a:bodyPr/>
+                    <a:lstStyle/>
                     <a:p>
                       <a:pPr algn="l">
                         <a:buNone/>
@@ -27030,14 +26891,14 @@
                         <a:rPr lang="zh-CN" altLang="en-US"/>
                         <a:t>DEL</a:t>
                       </a:r>
-                      <a:endParaRPr lang="zh-CN" altLang="en-US"/>
                     </a:p>
                   </a:txBody>
-                  <a:tcPr anchor="ctr" anchorCtr="0"/>
+                  <a:tcPr anchor="ctr"/>
                 </a:tc>
                 <a:tc>
                   <a:txBody>
                     <a:bodyPr/>
+                    <a:lstStyle/>
                     <a:p>
                       <a:pPr algn="l">
                         <a:buNone/>
@@ -27046,16 +26907,16 @@
                         <a:rPr lang="zh-CN" altLang="en-US"/>
                         <a:t>DEL key [key ...] 删除键, 返回值为删除键的个数</a:t>
                       </a:r>
-                      <a:endParaRPr lang="zh-CN" altLang="en-US"/>
                     </a:p>
                   </a:txBody>
-                  <a:tcPr anchor="ctr" anchorCtr="0"/>
+                  <a:tcPr anchor="ctr"/>
                 </a:tc>
               </a:tr>
               <a:tr h="543560">
                 <a:tc>
                   <a:txBody>
                     <a:bodyPr/>
+                    <a:lstStyle/>
                     <a:p>
                       <a:pPr algn="l">
                         <a:buNone/>
@@ -27064,14 +26925,14 @@
                         <a:rPr lang="zh-CN" altLang="en-US"/>
                         <a:t>EXPIRE</a:t>
                       </a:r>
-                      <a:endParaRPr lang="zh-CN" altLang="en-US"/>
                     </a:p>
                   </a:txBody>
-                  <a:tcPr anchor="ctr" anchorCtr="0"/>
+                  <a:tcPr anchor="ctr"/>
                 </a:tc>
                 <a:tc>
                   <a:txBody>
                     <a:bodyPr/>
+                    <a:lstStyle/>
                     <a:p>
                       <a:pPr algn="l">
                         <a:buNone/>
@@ -27080,16 +26941,16 @@
                         <a:rPr lang="zh-CN" altLang="en-US"/>
                         <a:t>EXPIRE key seconds ,该命令为设置key的过期时间，单位为秒</a:t>
                       </a:r>
-                      <a:endParaRPr lang="zh-CN" altLang="en-US"/>
                     </a:p>
                   </a:txBody>
-                  <a:tcPr anchor="ctr" anchorCtr="0"/>
+                  <a:tcPr anchor="ctr"/>
                 </a:tc>
               </a:tr>
               <a:tr h="543560">
                 <a:tc>
                   <a:txBody>
                     <a:bodyPr/>
+                    <a:lstStyle/>
                     <a:p>
                       <a:pPr algn="l">
                         <a:buNone/>
@@ -27098,14 +26959,14 @@
                         <a:rPr lang="zh-CN" altLang="en-US"/>
                         <a:t>TTL</a:t>
                       </a:r>
-                      <a:endParaRPr lang="zh-CN" altLang="en-US"/>
                     </a:p>
                   </a:txBody>
-                  <a:tcPr anchor="ctr" anchorCtr="0"/>
+                  <a:tcPr anchor="ctr"/>
                 </a:tc>
                 <a:tc>
                   <a:txBody>
                     <a:bodyPr/>
+                    <a:lstStyle/>
                     <a:p>
                       <a:pPr algn="l">
                         <a:buNone/>
@@ -27114,10 +26975,9 @@
                         <a:rPr lang="zh-CN" altLang="en-US"/>
                         <a:t>TTL key ，获取该键的过期时间</a:t>
                       </a:r>
-                      <a:endParaRPr lang="zh-CN" altLang="en-US"/>
                     </a:p>
                   </a:txBody>
-                  <a:tcPr anchor="ctr" anchorCtr="0"/>
+                  <a:tcPr anchor="ctr"/>
                 </a:tc>
               </a:tr>
             </a:tbl>
@@ -27507,11 +27367,6 @@
               </a:rPr>
               <a:t>内容导航：</a:t>
             </a:r>
-            <a:endParaRPr lang="zh-CN" altLang="en-US" sz="2800" b="1" dirty="0">
-              <a:solidFill>
-                <a:schemeClr val="bg1"/>
-              </a:solidFill>
-            </a:endParaRPr>
           </a:p>
         </p:txBody>
       </p:sp>
@@ -27752,7 +27607,7 @@
           <p:nvPr/>
         </p:nvPicPr>
         <p:blipFill>
-          <a:blip r:embed="rId1" cstate="print">
+          <a:blip r:embed="rId3" cstate="print">
             <a:extLst>
               <a:ext uri="{28A0092B-C50C-407E-A947-70E740481C1C}">
                 <a14:useLocalDpi xmlns:a14="http://schemas.microsoft.com/office/drawing/2010/main" val="0"/>
@@ -27783,7 +27638,7 @@
           <p:nvPr/>
         </p:nvPicPr>
         <p:blipFill>
-          <a:blip r:embed="rId1" cstate="print">
+          <a:blip r:embed="rId3" cstate="print">
             <a:extLst>
               <a:ext uri="{28A0092B-C50C-407E-A947-70E740481C1C}">
                 <a14:useLocalDpi xmlns:a14="http://schemas.microsoft.com/office/drawing/2010/main" val="0"/>
@@ -27832,9 +27687,6 @@
           </a:bodyPr>
           <a:lstStyle/>
           <a:p>
-            <a:pPr algn="l">
-              <a:buNone/>
-            </a:pPr>
             <a:r>
               <a:rPr lang="zh-CN" altLang="en-US" sz="2400" dirty="0">
                 <a:solidFill>
@@ -27842,7 +27694,16 @@
                 </a:solidFill>
                 <a:sym typeface="+mn-ea"/>
               </a:rPr>
-              <a:t>键值相关命令</a:t>
+              <a:t>服务器相关</a:t>
+            </a:r>
+            <a:r>
+              <a:rPr lang="zh-CN" altLang="en-US" sz="2400" dirty="0">
+                <a:solidFill>
+                  <a:srgbClr val="000000"/>
+                </a:solidFill>
+                <a:sym typeface="+mn-ea"/>
+              </a:rPr>
+              <a:t>命令</a:t>
             </a:r>
             <a:r>
               <a:rPr lang="en-US" altLang="zh-CN" sz="2400" dirty="0">
@@ -27854,14 +27715,11 @@
               <a:t> </a:t>
             </a:r>
             <a:r>
-              <a:rPr lang="zh-CN" altLang="en-US" sz="2400">
+              <a:rPr lang="zh-CN" altLang="en-US" sz="2400" dirty="0">
                 <a:sym typeface="+mn-ea"/>
               </a:rPr>
               <a:t>MONITOR</a:t>
             </a:r>
-            <a:endParaRPr lang="zh-CN" altLang="en-US" sz="2400">
-              <a:sym typeface="+mn-ea"/>
-            </a:endParaRPr>
           </a:p>
         </p:txBody>
       </p:sp>
@@ -27871,7 +27729,7 @@
           <p:cNvGraphicFramePr/>
           <p:nvPr>
             <p:custDataLst>
-              <p:tags r:id="rId2"/>
+              <p:tags r:id="rId1"/>
             </p:custDataLst>
           </p:nvPr>
         </p:nvGraphicFramePr>
@@ -27893,6 +27751,7 @@
                 <a:tc>
                   <a:txBody>
                     <a:bodyPr/>
+                    <a:lstStyle/>
                     <a:p>
                       <a:pPr algn="ctr">
                         <a:buNone/>
@@ -27901,14 +27760,14 @@
                         <a:rPr lang="zh-CN" altLang="en-US"/>
                         <a:t>键值</a:t>
                       </a:r>
-                      <a:endParaRPr lang="zh-CN" altLang="en-US"/>
                     </a:p>
                   </a:txBody>
-                  <a:tcPr anchor="ctr" anchorCtr="0"/>
+                  <a:tcPr anchor="ctr"/>
                 </a:tc>
                 <a:tc>
                   <a:txBody>
                     <a:bodyPr/>
+                    <a:lstStyle/>
                     <a:p>
                       <a:pPr algn="ctr">
                         <a:buNone/>
@@ -27917,16 +27776,16 @@
                         <a:rPr lang="zh-CN" altLang="en-US"/>
                         <a:t>释义</a:t>
                       </a:r>
-                      <a:endParaRPr lang="zh-CN" altLang="en-US"/>
                     </a:p>
                   </a:txBody>
-                  <a:tcPr anchor="ctr" anchorCtr="0"/>
+                  <a:tcPr anchor="ctr"/>
                 </a:tc>
               </a:tr>
               <a:tr h="371475">
                 <a:tc>
                   <a:txBody>
                     <a:bodyPr/>
+                    <a:lstStyle/>
                     <a:p>
                       <a:pPr algn="ctr">
                         <a:buNone/>
@@ -27937,16 +27796,14 @@
                         </a:rPr>
                         <a:t>MONITOR</a:t>
                       </a:r>
-                      <a:endParaRPr lang="zh-CN" altLang="en-US" sz="1800">
-                        <a:sym typeface="+mn-ea"/>
-                      </a:endParaRPr>
                     </a:p>
                   </a:txBody>
-                  <a:tcPr anchor="ctr" anchorCtr="0"/>
+                  <a:tcPr anchor="ctr"/>
                 </a:tc>
                 <a:tc>
                   <a:txBody>
                     <a:bodyPr/>
+                    <a:lstStyle/>
                     <a:p>
                       <a:pPr algn="l">
                         <a:buNone/>
@@ -27955,16 +27812,16 @@
                         <a:rPr lang="zh-CN" altLang="en-US"/>
                         <a:t>实时打印出 Redis 服务器接收到的命令，可供调试使用</a:t>
                       </a:r>
-                      <a:endParaRPr lang="zh-CN" altLang="en-US"/>
                     </a:p>
                   </a:txBody>
-                  <a:tcPr anchor="ctr" anchorCtr="0"/>
+                  <a:tcPr anchor="ctr"/>
                 </a:tc>
               </a:tr>
               <a:tr h="3442335">
                 <a:tc gridSpan="2">
                   <a:txBody>
                     <a:bodyPr/>
+                    <a:lstStyle/>
                     <a:p>
                       <a:pPr marL="3704590" indent="-3704590" algn="l">
                         <a:lnSpc>
@@ -27976,7 +27833,6 @@
                         <a:rPr lang="zh-CN" altLang="en-US"/>
                         <a:t>示例：首先使用redis-cli命令打开第一个客户端，输入以下命令。</a:t>
                       </a:r>
-                      <a:endParaRPr lang="zh-CN" altLang="en-US"/>
                     </a:p>
                     <a:p>
                       <a:pPr marL="3704590" indent="-3704590" algn="l">
@@ -27998,7 +27854,6 @@
                         <a:rPr lang="zh-CN" altLang="en-US"/>
                         <a:t>在使用redis-cli命令打开第二个客户端，使用以下命令存储数据：</a:t>
                       </a:r>
-                      <a:endParaRPr lang="zh-CN" altLang="en-US"/>
                     </a:p>
                     <a:p>
                       <a:pPr marL="3704590" indent="-3704590" algn="l">
@@ -28029,7 +27884,6 @@
                         <a:rPr lang="zh-CN" altLang="en-US"/>
                         <a:t>再查看第一个客户端，会看到如下信息，从结果看此Redis服务器目前接收了命令 set 和get命令。</a:t>
                       </a:r>
-                      <a:endParaRPr lang="zh-CN" altLang="en-US"/>
                     </a:p>
                     <a:p>
                       <a:pPr marL="0" indent="0" algn="l">
@@ -28041,10 +27895,17 @@
                       <a:endParaRPr lang="zh-CN" altLang="en-US"/>
                     </a:p>
                   </a:txBody>
-                  <a:tcPr anchor="t" anchorCtr="0"/>
+                  <a:tcPr/>
                 </a:tc>
                 <a:tc hMerge="1">
-                  <a:tcPr anchor="ctr" anchorCtr="0"/>
+                  <a:txBody>
+                    <a:bodyPr/>
+                    <a:lstStyle/>
+                    <a:p>
+                      <a:endParaRPr lang="zh-CN"/>
+                    </a:p>
+                  </a:txBody>
+                  <a:tcPr anchor="ctr"/>
                 </a:tc>
               </a:tr>
             </a:tbl>
@@ -28060,7 +27921,7 @@
           <p:nvPr/>
         </p:nvPicPr>
         <p:blipFill>
-          <a:blip r:embed="rId3"/>
+          <a:blip r:embed="rId4"/>
           <a:stretch>
             <a:fillRect/>
           </a:stretch>
@@ -28084,7 +27945,7 @@
           <p:nvPr/>
         </p:nvPicPr>
         <p:blipFill>
-          <a:blip r:embed="rId4"/>
+          <a:blip r:embed="rId5"/>
           <a:stretch>
             <a:fillRect/>
           </a:stretch>
@@ -28108,7 +27969,7 @@
           <p:nvPr/>
         </p:nvPicPr>
         <p:blipFill>
-          <a:blip r:embed="rId5"/>
+          <a:blip r:embed="rId6"/>
           <a:stretch>
             <a:fillRect/>
           </a:stretch>
@@ -28506,11 +28367,6 @@
               </a:rPr>
               <a:t>内容导航：</a:t>
             </a:r>
-            <a:endParaRPr lang="zh-CN" altLang="en-US" sz="2800" b="1" dirty="0">
-              <a:solidFill>
-                <a:schemeClr val="bg1"/>
-              </a:solidFill>
-            </a:endParaRPr>
           </a:p>
         </p:txBody>
       </p:sp>
@@ -28751,7 +28607,7 @@
           <p:nvPr/>
         </p:nvPicPr>
         <p:blipFill>
-          <a:blip r:embed="rId1" cstate="print">
+          <a:blip r:embed="rId3" cstate="print">
             <a:extLst>
               <a:ext uri="{28A0092B-C50C-407E-A947-70E740481C1C}">
                 <a14:useLocalDpi xmlns:a14="http://schemas.microsoft.com/office/drawing/2010/main" val="0"/>
@@ -28782,7 +28638,7 @@
           <p:nvPr/>
         </p:nvPicPr>
         <p:blipFill>
-          <a:blip r:embed="rId1" cstate="print">
+          <a:blip r:embed="rId3" cstate="print">
             <a:extLst>
               <a:ext uri="{28A0092B-C50C-407E-A947-70E740481C1C}">
                 <a14:useLocalDpi xmlns:a14="http://schemas.microsoft.com/office/drawing/2010/main" val="0"/>
@@ -28831,9 +28687,6 @@
           </a:bodyPr>
           <a:lstStyle/>
           <a:p>
-            <a:pPr algn="l">
-              <a:buNone/>
-            </a:pPr>
             <a:r>
               <a:rPr lang="zh-CN" altLang="en-US" sz="2400" dirty="0">
                 <a:solidFill>
@@ -28841,7 +28694,16 @@
                 </a:solidFill>
                 <a:sym typeface="+mn-ea"/>
               </a:rPr>
-              <a:t>键值相关命令</a:t>
+              <a:t>服务器相关</a:t>
+            </a:r>
+            <a:r>
+              <a:rPr lang="zh-CN" altLang="en-US" sz="2400" dirty="0">
+                <a:solidFill>
+                  <a:srgbClr val="000000"/>
+                </a:solidFill>
+                <a:sym typeface="+mn-ea"/>
+              </a:rPr>
+              <a:t>命令</a:t>
             </a:r>
             <a:r>
               <a:rPr lang="en-US" altLang="zh-CN" sz="2400" dirty="0">
@@ -28853,14 +28715,11 @@
               <a:t> </a:t>
             </a:r>
             <a:r>
-              <a:rPr lang="zh-CN" altLang="en-US" sz="2400">
+              <a:rPr lang="zh-CN" altLang="en-US" sz="2400" dirty="0">
                 <a:sym typeface="+mn-ea"/>
               </a:rPr>
               <a:t>CONFIG GET</a:t>
             </a:r>
-            <a:endParaRPr lang="zh-CN" altLang="en-US" sz="2400">
-              <a:sym typeface="+mn-ea"/>
-            </a:endParaRPr>
           </a:p>
         </p:txBody>
       </p:sp>
@@ -28870,7 +28729,7 @@
           <p:cNvGraphicFramePr/>
           <p:nvPr>
             <p:custDataLst>
-              <p:tags r:id="rId2"/>
+              <p:tags r:id="rId1"/>
             </p:custDataLst>
           </p:nvPr>
         </p:nvGraphicFramePr>
@@ -28892,6 +28751,7 @@
                 <a:tc>
                   <a:txBody>
                     <a:bodyPr/>
+                    <a:lstStyle/>
                     <a:p>
                       <a:pPr algn="ctr">
                         <a:buNone/>
@@ -28900,14 +28760,14 @@
                         <a:rPr lang="zh-CN" altLang="en-US"/>
                         <a:t>键值</a:t>
                       </a:r>
-                      <a:endParaRPr lang="zh-CN" altLang="en-US"/>
                     </a:p>
                   </a:txBody>
-                  <a:tcPr anchor="ctr" anchorCtr="0"/>
+                  <a:tcPr anchor="ctr"/>
                 </a:tc>
                 <a:tc>
                   <a:txBody>
                     <a:bodyPr/>
+                    <a:lstStyle/>
                     <a:p>
                       <a:pPr algn="ctr">
                         <a:buNone/>
@@ -28916,16 +28776,16 @@
                         <a:rPr lang="zh-CN" altLang="en-US"/>
                         <a:t>释义</a:t>
                       </a:r>
-                      <a:endParaRPr lang="zh-CN" altLang="en-US"/>
                     </a:p>
                   </a:txBody>
-                  <a:tcPr anchor="ctr" anchorCtr="0"/>
+                  <a:tcPr anchor="ctr"/>
                 </a:tc>
               </a:tr>
               <a:tr h="503555">
                 <a:tc>
                   <a:txBody>
                     <a:bodyPr/>
+                    <a:lstStyle/>
                     <a:p>
                       <a:pPr algn="ctr">
                         <a:buNone/>
@@ -28936,16 +28796,14 @@
                         </a:rPr>
                         <a:t>CONFIG GET</a:t>
                       </a:r>
-                      <a:endParaRPr lang="zh-CN" altLang="en-US" sz="1800">
-                        <a:sym typeface="+mn-ea"/>
-                      </a:endParaRPr>
                     </a:p>
                   </a:txBody>
-                  <a:tcPr anchor="ctr" anchorCtr="0"/>
+                  <a:tcPr anchor="ctr"/>
                 </a:tc>
                 <a:tc>
                   <a:txBody>
                     <a:bodyPr/>
+                    <a:lstStyle/>
                     <a:p>
                       <a:pPr algn="l">
                         <a:buNone/>
@@ -28954,16 +28812,16 @@
                         <a:rPr lang="zh-CN" altLang="en-US"/>
                         <a:t>使用CONFIG GET 命令获取服务器的配置信息</a:t>
                       </a:r>
-                      <a:endParaRPr lang="zh-CN" altLang="en-US"/>
                     </a:p>
                   </a:txBody>
-                  <a:tcPr anchor="ctr" anchorCtr="0"/>
+                  <a:tcPr anchor="ctr"/>
                 </a:tc>
               </a:tr>
               <a:tr h="2778125">
                 <a:tc gridSpan="2">
                   <a:txBody>
                     <a:bodyPr/>
+                    <a:lstStyle/>
                     <a:p>
                       <a:pPr marL="3704590" indent="-3704590" algn="l">
                         <a:lnSpc>
@@ -28975,7 +28833,6 @@
                         <a:rPr lang="zh-CN" altLang="en-US"/>
                         <a:t>示例：</a:t>
                       </a:r>
-                      <a:endParaRPr lang="zh-CN" altLang="en-US"/>
                     </a:p>
                     <a:p>
                       <a:pPr marL="3704590" indent="-3704590" algn="l">
@@ -29006,13 +28863,19 @@
                         <a:rPr lang="zh-CN" altLang="en-US"/>
                         <a:t>在本例中我们使用config get命令获取了dir这个参数配置的值。如果想获取全部参数配置的值，可以执行”config get *”,就可以将全部的值都显示出来。</a:t>
                       </a:r>
-                      <a:endParaRPr lang="zh-CN" altLang="en-US"/>
                     </a:p>
                   </a:txBody>
-                  <a:tcPr anchor="t" anchorCtr="0"/>
+                  <a:tcPr/>
                 </a:tc>
                 <a:tc hMerge="1">
-                  <a:tcPr anchor="ctr" anchorCtr="0"/>
+                  <a:txBody>
+                    <a:bodyPr/>
+                    <a:lstStyle/>
+                    <a:p>
+                      <a:endParaRPr lang="zh-CN"/>
+                    </a:p>
+                  </a:txBody>
+                  <a:tcPr anchor="ctr"/>
                 </a:tc>
               </a:tr>
             </a:tbl>
@@ -29028,7 +28891,7 @@
           <p:nvPr/>
         </p:nvPicPr>
         <p:blipFill>
-          <a:blip r:embed="rId3"/>
+          <a:blip r:embed="rId4"/>
           <a:stretch>
             <a:fillRect/>
           </a:stretch>
@@ -29426,11 +29289,6 @@
               </a:rPr>
               <a:t>内容导航：</a:t>
             </a:r>
-            <a:endParaRPr lang="zh-CN" altLang="en-US" sz="2800" b="1" dirty="0">
-              <a:solidFill>
-                <a:schemeClr val="bg1"/>
-              </a:solidFill>
-            </a:endParaRPr>
           </a:p>
         </p:txBody>
       </p:sp>
@@ -29671,7 +29529,7 @@
           <p:nvPr/>
         </p:nvPicPr>
         <p:blipFill>
-          <a:blip r:embed="rId1" cstate="print">
+          <a:blip r:embed="rId3" cstate="print">
             <a:extLst>
               <a:ext uri="{28A0092B-C50C-407E-A947-70E740481C1C}">
                 <a14:useLocalDpi xmlns:a14="http://schemas.microsoft.com/office/drawing/2010/main" val="0"/>
@@ -29702,7 +29560,7 @@
           <p:nvPr/>
         </p:nvPicPr>
         <p:blipFill>
-          <a:blip r:embed="rId1" cstate="print">
+          <a:blip r:embed="rId3" cstate="print">
             <a:extLst>
               <a:ext uri="{28A0092B-C50C-407E-A947-70E740481C1C}">
                 <a14:useLocalDpi xmlns:a14="http://schemas.microsoft.com/office/drawing/2010/main" val="0"/>
@@ -29751,9 +29609,6 @@
           </a:bodyPr>
           <a:lstStyle/>
           <a:p>
-            <a:pPr algn="l">
-              <a:buNone/>
-            </a:pPr>
             <a:r>
               <a:rPr lang="zh-CN" altLang="en-US" sz="2400" dirty="0">
                 <a:solidFill>
@@ -29761,7 +29616,16 @@
                 </a:solidFill>
                 <a:sym typeface="+mn-ea"/>
               </a:rPr>
-              <a:t>键值相关命令</a:t>
+              <a:t>服务器相关</a:t>
+            </a:r>
+            <a:r>
+              <a:rPr lang="zh-CN" altLang="en-US" sz="2400" dirty="0">
+                <a:solidFill>
+                  <a:srgbClr val="000000"/>
+                </a:solidFill>
+                <a:sym typeface="+mn-ea"/>
+              </a:rPr>
+              <a:t>命令</a:t>
             </a:r>
             <a:r>
               <a:rPr lang="en-US" altLang="zh-CN" sz="2400" dirty="0">
@@ -29773,14 +29637,11 @@
               <a:t> </a:t>
             </a:r>
             <a:r>
-              <a:rPr lang="zh-CN" altLang="en-US" sz="2400">
+              <a:rPr lang="zh-CN" altLang="en-US" sz="2400" dirty="0">
                 <a:sym typeface="+mn-ea"/>
               </a:rPr>
               <a:t>FLUSHDB</a:t>
             </a:r>
-            <a:endParaRPr lang="zh-CN" altLang="en-US" sz="2400">
-              <a:sym typeface="+mn-ea"/>
-            </a:endParaRPr>
           </a:p>
         </p:txBody>
       </p:sp>
@@ -29790,7 +29651,7 @@
           <p:cNvGraphicFramePr/>
           <p:nvPr>
             <p:custDataLst>
-              <p:tags r:id="rId2"/>
+              <p:tags r:id="rId1"/>
             </p:custDataLst>
           </p:nvPr>
         </p:nvGraphicFramePr>
@@ -29812,6 +29673,7 @@
                 <a:tc>
                   <a:txBody>
                     <a:bodyPr/>
+                    <a:lstStyle/>
                     <a:p>
                       <a:pPr algn="ctr">
                         <a:buNone/>
@@ -29820,14 +29682,14 @@
                         <a:rPr lang="zh-CN" altLang="en-US"/>
                         <a:t>键值</a:t>
                       </a:r>
-                      <a:endParaRPr lang="zh-CN" altLang="en-US"/>
                     </a:p>
                   </a:txBody>
-                  <a:tcPr anchor="ctr" anchorCtr="0"/>
+                  <a:tcPr anchor="ctr"/>
                 </a:tc>
                 <a:tc>
                   <a:txBody>
                     <a:bodyPr/>
+                    <a:lstStyle/>
                     <a:p>
                       <a:pPr algn="ctr">
                         <a:buNone/>
@@ -29836,16 +29698,16 @@
                         <a:rPr lang="zh-CN" altLang="en-US"/>
                         <a:t>释义</a:t>
                       </a:r>
-                      <a:endParaRPr lang="zh-CN" altLang="en-US"/>
                     </a:p>
                   </a:txBody>
-                  <a:tcPr anchor="ctr" anchorCtr="0"/>
+                  <a:tcPr anchor="ctr"/>
                 </a:tc>
               </a:tr>
               <a:tr h="503555">
                 <a:tc>
                   <a:txBody>
                     <a:bodyPr/>
+                    <a:lstStyle/>
                     <a:p>
                       <a:pPr algn="ctr">
                         <a:buNone/>
@@ -29856,16 +29718,14 @@
                         </a:rPr>
                         <a:t>FLUSHDB</a:t>
                       </a:r>
-                      <a:endParaRPr lang="zh-CN" altLang="en-US" sz="1800">
-                        <a:sym typeface="+mn-ea"/>
-                      </a:endParaRPr>
                     </a:p>
                   </a:txBody>
-                  <a:tcPr anchor="ctr" anchorCtr="0"/>
+                  <a:tcPr anchor="ctr"/>
                 </a:tc>
                 <a:tc>
                   <a:txBody>
                     <a:bodyPr/>
+                    <a:lstStyle/>
                     <a:p>
                       <a:pPr algn="l">
                         <a:buNone/>
@@ -29874,16 +29734,16 @@
                         <a:rPr lang="zh-CN" altLang="en-US"/>
                         <a:t>FLUSHDB命令删除当前选择数据库中的所有key</a:t>
                       </a:r>
-                      <a:endParaRPr lang="zh-CN" altLang="en-US"/>
                     </a:p>
                   </a:txBody>
-                  <a:tcPr anchor="ctr" anchorCtr="0"/>
+                  <a:tcPr anchor="ctr"/>
                 </a:tc>
               </a:tr>
               <a:tr h="2778125">
                 <a:tc gridSpan="2">
                   <a:txBody>
                     <a:bodyPr/>
+                    <a:lstStyle/>
                     <a:p>
                       <a:pPr marL="3704590" indent="-3704590" algn="l">
                         <a:lnSpc>
@@ -29895,7 +29755,6 @@
                         <a:rPr lang="zh-CN" altLang="en-US"/>
                         <a:t>示例：</a:t>
                       </a:r>
-                      <a:endParaRPr lang="zh-CN" altLang="en-US"/>
                     </a:p>
                     <a:p>
                       <a:pPr marL="3704590" indent="-3704590" algn="l">
@@ -29944,13 +29803,19 @@
                         <a:rPr lang="zh-CN" altLang="en-US"/>
                         <a:t>在本例中，我们将数据库0中的key都删除了</a:t>
                       </a:r>
-                      <a:endParaRPr lang="zh-CN" altLang="en-US"/>
                     </a:p>
                   </a:txBody>
-                  <a:tcPr anchor="t" anchorCtr="0"/>
+                  <a:tcPr/>
                 </a:tc>
                 <a:tc hMerge="1">
-                  <a:tcPr anchor="ctr" anchorCtr="0"/>
+                  <a:txBody>
+                    <a:bodyPr/>
+                    <a:lstStyle/>
+                    <a:p>
+                      <a:endParaRPr lang="zh-CN"/>
+                    </a:p>
+                  </a:txBody>
+                  <a:tcPr anchor="ctr"/>
                 </a:tc>
               </a:tr>
             </a:tbl>
@@ -29966,7 +29831,7 @@
           <p:nvPr/>
         </p:nvPicPr>
         <p:blipFill>
-          <a:blip r:embed="rId3"/>
+          <a:blip r:embed="rId4"/>
           <a:stretch>
             <a:fillRect/>
           </a:stretch>
@@ -30364,11 +30229,6 @@
               </a:rPr>
               <a:t>内容导航：</a:t>
             </a:r>
-            <a:endParaRPr lang="zh-CN" altLang="en-US" sz="2800" b="1" dirty="0">
-              <a:solidFill>
-                <a:schemeClr val="bg1"/>
-              </a:solidFill>
-            </a:endParaRPr>
           </a:p>
         </p:txBody>
       </p:sp>
@@ -30609,7 +30469,7 @@
           <p:nvPr/>
         </p:nvPicPr>
         <p:blipFill>
-          <a:blip r:embed="rId1" cstate="print">
+          <a:blip r:embed="rId3" cstate="print">
             <a:extLst>
               <a:ext uri="{28A0092B-C50C-407E-A947-70E740481C1C}">
                 <a14:useLocalDpi xmlns:a14="http://schemas.microsoft.com/office/drawing/2010/main" val="0"/>
@@ -30640,7 +30500,7 @@
           <p:nvPr/>
         </p:nvPicPr>
         <p:blipFill>
-          <a:blip r:embed="rId1" cstate="print">
+          <a:blip r:embed="rId3" cstate="print">
             <a:extLst>
               <a:ext uri="{28A0092B-C50C-407E-A947-70E740481C1C}">
                 <a14:useLocalDpi xmlns:a14="http://schemas.microsoft.com/office/drawing/2010/main" val="0"/>
@@ -30689,9 +30549,6 @@
           </a:bodyPr>
           <a:lstStyle/>
           <a:p>
-            <a:pPr algn="l">
-              <a:buNone/>
-            </a:pPr>
             <a:r>
               <a:rPr lang="zh-CN" altLang="en-US" sz="2400" dirty="0">
                 <a:solidFill>
@@ -30699,7 +30556,16 @@
                 </a:solidFill>
                 <a:sym typeface="+mn-ea"/>
               </a:rPr>
-              <a:t>键值相关命令</a:t>
+              <a:t>服务器相关</a:t>
+            </a:r>
+            <a:r>
+              <a:rPr lang="zh-CN" altLang="en-US" sz="2400" dirty="0">
+                <a:solidFill>
+                  <a:srgbClr val="000000"/>
+                </a:solidFill>
+                <a:sym typeface="+mn-ea"/>
+              </a:rPr>
+              <a:t>命令</a:t>
             </a:r>
             <a:r>
               <a:rPr lang="en-US" altLang="zh-CN" sz="2400" dirty="0">
@@ -30711,14 +30577,11 @@
               <a:t> </a:t>
             </a:r>
             <a:r>
-              <a:rPr lang="zh-CN" altLang="en-US" sz="2400">
+              <a:rPr lang="zh-CN" altLang="en-US" sz="2400" dirty="0">
                 <a:sym typeface="+mn-ea"/>
               </a:rPr>
               <a:t>FLUSHALL</a:t>
             </a:r>
-            <a:endParaRPr lang="zh-CN" altLang="en-US" sz="2400">
-              <a:sym typeface="+mn-ea"/>
-            </a:endParaRPr>
           </a:p>
         </p:txBody>
       </p:sp>
@@ -30728,7 +30591,7 @@
           <p:cNvGraphicFramePr/>
           <p:nvPr>
             <p:custDataLst>
-              <p:tags r:id="rId2"/>
+              <p:tags r:id="rId1"/>
             </p:custDataLst>
           </p:nvPr>
         </p:nvGraphicFramePr>
@@ -30750,6 +30613,7 @@
                 <a:tc>
                   <a:txBody>
                     <a:bodyPr/>
+                    <a:lstStyle/>
                     <a:p>
                       <a:pPr algn="ctr">
                         <a:buNone/>
@@ -30758,14 +30622,14 @@
                         <a:rPr lang="zh-CN" altLang="en-US"/>
                         <a:t>键值</a:t>
                       </a:r>
-                      <a:endParaRPr lang="zh-CN" altLang="en-US"/>
                     </a:p>
                   </a:txBody>
-                  <a:tcPr anchor="ctr" anchorCtr="0"/>
+                  <a:tcPr anchor="ctr"/>
                 </a:tc>
                 <a:tc>
                   <a:txBody>
                     <a:bodyPr/>
+                    <a:lstStyle/>
                     <a:p>
                       <a:pPr algn="ctr">
                         <a:buNone/>
@@ -30774,16 +30638,16 @@
                         <a:rPr lang="zh-CN" altLang="en-US"/>
                         <a:t>释义</a:t>
                       </a:r>
-                      <a:endParaRPr lang="zh-CN" altLang="en-US"/>
                     </a:p>
                   </a:txBody>
-                  <a:tcPr anchor="ctr" anchorCtr="0"/>
+                  <a:tcPr anchor="ctr"/>
                 </a:tc>
               </a:tr>
               <a:tr h="534670">
                 <a:tc>
                   <a:txBody>
                     <a:bodyPr/>
+                    <a:lstStyle/>
                     <a:p>
                       <a:pPr algn="ctr">
                         <a:buNone/>
@@ -30794,16 +30658,14 @@
                         </a:rPr>
                         <a:t>FLUSHALL</a:t>
                       </a:r>
-                      <a:endParaRPr lang="zh-CN" altLang="en-US" sz="1800">
-                        <a:sym typeface="+mn-ea"/>
-                      </a:endParaRPr>
                     </a:p>
                   </a:txBody>
-                  <a:tcPr anchor="ctr" anchorCtr="0"/>
+                  <a:tcPr anchor="ctr"/>
                 </a:tc>
                 <a:tc>
                   <a:txBody>
                     <a:bodyPr/>
+                    <a:lstStyle/>
                     <a:p>
                       <a:pPr algn="l">
                         <a:buNone/>
@@ -30812,16 +30674,16 @@
                         <a:rPr lang="zh-CN" altLang="en-US"/>
                         <a:t>FLUSHALL删除数据库中的所有key</a:t>
                       </a:r>
-                      <a:endParaRPr lang="zh-CN" altLang="en-US"/>
                     </a:p>
                   </a:txBody>
-                  <a:tcPr anchor="ctr" anchorCtr="0"/>
+                  <a:tcPr anchor="ctr"/>
                 </a:tc>
               </a:tr>
               <a:tr h="2950210">
                 <a:tc gridSpan="2">
                   <a:txBody>
                     <a:bodyPr/>
+                    <a:lstStyle/>
                     <a:p>
                       <a:pPr marL="3117215" indent="278765" algn="l">
                         <a:lnSpc>
@@ -30833,13 +30695,19 @@
                         <a:rPr lang="zh-CN" altLang="en-US"/>
                         <a:t>在本例中我们使用FLUSHALL 命令清空了所有数据库的key，查看数据库0中的key发现都没清空了，然后切换到数据库1，发现数据库1中的key也被清空了</a:t>
                       </a:r>
-                      <a:endParaRPr lang="zh-CN" altLang="en-US"/>
                     </a:p>
                   </a:txBody>
-                  <a:tcPr anchor="ctr" anchorCtr="0"/>
+                  <a:tcPr anchor="ctr"/>
                 </a:tc>
                 <a:tc hMerge="1">
-                  <a:tcPr anchor="ctr" anchorCtr="0"/>
+                  <a:txBody>
+                    <a:bodyPr/>
+                    <a:lstStyle/>
+                    <a:p>
+                      <a:endParaRPr lang="zh-CN"/>
+                    </a:p>
+                  </a:txBody>
+                  <a:tcPr anchor="ctr"/>
                 </a:tc>
               </a:tr>
             </a:tbl>
@@ -30855,7 +30723,7 @@
           <p:nvPr/>
         </p:nvPicPr>
         <p:blipFill>
-          <a:blip r:embed="rId3"/>
+          <a:blip r:embed="rId4"/>
           <a:stretch>
             <a:fillRect/>
           </a:stretch>
@@ -32579,11 +32447,6 @@
               </a:rPr>
               <a:t>内容导航：</a:t>
             </a:r>
-            <a:endParaRPr lang="zh-CN" altLang="en-US" sz="2800" b="1" dirty="0">
-              <a:solidFill>
-                <a:schemeClr val="bg1"/>
-              </a:solidFill>
-            </a:endParaRPr>
           </a:p>
         </p:txBody>
       </p:sp>
@@ -32824,7 +32687,7 @@
           <p:nvPr/>
         </p:nvPicPr>
         <p:blipFill>
-          <a:blip r:embed="rId1" cstate="print">
+          <a:blip r:embed="rId3" cstate="print">
             <a:extLst>
               <a:ext uri="{28A0092B-C50C-407E-A947-70E740481C1C}">
                 <a14:useLocalDpi xmlns:a14="http://schemas.microsoft.com/office/drawing/2010/main" val="0"/>
@@ -32855,7 +32718,7 @@
           <p:nvPr/>
         </p:nvPicPr>
         <p:blipFill>
-          <a:blip r:embed="rId1" cstate="print">
+          <a:blip r:embed="rId3" cstate="print">
             <a:extLst>
               <a:ext uri="{28A0092B-C50C-407E-A947-70E740481C1C}">
                 <a14:useLocalDpi xmlns:a14="http://schemas.microsoft.com/office/drawing/2010/main" val="0"/>
@@ -32927,12 +32790,6 @@
               </a:rPr>
               <a:t> 2</a:t>
             </a:r>
-            <a:endParaRPr lang="en-US" altLang="zh-CN" sz="2400" dirty="0">
-              <a:solidFill>
-                <a:srgbClr val="000000"/>
-              </a:solidFill>
-              <a:sym typeface="+mn-ea"/>
-            </a:endParaRPr>
           </a:p>
         </p:txBody>
       </p:sp>
@@ -32942,7 +32799,7 @@
           <p:cNvGraphicFramePr/>
           <p:nvPr>
             <p:custDataLst>
-              <p:tags r:id="rId2"/>
+              <p:tags r:id="rId1"/>
             </p:custDataLst>
           </p:nvPr>
         </p:nvGraphicFramePr>
@@ -32964,6 +32821,7 @@
                 <a:tc>
                   <a:txBody>
                     <a:bodyPr/>
+                    <a:lstStyle/>
                     <a:p>
                       <a:pPr algn="ctr">
                         <a:buNone/>
@@ -32977,11 +32835,12 @@
                       <a:endParaRPr lang="zh-CN" altLang="en-US"/>
                     </a:p>
                   </a:txBody>
-                  <a:tcPr anchor="ctr" anchorCtr="0"/>
+                  <a:tcPr anchor="ctr"/>
                 </a:tc>
                 <a:tc>
                   <a:txBody>
                     <a:bodyPr/>
+                    <a:lstStyle/>
                     <a:p>
                       <a:pPr algn="ctr">
                         <a:buNone/>
@@ -32995,13 +32854,14 @@
                       <a:endParaRPr lang="zh-CN" altLang="en-US"/>
                     </a:p>
                   </a:txBody>
-                  <a:tcPr anchor="ctr" anchorCtr="0"/>
+                  <a:tcPr anchor="ctr"/>
                 </a:tc>
               </a:tr>
               <a:tr h="543560">
                 <a:tc>
                   <a:txBody>
                     <a:bodyPr/>
+                    <a:lstStyle/>
                     <a:p>
                       <a:pPr algn="l">
                         <a:buNone/>
@@ -33010,14 +32870,14 @@
                         <a:rPr lang="zh-CN" altLang="en-US"/>
                         <a:t>SELECT</a:t>
                       </a:r>
-                      <a:endParaRPr lang="zh-CN" altLang="en-US"/>
                     </a:p>
                   </a:txBody>
-                  <a:tcPr anchor="ctr" anchorCtr="0"/>
+                  <a:tcPr anchor="ctr"/>
                 </a:tc>
                 <a:tc>
                   <a:txBody>
                     <a:bodyPr/>
+                    <a:lstStyle/>
                     <a:p>
                       <a:pPr algn="l">
                         <a:buNone/>
@@ -33026,16 +32886,16 @@
                         <a:rPr lang="zh-CN" altLang="en-US"/>
                         <a:t>SELECT数据库，数据库从0到15（一共16个数据库）</a:t>
                       </a:r>
-                      <a:endParaRPr lang="zh-CN" altLang="en-US"/>
                     </a:p>
                   </a:txBody>
-                  <a:tcPr anchor="ctr" anchorCtr="0"/>
+                  <a:tcPr anchor="ctr"/>
                 </a:tc>
               </a:tr>
               <a:tr h="543560">
                 <a:tc>
                   <a:txBody>
                     <a:bodyPr/>
+                    <a:lstStyle/>
                     <a:p>
                       <a:pPr algn="l">
                         <a:buNone/>
@@ -33044,14 +32904,14 @@
                         <a:rPr lang="zh-CN" altLang="en-US"/>
                         <a:t>MOVE</a:t>
                       </a:r>
-                      <a:endParaRPr lang="zh-CN" altLang="en-US"/>
                     </a:p>
                   </a:txBody>
-                  <a:tcPr anchor="ctr" anchorCtr="0"/>
+                  <a:tcPr anchor="ctr"/>
                 </a:tc>
                 <a:tc>
                   <a:txBody>
                     <a:bodyPr/>
+                    <a:lstStyle/>
                     <a:p>
                       <a:pPr algn="l">
                         <a:buNone/>
@@ -33060,16 +32920,16 @@
                         <a:rPr lang="zh-CN" altLang="en-US"/>
                         <a:t>MOVE key 数据库，将当前数据中的key转移到其它数据库中</a:t>
                       </a:r>
-                      <a:endParaRPr lang="zh-CN" altLang="en-US"/>
                     </a:p>
                   </a:txBody>
-                  <a:tcPr anchor="ctr" anchorCtr="0"/>
+                  <a:tcPr anchor="ctr"/>
                 </a:tc>
               </a:tr>
               <a:tr h="543560">
                 <a:tc>
                   <a:txBody>
                     <a:bodyPr/>
+                    <a:lstStyle/>
                     <a:p>
                       <a:pPr algn="l">
                         <a:buNone/>
@@ -33078,14 +32938,14 @@
                         <a:rPr lang="zh-CN" altLang="en-US"/>
                         <a:t>PERSIST</a:t>
                       </a:r>
-                      <a:endParaRPr lang="zh-CN" altLang="en-US"/>
                     </a:p>
                   </a:txBody>
-                  <a:tcPr anchor="ctr" anchorCtr="0"/>
+                  <a:tcPr anchor="ctr"/>
                 </a:tc>
                 <a:tc>
                   <a:txBody>
                     <a:bodyPr/>
+                    <a:lstStyle/>
                     <a:p>
                       <a:pPr algn="l">
                         <a:buNone/>
@@ -33094,16 +32954,16 @@
                         <a:rPr lang="zh-CN" altLang="en-US"/>
                         <a:t>PERSIST key，移除给定key的过期时间</a:t>
                       </a:r>
-                      <a:endParaRPr lang="zh-CN" altLang="en-US"/>
                     </a:p>
                   </a:txBody>
-                  <a:tcPr anchor="ctr" anchorCtr="0"/>
+                  <a:tcPr anchor="ctr"/>
                 </a:tc>
               </a:tr>
               <a:tr h="543560">
                 <a:tc>
                   <a:txBody>
                     <a:bodyPr/>
+                    <a:lstStyle/>
                     <a:p>
                       <a:pPr algn="l">
                         <a:buNone/>
@@ -33112,14 +32972,14 @@
                         <a:rPr lang="zh-CN" altLang="en-US"/>
                         <a:t>RANDOMKEY</a:t>
                       </a:r>
-                      <a:endParaRPr lang="zh-CN" altLang="en-US"/>
                     </a:p>
                   </a:txBody>
-                  <a:tcPr anchor="ctr" anchorCtr="0"/>
+                  <a:tcPr anchor="ctr"/>
                 </a:tc>
                 <a:tc>
                   <a:txBody>
                     <a:bodyPr/>
+                    <a:lstStyle/>
                     <a:p>
                       <a:pPr algn="l">
                         <a:buNone/>
@@ -33128,16 +32988,16 @@
                         <a:rPr lang="zh-CN" altLang="en-US"/>
                         <a:t>RANDOMKEY随机返回key空间的一个key</a:t>
                       </a:r>
-                      <a:endParaRPr lang="zh-CN" altLang="en-US"/>
                     </a:p>
                   </a:txBody>
-                  <a:tcPr anchor="ctr" anchorCtr="0"/>
+                  <a:tcPr anchor="ctr"/>
                 </a:tc>
               </a:tr>
               <a:tr h="543560">
                 <a:tc>
                   <a:txBody>
                     <a:bodyPr/>
+                    <a:lstStyle/>
                     <a:p>
                       <a:pPr algn="l">
                         <a:buNone/>
@@ -33146,14 +33006,14 @@
                         <a:rPr lang="zh-CN" altLang="en-US"/>
                         <a:t>RENAME</a:t>
                       </a:r>
-                      <a:endParaRPr lang="zh-CN" altLang="en-US"/>
                     </a:p>
                   </a:txBody>
-                  <a:tcPr anchor="ctr" anchorCtr="0"/>
+                  <a:tcPr anchor="ctr"/>
                 </a:tc>
                 <a:tc>
                   <a:txBody>
                     <a:bodyPr/>
+                    <a:lstStyle/>
                     <a:p>
                       <a:pPr algn="l">
                         <a:buNone/>
@@ -33162,16 +33022,16 @@
                         <a:rPr lang="zh-CN" altLang="en-US"/>
                         <a:t>RENAME existed_key new_key，重命名key</a:t>
                       </a:r>
-                      <a:endParaRPr lang="zh-CN" altLang="en-US"/>
                     </a:p>
                   </a:txBody>
-                  <a:tcPr anchor="ctr" anchorCtr="0"/>
+                  <a:tcPr anchor="ctr"/>
                 </a:tc>
               </a:tr>
               <a:tr h="543560">
                 <a:tc>
                   <a:txBody>
                     <a:bodyPr/>
+                    <a:lstStyle/>
                     <a:p>
                       <a:pPr algn="l">
                         <a:buNone/>
@@ -33180,14 +33040,14 @@
                         <a:rPr lang="zh-CN" altLang="en-US"/>
                         <a:t>TYPE</a:t>
                       </a:r>
-                      <a:endParaRPr lang="zh-CN" altLang="en-US"/>
                     </a:p>
                   </a:txBody>
-                  <a:tcPr anchor="ctr" anchorCtr="0"/>
+                  <a:tcPr anchor="ctr"/>
                 </a:tc>
                 <a:tc>
                   <a:txBody>
                     <a:bodyPr/>
+                    <a:lstStyle/>
                     <a:p>
                       <a:pPr algn="l">
                         <a:buNone/>
@@ -33196,10 +33056,9 @@
                         <a:rPr lang="zh-CN" altLang="en-US"/>
                         <a:t>TYPE 命令获取指定key关联值的类型</a:t>
                       </a:r>
-                      <a:endParaRPr lang="zh-CN" altLang="en-US"/>
                     </a:p>
                   </a:txBody>
-                  <a:tcPr anchor="ctr" anchorCtr="0"/>
+                  <a:tcPr anchor="ctr"/>
                 </a:tc>
               </a:tr>
             </a:tbl>
@@ -33589,11 +33448,6 @@
               </a:rPr>
               <a:t>内容导航：</a:t>
             </a:r>
-            <a:endParaRPr lang="zh-CN" altLang="en-US" sz="2800" b="1" dirty="0">
-              <a:solidFill>
-                <a:schemeClr val="bg1"/>
-              </a:solidFill>
-            </a:endParaRPr>
           </a:p>
         </p:txBody>
       </p:sp>
@@ -33834,7 +33688,7 @@
           <p:nvPr/>
         </p:nvPicPr>
         <p:blipFill>
-          <a:blip r:embed="rId1" cstate="print">
+          <a:blip r:embed="rId3" cstate="print">
             <a:extLst>
               <a:ext uri="{28A0092B-C50C-407E-A947-70E740481C1C}">
                 <a14:useLocalDpi xmlns:a14="http://schemas.microsoft.com/office/drawing/2010/main" val="0"/>
@@ -33865,7 +33719,7 @@
           <p:nvPr/>
         </p:nvPicPr>
         <p:blipFill>
-          <a:blip r:embed="rId1" cstate="print">
+          <a:blip r:embed="rId3" cstate="print">
             <a:extLst>
               <a:ext uri="{28A0092B-C50C-407E-A947-70E740481C1C}">
                 <a14:useLocalDpi xmlns:a14="http://schemas.microsoft.com/office/drawing/2010/main" val="0"/>
@@ -33956,13 +33810,13 @@
           <p:cNvGraphicFramePr/>
           <p:nvPr>
             <p:custDataLst>
-              <p:tags r:id="rId2"/>
+              <p:tags r:id="rId1"/>
             </p:custDataLst>
           </p:nvPr>
         </p:nvGraphicFramePr>
         <p:xfrm>
           <a:off x="1484630" y="1986915"/>
-          <a:ext cx="9226550" cy="3804920"/>
+          <a:ext cx="9226550" cy="3901440"/>
         </p:xfrm>
         <a:graphic>
           <a:graphicData uri="http://schemas.openxmlformats.org/drawingml/2006/table">
@@ -33978,6 +33832,7 @@
                 <a:tc>
                   <a:txBody>
                     <a:bodyPr/>
+                    <a:lstStyle/>
                     <a:p>
                       <a:pPr algn="ctr">
                         <a:buNone/>
@@ -33986,14 +33841,14 @@
                         <a:rPr lang="zh-CN" altLang="en-US"/>
                         <a:t>键值</a:t>
                       </a:r>
-                      <a:endParaRPr lang="zh-CN" altLang="en-US"/>
                     </a:p>
                   </a:txBody>
-                  <a:tcPr anchor="ctr" anchorCtr="0"/>
+                  <a:tcPr anchor="ctr"/>
                 </a:tc>
                 <a:tc>
                   <a:txBody>
                     <a:bodyPr/>
+                    <a:lstStyle/>
                     <a:p>
                       <a:pPr algn="ctr">
                         <a:buNone/>
@@ -34002,16 +33857,16 @@
                         <a:rPr lang="zh-CN" altLang="en-US"/>
                         <a:t>释义</a:t>
                       </a:r>
-                      <a:endParaRPr lang="zh-CN" altLang="en-US"/>
                     </a:p>
                   </a:txBody>
-                  <a:tcPr anchor="ctr" anchorCtr="0"/>
+                  <a:tcPr anchor="ctr"/>
                 </a:tc>
               </a:tr>
               <a:tr h="543560">
                 <a:tc>
                   <a:txBody>
                     <a:bodyPr/>
+                    <a:lstStyle/>
                     <a:p>
                       <a:pPr algn="ctr">
                         <a:buNone/>
@@ -34020,14 +33875,14 @@
                         <a:rPr lang="zh-CN" altLang="en-US"/>
                         <a:t>KEYS</a:t>
                       </a:r>
-                      <a:endParaRPr lang="zh-CN" altLang="en-US"/>
                     </a:p>
                   </a:txBody>
-                  <a:tcPr anchor="ctr" anchorCtr="0"/>
+                  <a:tcPr anchor="ctr"/>
                 </a:tc>
                 <a:tc>
                   <a:txBody>
                     <a:bodyPr/>
+                    <a:lstStyle/>
                     <a:p>
                       <a:pPr algn="l">
                         <a:buNone/>
@@ -34036,16 +33891,16 @@
                         <a:rPr lang="zh-CN" altLang="en-US"/>
                         <a:t>返回满足给定pattern的所有keys。KEYS [pattern]查看匹配模式的键, pattern支持通配符。</a:t>
                       </a:r>
-                      <a:endParaRPr lang="zh-CN" altLang="en-US"/>
                     </a:p>
                   </a:txBody>
-                  <a:tcPr anchor="ctr" anchorCtr="0"/>
+                  <a:tcPr anchor="ctr"/>
                 </a:tc>
               </a:tr>
               <a:tr h="2717800">
                 <a:tc gridSpan="2">
                   <a:txBody>
                     <a:bodyPr/>
+                    <a:lstStyle/>
                     <a:p>
                       <a:pPr algn="l">
                         <a:buNone/>
@@ -34054,7 +33909,6 @@
                         <a:rPr lang="zh-CN" altLang="en-US"/>
                         <a:t>支持以下通配符：</a:t>
                       </a:r>
-                      <a:endParaRPr lang="zh-CN" altLang="en-US"/>
                     </a:p>
                     <a:p>
                       <a:pPr algn="l">
@@ -34085,7 +33939,6 @@
                         <a:rPr lang="zh-CN" altLang="en-US"/>
                         <a:t>匹配任意字符</a:t>
                       </a:r>
-                      <a:endParaRPr lang="zh-CN" altLang="en-US"/>
                     </a:p>
                     <a:p>
                       <a:pPr marL="726440" indent="-481965" algn="l">
@@ -34110,7 +33963,6 @@
                         <a:rPr lang="zh-CN" altLang="en-US"/>
                         <a:t>匹配一个任意字符</a:t>
                       </a:r>
-                      <a:endParaRPr lang="zh-CN" altLang="en-US"/>
                     </a:p>
                     <a:p>
                       <a:pPr marL="946785" indent="-701675" algn="l">
@@ -34147,7 +33999,6 @@
                         <a:rPr lang="zh-CN" altLang="en-US"/>
                         <a:t>匹配方括号之间的字符串，比如通配符 [a-z] ,是匹配26个字符中的任意长度字符,通配符 a[b-e]匹配 ab, ac , ad 和 ae字符窜。</a:t>
                       </a:r>
-                      <a:endParaRPr lang="zh-CN" altLang="en-US"/>
                     </a:p>
                     <a:p>
                       <a:pPr marL="726440" indent="-481965" algn="l">
@@ -34172,13 +34023,19 @@
                         <a:rPr lang="zh-CN" altLang="en-US"/>
                         <a:t> 匹配特殊字符, \?, \*</a:t>
                       </a:r>
-                      <a:endParaRPr lang="zh-CN" altLang="en-US"/>
                     </a:p>
                   </a:txBody>
-                  <a:tcPr anchor="t" anchorCtr="0"/>
+                  <a:tcPr/>
                 </a:tc>
                 <a:tc hMerge="1">
-                  <a:tcPr anchor="ctr" anchorCtr="0"/>
+                  <a:txBody>
+                    <a:bodyPr/>
+                    <a:lstStyle/>
+                    <a:p>
+                      <a:endParaRPr lang="zh-CN"/>
+                    </a:p>
+                  </a:txBody>
+                  <a:tcPr anchor="ctr"/>
                 </a:tc>
               </a:tr>
             </a:tbl>
@@ -34568,11 +34425,6 @@
               </a:rPr>
               <a:t>内容导航：</a:t>
             </a:r>
-            <a:endParaRPr lang="zh-CN" altLang="en-US" sz="2800" b="1" dirty="0">
-              <a:solidFill>
-                <a:schemeClr val="bg1"/>
-              </a:solidFill>
-            </a:endParaRPr>
           </a:p>
         </p:txBody>
       </p:sp>
@@ -34813,7 +34665,7 @@
           <p:nvPr/>
         </p:nvPicPr>
         <p:blipFill>
-          <a:blip r:embed="rId1" cstate="print">
+          <a:blip r:embed="rId3" cstate="print">
             <a:extLst>
               <a:ext uri="{28A0092B-C50C-407E-A947-70E740481C1C}">
                 <a14:useLocalDpi xmlns:a14="http://schemas.microsoft.com/office/drawing/2010/main" val="0"/>
@@ -34844,7 +34696,7 @@
           <p:nvPr/>
         </p:nvPicPr>
         <p:blipFill>
-          <a:blip r:embed="rId1" cstate="print">
+          <a:blip r:embed="rId3" cstate="print">
             <a:extLst>
               <a:ext uri="{28A0092B-C50C-407E-A947-70E740481C1C}">
                 <a14:useLocalDpi xmlns:a14="http://schemas.microsoft.com/office/drawing/2010/main" val="0"/>
@@ -34935,7 +34787,7 @@
           <p:cNvGraphicFramePr/>
           <p:nvPr>
             <p:custDataLst>
-              <p:tags r:id="rId2"/>
+              <p:tags r:id="rId1"/>
             </p:custDataLst>
           </p:nvPr>
         </p:nvGraphicFramePr>
@@ -34956,6 +34808,7 @@
                 <a:tc>
                   <a:txBody>
                     <a:bodyPr/>
+                    <a:lstStyle/>
                     <a:p>
                       <a:pPr algn="l">
                         <a:buNone/>
@@ -34964,10 +34817,9 @@
                         <a:rPr lang="zh-CN" altLang="en-US"/>
                         <a:t>示例：</a:t>
                       </a:r>
-                      <a:endParaRPr lang="zh-CN" altLang="en-US"/>
                     </a:p>
                   </a:txBody>
-                  <a:tcPr anchor="t" anchorCtr="0"/>
+                  <a:tcPr/>
                 </a:tc>
               </a:tr>
             </a:tbl>
@@ -34983,7 +34835,7 @@
           <p:nvPr/>
         </p:nvPicPr>
         <p:blipFill>
-          <a:blip r:embed="rId3"/>
+          <a:blip r:embed="rId4"/>
           <a:stretch>
             <a:fillRect/>
           </a:stretch>
@@ -35381,11 +35233,6 @@
               </a:rPr>
               <a:t>内容导航：</a:t>
             </a:r>
-            <a:endParaRPr lang="zh-CN" altLang="en-US" sz="2800" b="1" dirty="0">
-              <a:solidFill>
-                <a:schemeClr val="bg1"/>
-              </a:solidFill>
-            </a:endParaRPr>
           </a:p>
         </p:txBody>
       </p:sp>
@@ -35626,7 +35473,7 @@
           <p:nvPr/>
         </p:nvPicPr>
         <p:blipFill>
-          <a:blip r:embed="rId1" cstate="print">
+          <a:blip r:embed="rId3" cstate="print">
             <a:extLst>
               <a:ext uri="{28A0092B-C50C-407E-A947-70E740481C1C}">
                 <a14:useLocalDpi xmlns:a14="http://schemas.microsoft.com/office/drawing/2010/main" val="0"/>
@@ -35657,7 +35504,7 @@
           <p:nvPr/>
         </p:nvPicPr>
         <p:blipFill>
-          <a:blip r:embed="rId1" cstate="print">
+          <a:blip r:embed="rId3" cstate="print">
             <a:extLst>
               <a:ext uri="{28A0092B-C50C-407E-A947-70E740481C1C}">
                 <a14:useLocalDpi xmlns:a14="http://schemas.microsoft.com/office/drawing/2010/main" val="0"/>
@@ -35748,7 +35595,7 @@
           <p:cNvGraphicFramePr/>
           <p:nvPr>
             <p:custDataLst>
-              <p:tags r:id="rId2"/>
+              <p:tags r:id="rId1"/>
             </p:custDataLst>
           </p:nvPr>
         </p:nvGraphicFramePr>
@@ -35769,6 +35616,7 @@
                 <a:tc>
                   <a:txBody>
                     <a:bodyPr/>
+                    <a:lstStyle/>
                     <a:p>
                       <a:pPr algn="l">
                         <a:buNone/>
@@ -35777,7 +35625,6 @@
                         <a:rPr lang="zh-CN" altLang="en-US"/>
                         <a:t>示例：</a:t>
                       </a:r>
-                      <a:endParaRPr lang="zh-CN" altLang="en-US"/>
                     </a:p>
                     <a:p>
                       <a:pPr algn="l">
@@ -35857,10 +35704,9 @@
                         <a:rPr lang="zh-CN" altLang="en-US"/>
                         <a:t>使用 keys * ,得到当前Redis数据库中存在的键名。</a:t>
                       </a:r>
-                      <a:endParaRPr lang="zh-CN" altLang="en-US"/>
                     </a:p>
                   </a:txBody>
-                  <a:tcPr anchor="t" anchorCtr="0"/>
+                  <a:tcPr/>
                 </a:tc>
               </a:tr>
             </a:tbl>
@@ -35876,7 +35722,7 @@
           <p:nvPr/>
         </p:nvPicPr>
         <p:blipFill>
-          <a:blip r:embed="rId3"/>
+          <a:blip r:embed="rId4"/>
           <a:stretch>
             <a:fillRect/>
           </a:stretch>
@@ -36274,11 +36120,6 @@
               </a:rPr>
               <a:t>内容导航：</a:t>
             </a:r>
-            <a:endParaRPr lang="zh-CN" altLang="en-US" sz="2800" b="1" dirty="0">
-              <a:solidFill>
-                <a:schemeClr val="bg1"/>
-              </a:solidFill>
-            </a:endParaRPr>
           </a:p>
         </p:txBody>
       </p:sp>
@@ -36519,7 +36360,7 @@
           <p:nvPr/>
         </p:nvPicPr>
         <p:blipFill>
-          <a:blip r:embed="rId1" cstate="print">
+          <a:blip r:embed="rId3" cstate="print">
             <a:extLst>
               <a:ext uri="{28A0092B-C50C-407E-A947-70E740481C1C}">
                 <a14:useLocalDpi xmlns:a14="http://schemas.microsoft.com/office/drawing/2010/main" val="0"/>
@@ -36550,7 +36391,7 @@
           <p:nvPr/>
         </p:nvPicPr>
         <p:blipFill>
-          <a:blip r:embed="rId1" cstate="print">
+          <a:blip r:embed="rId3" cstate="print">
             <a:extLst>
               <a:ext uri="{28A0092B-C50C-407E-A947-70E740481C1C}">
                 <a14:useLocalDpi xmlns:a14="http://schemas.microsoft.com/office/drawing/2010/main" val="0"/>
@@ -36626,9 +36467,6 @@
               </a:rPr>
               <a:t>SCAN</a:t>
             </a:r>
-            <a:endParaRPr lang="zh-CN" altLang="en-US" sz="2400">
-              <a:sym typeface="+mn-ea"/>
-            </a:endParaRPr>
           </a:p>
         </p:txBody>
       </p:sp>
@@ -36638,7 +36476,7 @@
           <p:cNvGraphicFramePr/>
           <p:nvPr>
             <p:custDataLst>
-              <p:tags r:id="rId2"/>
+              <p:tags r:id="rId1"/>
             </p:custDataLst>
           </p:nvPr>
         </p:nvGraphicFramePr>
@@ -36660,6 +36498,7 @@
                 <a:tc>
                   <a:txBody>
                     <a:bodyPr/>
+                    <a:lstStyle/>
                     <a:p>
                       <a:pPr algn="ctr">
                         <a:buNone/>
@@ -36668,14 +36507,14 @@
                         <a:rPr lang="zh-CN" altLang="en-US"/>
                         <a:t>键值</a:t>
                       </a:r>
-                      <a:endParaRPr lang="zh-CN" altLang="en-US"/>
                     </a:p>
                   </a:txBody>
-                  <a:tcPr anchor="ctr" anchorCtr="0"/>
+                  <a:tcPr anchor="ctr"/>
                 </a:tc>
                 <a:tc>
                   <a:txBody>
                     <a:bodyPr/>
+                    <a:lstStyle/>
                     <a:p>
                       <a:pPr algn="ctr">
                         <a:buNone/>
@@ -36684,16 +36523,16 @@
                         <a:rPr lang="zh-CN" altLang="en-US"/>
                         <a:t>释义</a:t>
                       </a:r>
-                      <a:endParaRPr lang="zh-CN" altLang="en-US"/>
                     </a:p>
                   </a:txBody>
-                  <a:tcPr anchor="ctr" anchorCtr="0"/>
+                  <a:tcPr anchor="ctr"/>
                 </a:tc>
               </a:tr>
               <a:tr h="2901315">
                 <a:tc>
                   <a:txBody>
                     <a:bodyPr/>
+                    <a:lstStyle/>
                     <a:p>
                       <a:pPr algn="ctr">
                         <a:buNone/>
@@ -36702,14 +36541,14 @@
                         <a:rPr lang="zh-CN" altLang="en-US"/>
                         <a:t>SCAN</a:t>
                       </a:r>
-                      <a:endParaRPr lang="zh-CN" altLang="en-US"/>
                     </a:p>
                   </a:txBody>
-                  <a:tcPr anchor="ctr" anchorCtr="0"/>
+                  <a:tcPr anchor="ctr"/>
                 </a:tc>
                 <a:tc>
                   <a:txBody>
                     <a:bodyPr/>
+                    <a:lstStyle/>
                     <a:p>
                       <a:pPr algn="l">
                         <a:lnSpc>
@@ -36721,7 +36560,6 @@
                         <a:rPr lang="zh-CN" altLang="en-US"/>
                         <a:t>Redis Scan 命令用于迭代数据库中的数据库键。SCAN 命令是一个基于游标的迭代器，每次被调用之后， 都会向用户返回一个新的游标， 用户在下次迭代时需要使用这个新游标作为 SCAN 命令的游标参数， 以此来延续之前的迭代过程。</a:t>
                       </a:r>
-                      <a:endParaRPr lang="zh-CN" altLang="en-US"/>
                     </a:p>
                     <a:p>
                       <a:pPr algn="l">
@@ -36743,10 +36581,9 @@
                         <a:rPr lang="zh-CN" altLang="en-US"/>
                         <a:t>SCAN 返回一个包含两个元素的数组， 第一个元素是用于进行下一次迭代的新游标， 而第二个元素则是一个数组， 这个数组中包含了所有被迭代的元素。如果新游标返回 0 表示迭代已结束</a:t>
                       </a:r>
-                      <a:endParaRPr lang="zh-CN" altLang="en-US"/>
                     </a:p>
                   </a:txBody>
-                  <a:tcPr anchor="ctr" anchorCtr="0"/>
+                  <a:tcPr anchor="ctr"/>
                 </a:tc>
               </a:tr>
             </a:tbl>
@@ -37136,11 +36973,6 @@
               </a:rPr>
               <a:t>内容导航：</a:t>
             </a:r>
-            <a:endParaRPr lang="zh-CN" altLang="en-US" sz="2800" b="1" dirty="0">
-              <a:solidFill>
-                <a:schemeClr val="bg1"/>
-              </a:solidFill>
-            </a:endParaRPr>
           </a:p>
         </p:txBody>
       </p:sp>
@@ -37381,7 +37213,7 @@
           <p:nvPr/>
         </p:nvPicPr>
         <p:blipFill>
-          <a:blip r:embed="rId1" cstate="print">
+          <a:blip r:embed="rId3" cstate="print">
             <a:extLst>
               <a:ext uri="{28A0092B-C50C-407E-A947-70E740481C1C}">
                 <a14:useLocalDpi xmlns:a14="http://schemas.microsoft.com/office/drawing/2010/main" val="0"/>
@@ -37412,7 +37244,7 @@
           <p:nvPr/>
         </p:nvPicPr>
         <p:blipFill>
-          <a:blip r:embed="rId1" cstate="print">
+          <a:blip r:embed="rId3" cstate="print">
             <a:extLst>
               <a:ext uri="{28A0092B-C50C-407E-A947-70E740481C1C}">
                 <a14:useLocalDpi xmlns:a14="http://schemas.microsoft.com/office/drawing/2010/main" val="0"/>
@@ -37488,9 +37320,6 @@
               </a:rPr>
               <a:t>SCAN</a:t>
             </a:r>
-            <a:endParaRPr lang="zh-CN" altLang="en-US" sz="2400">
-              <a:sym typeface="+mn-ea"/>
-            </a:endParaRPr>
           </a:p>
           <a:p>
             <a:pPr algn="l">
@@ -37511,7 +37340,7 @@
           <p:cNvGraphicFramePr/>
           <p:nvPr>
             <p:custDataLst>
-              <p:tags r:id="rId2"/>
+              <p:tags r:id="rId1"/>
             </p:custDataLst>
           </p:nvPr>
         </p:nvGraphicFramePr>
@@ -37532,6 +37361,7 @@
                 <a:tc>
                   <a:txBody>
                     <a:bodyPr/>
+                    <a:lstStyle/>
                     <a:p>
                       <a:pPr algn="l">
                         <a:lnSpc>
@@ -37543,7 +37373,6 @@
                         <a:rPr lang="zh-CN" altLang="en-US"/>
                         <a:t>SCAN命令的基本语法：</a:t>
                       </a:r>
-                      <a:endParaRPr lang="zh-CN" altLang="en-US"/>
                     </a:p>
                     <a:p>
                       <a:pPr marL="726440" indent="-481965" algn="l">
@@ -37578,7 +37407,6 @@
                         <a:rPr lang="zh-CN"/>
                         <a:t>：</a:t>
                       </a:r>
-                      <a:endParaRPr lang="zh-CN"/>
                     </a:p>
                     <a:p>
                       <a:pPr marL="593725" indent="44450" algn="l">
@@ -37614,7 +37442,7 @@
                       </a:r>
                     </a:p>
                   </a:txBody>
-                  <a:tcPr anchor="t" anchorCtr="0"/>
+                  <a:tcPr/>
                 </a:tc>
               </a:tr>
             </a:tbl>
@@ -37630,21 +37458,24 @@
 </file>
 
 <file path=ppt/tags/tag1.xml><?xml version="1.0" encoding="utf-8"?>
-<p:tagLst xmlns:p="http://schemas.openxmlformats.org/presentationml/2006/main">
-  <p:tag name="THINKCELLSHAPEDONOTDELETE" val="tA6S0wzOvQ8a50SA42PUNRg"/>
+<p:tagLst xmlns:a="http://schemas.openxmlformats.org/drawingml/2006/main" xmlns:r="http://schemas.openxmlformats.org/officeDocument/2006/relationships" xmlns:p="http://schemas.openxmlformats.org/presentationml/2006/main">
+  <p:tag name="ISLIDE TOOLS.GUIDESSETTING" val="{&quot;Id&quot;:&quot;2d4375ee-8516-45e0-8956-45702a61a9b6&quot;,&quot;Name&quot;:&quot;iSlide&quot;,&quot;HeaderHeight&quot;:15.0,&quot;FooterHeight&quot;:9.0000000000000036,&quot;SideMargin&quot;:5.4999999999999982,&quot;TopMargin&quot;:0.0,&quot;BottomMargin&quot;:0.0,&quot;IntervalMargin&quot;:1.3999999999999997}"/>
+  <p:tag name="ISLIDE.GUIDESSETTING" val="{&quot;Id&quot;:&quot;GuidesStyle_Normal&quot;,&quot;Name&quot;:&quot;正常&quot;,&quot;HeaderHeight&quot;:15.0,&quot;FooterHeight&quot;:9.0,&quot;SideMargin&quot;:5.5,&quot;TopMargin&quot;:0.0,&quot;BottomMargin&quot;:0.0,&quot;IntervalMargin&quot;:1.5}"/>
+  <p:tag name="THINKCELLUNDODONOTDELETE" val="0"/>
+  <p:tag name="ISLIDE.THEME" val="074baa65-1bcf-453b-aed6-4412331b316e"/>
 </p:tagLst>
 </file>
 
 <file path=ppt/tags/tag10.xml><?xml version="1.0" encoding="utf-8"?>
-<p:tagLst xmlns:p="http://schemas.openxmlformats.org/presentationml/2006/main">
+<p:tagLst xmlns:a="http://schemas.openxmlformats.org/drawingml/2006/main" xmlns:r="http://schemas.openxmlformats.org/officeDocument/2006/relationships" xmlns:p="http://schemas.openxmlformats.org/presentationml/2006/main">
   <p:tag name="KSO_WM_UNIT_TABLE_BEAUTIFY" val="smartTable{1c353507-25bb-4930-b727-3cdd9cc09ae2}"/>
-  <p:tag name="TABLE_ENDDRAG_ORIGIN_RECT" val="726*308"/>
-  <p:tag name="TABLE_ENDDRAG_RECT" val="116*156*726*308"/>
+  <p:tag name="TABLE_ENDDRAG_ORIGIN_RECT" val="726*207"/>
+  <p:tag name="TABLE_ENDDRAG_RECT" val="116*156*726*207"/>
 </p:tagLst>
 </file>
 
 <file path=ppt/tags/tag11.xml><?xml version="1.0" encoding="utf-8"?>
-<p:tagLst xmlns:p="http://schemas.openxmlformats.org/presentationml/2006/main">
+<p:tagLst xmlns:a="http://schemas.openxmlformats.org/drawingml/2006/main" xmlns:r="http://schemas.openxmlformats.org/officeDocument/2006/relationships" xmlns:p="http://schemas.openxmlformats.org/presentationml/2006/main">
   <p:tag name="KSO_WM_UNIT_TABLE_BEAUTIFY" val="smartTable{1c353507-25bb-4930-b727-3cdd9cc09ae2}"/>
   <p:tag name="TABLE_ENDDRAG_ORIGIN_RECT" val="726*308"/>
   <p:tag name="TABLE_ENDDRAG_RECT" val="116*156*726*308"/>
@@ -37652,15 +37483,15 @@
 </file>
 
 <file path=ppt/tags/tag12.xml><?xml version="1.0" encoding="utf-8"?>
-<p:tagLst xmlns:p="http://schemas.openxmlformats.org/presentationml/2006/main">
+<p:tagLst xmlns:a="http://schemas.openxmlformats.org/drawingml/2006/main" xmlns:r="http://schemas.openxmlformats.org/officeDocument/2006/relationships" xmlns:p="http://schemas.openxmlformats.org/presentationml/2006/main">
   <p:tag name="KSO_WM_UNIT_TABLE_BEAUTIFY" val="smartTable{1c353507-25bb-4930-b727-3cdd9cc09ae2}"/>
-  <p:tag name="TABLE_ENDDRAG_ORIGIN_RECT" val="326*299"/>
-  <p:tag name="TABLE_ENDDRAG_RECT" val="144*165*326*299"/>
+  <p:tag name="TABLE_ENDDRAG_ORIGIN_RECT" val="726*308"/>
+  <p:tag name="TABLE_ENDDRAG_RECT" val="116*156*726*308"/>
 </p:tagLst>
 </file>
 
 <file path=ppt/tags/tag13.xml><?xml version="1.0" encoding="utf-8"?>
-<p:tagLst xmlns:p="http://schemas.openxmlformats.org/presentationml/2006/main">
+<p:tagLst xmlns:a="http://schemas.openxmlformats.org/drawingml/2006/main" xmlns:r="http://schemas.openxmlformats.org/officeDocument/2006/relationships" xmlns:p="http://schemas.openxmlformats.org/presentationml/2006/main">
   <p:tag name="KSO_WM_UNIT_TABLE_BEAUTIFY" val="smartTable{1c353507-25bb-4930-b727-3cdd9cc09ae2}"/>
   <p:tag name="TABLE_ENDDRAG_ORIGIN_RECT" val="326*299"/>
   <p:tag name="TABLE_ENDDRAG_RECT" val="144*165*326*299"/>
@@ -37668,7 +37499,7 @@
 </file>
 
 <file path=ppt/tags/tag14.xml><?xml version="1.0" encoding="utf-8"?>
-<p:tagLst xmlns:p="http://schemas.openxmlformats.org/presentationml/2006/main">
+<p:tagLst xmlns:a="http://schemas.openxmlformats.org/drawingml/2006/main" xmlns:r="http://schemas.openxmlformats.org/officeDocument/2006/relationships" xmlns:p="http://schemas.openxmlformats.org/presentationml/2006/main">
   <p:tag name="KSO_WM_UNIT_TABLE_BEAUTIFY" val="smartTable{1c353507-25bb-4930-b727-3cdd9cc09ae2}"/>
   <p:tag name="TABLE_ENDDRAG_ORIGIN_RECT" val="326*299"/>
   <p:tag name="TABLE_ENDDRAG_RECT" val="144*165*326*299"/>
@@ -37676,31 +37507,31 @@
 </file>
 
 <file path=ppt/tags/tag15.xml><?xml version="1.0" encoding="utf-8"?>
-<p:tagLst xmlns:p="http://schemas.openxmlformats.org/presentationml/2006/main">
+<p:tagLst xmlns:a="http://schemas.openxmlformats.org/drawingml/2006/main" xmlns:r="http://schemas.openxmlformats.org/officeDocument/2006/relationships" xmlns:p="http://schemas.openxmlformats.org/presentationml/2006/main">
+  <p:tag name="KSO_WM_UNIT_TABLE_BEAUTIFY" val="smartTable{1c353507-25bb-4930-b727-3cdd9cc09ae2}"/>
+  <p:tag name="TABLE_ENDDRAG_ORIGIN_RECT" val="326*299"/>
+  <p:tag name="TABLE_ENDDRAG_RECT" val="144*165*326*299"/>
+</p:tagLst>
+</file>
+
+<file path=ppt/tags/tag16.xml><?xml version="1.0" encoding="utf-8"?>
+<p:tagLst xmlns:a="http://schemas.openxmlformats.org/drawingml/2006/main" xmlns:r="http://schemas.openxmlformats.org/officeDocument/2006/relationships" xmlns:p="http://schemas.openxmlformats.org/presentationml/2006/main">
   <p:tag name="KSO_WM_UNIT_TABLE_BEAUTIFY" val="smartTable{1c353507-25bb-4930-b727-3cdd9cc09ae2}"/>
   <p:tag name="TABLE_ENDDRAG_ORIGIN_RECT" val="726*332"/>
   <p:tag name="TABLE_ENDDRAG_RECT" val="116*156*726*332"/>
 </p:tagLst>
 </file>
 
-<file path=ppt/tags/tag16.xml><?xml version="1.0" encoding="utf-8"?>
-<p:tagLst xmlns:p="http://schemas.openxmlformats.org/presentationml/2006/main">
+<file path=ppt/tags/tag17.xml><?xml version="1.0" encoding="utf-8"?>
+<p:tagLst xmlns:a="http://schemas.openxmlformats.org/drawingml/2006/main" xmlns:r="http://schemas.openxmlformats.org/officeDocument/2006/relationships" xmlns:p="http://schemas.openxmlformats.org/presentationml/2006/main">
   <p:tag name="KSO_WM_UNIT_TABLE_BEAUTIFY" val="smartTable{1c353507-25bb-4930-b727-3cdd9cc09ae2}"/>
   <p:tag name="TABLE_ENDDRAG_ORIGIN_RECT" val="326*299"/>
   <p:tag name="TABLE_ENDDRAG_RECT" val="144*165*326*299"/>
 </p:tagLst>
 </file>
 
-<file path=ppt/tags/tag17.xml><?xml version="1.0" encoding="utf-8"?>
-<p:tagLst xmlns:p="http://schemas.openxmlformats.org/presentationml/2006/main">
-  <p:tag name="KSO_WM_UNIT_TABLE_BEAUTIFY" val="smartTable{1c353507-25bb-4930-b727-3cdd9cc09ae2}"/>
-  <p:tag name="TABLE_ENDDRAG_ORIGIN_RECT" val="726*335"/>
-  <p:tag name="TABLE_ENDDRAG_RECT" val="116*156*726*335"/>
-</p:tagLst>
-</file>
-
 <file path=ppt/tags/tag18.xml><?xml version="1.0" encoding="utf-8"?>
-<p:tagLst xmlns:p="http://schemas.openxmlformats.org/presentationml/2006/main">
+<p:tagLst xmlns:a="http://schemas.openxmlformats.org/drawingml/2006/main" xmlns:r="http://schemas.openxmlformats.org/officeDocument/2006/relationships" xmlns:p="http://schemas.openxmlformats.org/presentationml/2006/main">
   <p:tag name="KSO_WM_UNIT_TABLE_BEAUTIFY" val="smartTable{1c353507-25bb-4930-b727-3cdd9cc09ae2}"/>
   <p:tag name="TABLE_ENDDRAG_ORIGIN_RECT" val="726*335"/>
   <p:tag name="TABLE_ENDDRAG_RECT" val="116*156*726*335"/>
@@ -37708,7 +37539,7 @@
 </file>
 
 <file path=ppt/tags/tag19.xml><?xml version="1.0" encoding="utf-8"?>
-<p:tagLst xmlns:p="http://schemas.openxmlformats.org/presentationml/2006/main">
+<p:tagLst xmlns:a="http://schemas.openxmlformats.org/drawingml/2006/main" xmlns:r="http://schemas.openxmlformats.org/officeDocument/2006/relationships" xmlns:p="http://schemas.openxmlformats.org/presentationml/2006/main">
   <p:tag name="KSO_WM_UNIT_TABLE_BEAUTIFY" val="smartTable{1c353507-25bb-4930-b727-3cdd9cc09ae2}"/>
   <p:tag name="TABLE_ENDDRAG_ORIGIN_RECT" val="726*335"/>
   <p:tag name="TABLE_ENDDRAG_RECT" val="116*156*726*335"/>
@@ -37716,15 +37547,13 @@
 </file>
 
 <file path=ppt/tags/tag2.xml><?xml version="1.0" encoding="utf-8"?>
-<p:tagLst xmlns:p="http://schemas.openxmlformats.org/presentationml/2006/main">
-  <p:tag name="KSO_WM_UNIT_TABLE_BEAUTIFY" val="smartTable{1c353507-25bb-4930-b727-3cdd9cc09ae2}"/>
-  <p:tag name="TABLE_ENDDRAG_ORIGIN_RECT" val="326*299"/>
-  <p:tag name="TABLE_ENDDRAG_RECT" val="144*165*326*299"/>
+<p:tagLst xmlns:a="http://schemas.openxmlformats.org/drawingml/2006/main" xmlns:r="http://schemas.openxmlformats.org/officeDocument/2006/relationships" xmlns:p="http://schemas.openxmlformats.org/presentationml/2006/main">
+  <p:tag name="THINKCELLSHAPEDONOTDELETE" val="tA6S0wzOvQ8a50SA42PUNRg"/>
 </p:tagLst>
 </file>
 
 <file path=ppt/tags/tag20.xml><?xml version="1.0" encoding="utf-8"?>
-<p:tagLst xmlns:p="http://schemas.openxmlformats.org/presentationml/2006/main">
+<p:tagLst xmlns:a="http://schemas.openxmlformats.org/drawingml/2006/main" xmlns:r="http://schemas.openxmlformats.org/officeDocument/2006/relationships" xmlns:p="http://schemas.openxmlformats.org/presentationml/2006/main">
   <p:tag name="KSO_WM_UNIT_TABLE_BEAUTIFY" val="smartTable{1c353507-25bb-4930-b727-3cdd9cc09ae2}"/>
   <p:tag name="TABLE_ENDDRAG_ORIGIN_RECT" val="726*335"/>
   <p:tag name="TABLE_ENDDRAG_RECT" val="116*156*726*335"/>
@@ -37732,39 +37561,39 @@
 </file>
 
 <file path=ppt/tags/tag21.xml><?xml version="1.0" encoding="utf-8"?>
-<p:tagLst xmlns:p="http://schemas.openxmlformats.org/presentationml/2006/main">
+<p:tagLst xmlns:a="http://schemas.openxmlformats.org/drawingml/2006/main" xmlns:r="http://schemas.openxmlformats.org/officeDocument/2006/relationships" xmlns:p="http://schemas.openxmlformats.org/presentationml/2006/main">
+  <p:tag name="KSO_WM_UNIT_TABLE_BEAUTIFY" val="smartTable{1c353507-25bb-4930-b727-3cdd9cc09ae2}"/>
+  <p:tag name="TABLE_ENDDRAG_ORIGIN_RECT" val="726*335"/>
+  <p:tag name="TABLE_ENDDRAG_RECT" val="116*156*726*335"/>
+</p:tagLst>
+</file>
+
+<file path=ppt/tags/tag22.xml><?xml version="1.0" encoding="utf-8"?>
+<p:tagLst xmlns:a="http://schemas.openxmlformats.org/drawingml/2006/main" xmlns:r="http://schemas.openxmlformats.org/officeDocument/2006/relationships" xmlns:p="http://schemas.openxmlformats.org/presentationml/2006/main">
   <p:tag name="KSO_WM_UNIT_TABLE_BEAUTIFY" val="smartTable{1c353507-25bb-4930-b727-3cdd9cc09ae2}"/>
   <p:tag name="TABLE_ENDDRAG_ORIGIN_RECT" val="726*331"/>
   <p:tag name="TABLE_ENDDRAG_RECT" val="116*156*726*331"/>
 </p:tagLst>
 </file>
 
-<file path=ppt/tags/tag22.xml><?xml version="1.0" encoding="utf-8"?>
-<p:tagLst xmlns:p="http://schemas.openxmlformats.org/presentationml/2006/main">
+<file path=ppt/tags/tag23.xml><?xml version="1.0" encoding="utf-8"?>
+<p:tagLst xmlns:a="http://schemas.openxmlformats.org/drawingml/2006/main" xmlns:r="http://schemas.openxmlformats.org/officeDocument/2006/relationships" xmlns:p="http://schemas.openxmlformats.org/presentationml/2006/main">
   <p:tag name="KSO_WM_UNIT_TABLE_BEAUTIFY" val="smartTable{1c353507-25bb-4930-b727-3cdd9cc09ae2}"/>
   <p:tag name="TABLE_ENDDRAG_ORIGIN_RECT" val="726*335"/>
   <p:tag name="TABLE_ENDDRAG_RECT" val="116*156*726*335"/>
 </p:tagLst>
 </file>
 
-<file path=ppt/tags/tag23.xml><?xml version="1.0" encoding="utf-8"?>
-<p:tagLst xmlns:p="http://schemas.openxmlformats.org/presentationml/2006/main">
+<file path=ppt/tags/tag24.xml><?xml version="1.0" encoding="utf-8"?>
+<p:tagLst xmlns:a="http://schemas.openxmlformats.org/drawingml/2006/main" xmlns:r="http://schemas.openxmlformats.org/officeDocument/2006/relationships" xmlns:p="http://schemas.openxmlformats.org/presentationml/2006/main">
   <p:tag name="KSO_WM_UNIT_TABLE_BEAUTIFY" val="smartTable{1c353507-25bb-4930-b727-3cdd9cc09ae2}"/>
   <p:tag name="TABLE_ENDDRAG_ORIGIN_RECT" val="326*299"/>
   <p:tag name="TABLE_ENDDRAG_RECT" val="144*165*326*299"/>
 </p:tagLst>
 </file>
 
-<file path=ppt/tags/tag24.xml><?xml version="1.0" encoding="utf-8"?>
-<p:tagLst xmlns:p="http://schemas.openxmlformats.org/presentationml/2006/main">
-  <p:tag name="KSO_WM_UNIT_TABLE_BEAUTIFY" val="smartTable{1c353507-25bb-4930-b727-3cdd9cc09ae2}"/>
-  <p:tag name="TABLE_ENDDRAG_ORIGIN_RECT" val="726*326"/>
-  <p:tag name="TABLE_ENDDRAG_RECT" val="116*156*726*326"/>
-</p:tagLst>
-</file>
-
 <file path=ppt/tags/tag25.xml><?xml version="1.0" encoding="utf-8"?>
-<p:tagLst xmlns:p="http://schemas.openxmlformats.org/presentationml/2006/main">
+<p:tagLst xmlns:a="http://schemas.openxmlformats.org/drawingml/2006/main" xmlns:r="http://schemas.openxmlformats.org/officeDocument/2006/relationships" xmlns:p="http://schemas.openxmlformats.org/presentationml/2006/main">
   <p:tag name="KSO_WM_UNIT_TABLE_BEAUTIFY" val="smartTable{1c353507-25bb-4930-b727-3cdd9cc09ae2}"/>
   <p:tag name="TABLE_ENDDRAG_ORIGIN_RECT" val="726*326"/>
   <p:tag name="TABLE_ENDDRAG_RECT" val="116*156*726*326"/>
@@ -37772,7 +37601,7 @@
 </file>
 
 <file path=ppt/tags/tag26.xml><?xml version="1.0" encoding="utf-8"?>
-<p:tagLst xmlns:p="http://schemas.openxmlformats.org/presentationml/2006/main">
+<p:tagLst xmlns:a="http://schemas.openxmlformats.org/drawingml/2006/main" xmlns:r="http://schemas.openxmlformats.org/officeDocument/2006/relationships" xmlns:p="http://schemas.openxmlformats.org/presentationml/2006/main">
   <p:tag name="KSO_WM_UNIT_TABLE_BEAUTIFY" val="smartTable{1c353507-25bb-4930-b727-3cdd9cc09ae2}"/>
   <p:tag name="TABLE_ENDDRAG_ORIGIN_RECT" val="726*326"/>
   <p:tag name="TABLE_ENDDRAG_RECT" val="116*156*726*326"/>
@@ -37780,7 +37609,7 @@
 </file>
 
 <file path=ppt/tags/tag27.xml><?xml version="1.0" encoding="utf-8"?>
-<p:tagLst xmlns:p="http://schemas.openxmlformats.org/presentationml/2006/main">
+<p:tagLst xmlns:a="http://schemas.openxmlformats.org/drawingml/2006/main" xmlns:r="http://schemas.openxmlformats.org/officeDocument/2006/relationships" xmlns:p="http://schemas.openxmlformats.org/presentationml/2006/main">
   <p:tag name="KSO_WM_UNIT_TABLE_BEAUTIFY" val="smartTable{1c353507-25bb-4930-b727-3cdd9cc09ae2}"/>
   <p:tag name="TABLE_ENDDRAG_ORIGIN_RECT" val="726*326"/>
   <p:tag name="TABLE_ENDDRAG_RECT" val="116*156*726*326"/>
@@ -37788,39 +37617,39 @@
 </file>
 
 <file path=ppt/tags/tag28.xml><?xml version="1.0" encoding="utf-8"?>
-<p:tagLst xmlns:p="http://schemas.openxmlformats.org/presentationml/2006/main">
+<p:tagLst xmlns:a="http://schemas.openxmlformats.org/drawingml/2006/main" xmlns:r="http://schemas.openxmlformats.org/officeDocument/2006/relationships" xmlns:p="http://schemas.openxmlformats.org/presentationml/2006/main">
+  <p:tag name="KSO_WM_UNIT_TABLE_BEAUTIFY" val="smartTable{1c353507-25bb-4930-b727-3cdd9cc09ae2}"/>
+  <p:tag name="TABLE_ENDDRAG_ORIGIN_RECT" val="726*326"/>
+  <p:tag name="TABLE_ENDDRAG_RECT" val="116*156*726*326"/>
+</p:tagLst>
+</file>
+
+<file path=ppt/tags/tag29.xml><?xml version="1.0" encoding="utf-8"?>
+<p:tagLst xmlns:a="http://schemas.openxmlformats.org/drawingml/2006/main" xmlns:r="http://schemas.openxmlformats.org/officeDocument/2006/relationships" xmlns:p="http://schemas.openxmlformats.org/presentationml/2006/main">
   <p:tag name="KSO_WM_UNIT_TABLE_BEAUTIFY" val="smartTable{1c353507-25bb-4930-b727-3cdd9cc09ae2}"/>
   <p:tag name="TABLE_ENDDRAG_ORIGIN_RECT" val="726*335"/>
   <p:tag name="TABLE_ENDDRAG_RECT" val="116*156*726*335"/>
 </p:tagLst>
 </file>
 
-<file path=ppt/tags/tag29.xml><?xml version="1.0" encoding="utf-8"?>
-<p:tagLst xmlns:p="http://schemas.openxmlformats.org/presentationml/2006/main">
+<file path=ppt/tags/tag3.xml><?xml version="1.0" encoding="utf-8"?>
+<p:tagLst xmlns:a="http://schemas.openxmlformats.org/drawingml/2006/main" xmlns:r="http://schemas.openxmlformats.org/officeDocument/2006/relationships" xmlns:p="http://schemas.openxmlformats.org/presentationml/2006/main">
+  <p:tag name="KSO_WM_UNIT_TABLE_BEAUTIFY" val="smartTable{1c353507-25bb-4930-b727-3cdd9cc09ae2}"/>
+  <p:tag name="TABLE_ENDDRAG_ORIGIN_RECT" val="326*299"/>
+  <p:tag name="TABLE_ENDDRAG_RECT" val="144*165*326*299"/>
+</p:tagLst>
+</file>
+
+<file path=ppt/tags/tag30.xml><?xml version="1.0" encoding="utf-8"?>
+<p:tagLst xmlns:a="http://schemas.openxmlformats.org/drawingml/2006/main" xmlns:r="http://schemas.openxmlformats.org/officeDocument/2006/relationships" xmlns:p="http://schemas.openxmlformats.org/presentationml/2006/main">
   <p:tag name="KSO_WM_UNIT_TABLE_BEAUTIFY" val="smartTable{1c353507-25bb-4930-b727-3cdd9cc09ae2}"/>
   <p:tag name="TABLE_ENDDRAG_ORIGIN_RECT" val="726*347"/>
   <p:tag name="TABLE_ENDDRAG_RECT" val="116*146*726*347"/>
 </p:tagLst>
 </file>
 
-<file path=ppt/tags/tag3.xml><?xml version="1.0" encoding="utf-8"?>
-<p:tagLst xmlns:p="http://schemas.openxmlformats.org/presentationml/2006/main">
-  <p:tag name="KSO_WM_UNIT_TABLE_BEAUTIFY" val="smartTable{0055d41b-63b8-4c8c-99e0-a01c9d1ba5a9}"/>
-  <p:tag name="TABLE_ENDDRAG_ORIGIN_RECT" val="326*299"/>
-  <p:tag name="TABLE_ENDDRAG_RECT" val="144*165*326*299"/>
-</p:tagLst>
-</file>
-
-<file path=ppt/tags/tag30.xml><?xml version="1.0" encoding="utf-8"?>
-<p:tagLst xmlns:p="http://schemas.openxmlformats.org/presentationml/2006/main">
-  <p:tag name="KSO_WM_UNIT_TABLE_BEAUTIFY" val="smartTable{1c353507-25bb-4930-b727-3cdd9cc09ae2}"/>
-  <p:tag name="TABLE_ENDDRAG_ORIGIN_RECT" val="726*326"/>
-  <p:tag name="TABLE_ENDDRAG_RECT" val="116*156*726*326"/>
-</p:tagLst>
-</file>
-
 <file path=ppt/tags/tag31.xml><?xml version="1.0" encoding="utf-8"?>
-<p:tagLst xmlns:p="http://schemas.openxmlformats.org/presentationml/2006/main">
+<p:tagLst xmlns:a="http://schemas.openxmlformats.org/drawingml/2006/main" xmlns:r="http://schemas.openxmlformats.org/officeDocument/2006/relationships" xmlns:p="http://schemas.openxmlformats.org/presentationml/2006/main">
   <p:tag name="KSO_WM_UNIT_TABLE_BEAUTIFY" val="smartTable{1c353507-25bb-4930-b727-3cdd9cc09ae2}"/>
   <p:tag name="TABLE_ENDDRAG_ORIGIN_RECT" val="726*326"/>
   <p:tag name="TABLE_ENDDRAG_RECT" val="116*156*726*326"/>
@@ -37828,70 +37657,69 @@
 </file>
 
 <file path=ppt/tags/tag32.xml><?xml version="1.0" encoding="utf-8"?>
-<p:tagLst xmlns:p="http://schemas.openxmlformats.org/presentationml/2006/main">
+<p:tagLst xmlns:a="http://schemas.openxmlformats.org/drawingml/2006/main" xmlns:r="http://schemas.openxmlformats.org/officeDocument/2006/relationships" xmlns:p="http://schemas.openxmlformats.org/presentationml/2006/main">
+  <p:tag name="KSO_WM_UNIT_TABLE_BEAUTIFY" val="smartTable{1c353507-25bb-4930-b727-3cdd9cc09ae2}"/>
+  <p:tag name="TABLE_ENDDRAG_ORIGIN_RECT" val="726*326"/>
+  <p:tag name="TABLE_ENDDRAG_RECT" val="116*156*726*326"/>
+</p:tagLst>
+</file>
+
+<file path=ppt/tags/tag33.xml><?xml version="1.0" encoding="utf-8"?>
+<p:tagLst xmlns:a="http://schemas.openxmlformats.org/drawingml/2006/main" xmlns:r="http://schemas.openxmlformats.org/officeDocument/2006/relationships" xmlns:p="http://schemas.openxmlformats.org/presentationml/2006/main">
   <p:tag name="KSO_WM_UNIT_TABLE_BEAUTIFY" val="smartTable{1c353507-25bb-4930-b727-3cdd9cc09ae2}"/>
   <p:tag name="TABLE_ENDDRAG_ORIGIN_RECT" val="726*320"/>
   <p:tag name="TABLE_ENDDRAG_RECT" val="116*156*726*320"/>
 </p:tagLst>
 </file>
 
-<file path=ppt/tags/tag33.xml><?xml version="1.0" encoding="utf-8"?>
-<p:tagLst xmlns:p="http://schemas.openxmlformats.org/presentationml/2006/main">
+<file path=ppt/tags/tag34.xml><?xml version="1.0" encoding="utf-8"?>
+<p:tagLst xmlns:a="http://schemas.openxmlformats.org/drawingml/2006/main" xmlns:r="http://schemas.openxmlformats.org/officeDocument/2006/relationships" xmlns:p="http://schemas.openxmlformats.org/presentationml/2006/main">
   <p:tag name="THINKCELLSHAPEDONOTDELETE" val="t1Smkff3fSzGMOuItfjj3Fw"/>
 </p:tagLst>
 </file>
 
-<file path=ppt/tags/tag34.xml><?xml version="1.0" encoding="utf-8"?>
-<p:tagLst xmlns:p="http://schemas.openxmlformats.org/presentationml/2006/main">
-  <p:tag name="ISLIDE TOOLS.GUIDESSETTING" val="{&quot;Id&quot;:&quot;2d4375ee-8516-45e0-8956-45702a61a9b6&quot;,&quot;Name&quot;:&quot;iSlide&quot;,&quot;HeaderHeight&quot;:15.0,&quot;FooterHeight&quot;:9.0000000000000036,&quot;SideMargin&quot;:5.4999999999999982,&quot;TopMargin&quot;:0.0,&quot;BottomMargin&quot;:0.0,&quot;IntervalMargin&quot;:1.3999999999999997}"/>
-  <p:tag name="ISLIDE.GUIDESSETTING" val="{&quot;Id&quot;:&quot;GuidesStyle_Normal&quot;,&quot;Name&quot;:&quot;正常&quot;,&quot;HeaderHeight&quot;:15.0,&quot;FooterHeight&quot;:9.0,&quot;SideMargin&quot;:5.5,&quot;TopMargin&quot;:0.0,&quot;BottomMargin&quot;:0.0,&quot;IntervalMargin&quot;:1.5}"/>
-  <p:tag name="THINKCELLUNDODONOTDELETE" val="0"/>
-  <p:tag name="ISLIDE.THEME" val="074baa65-1bcf-453b-aed6-4412331b316e"/>
+<file path=ppt/tags/tag4.xml><?xml version="1.0" encoding="utf-8"?>
+<p:tagLst xmlns:a="http://schemas.openxmlformats.org/drawingml/2006/main" xmlns:r="http://schemas.openxmlformats.org/officeDocument/2006/relationships" xmlns:p="http://schemas.openxmlformats.org/presentationml/2006/main">
+  <p:tag name="KSO_WM_UNIT_TABLE_BEAUTIFY" val="smartTable{0055d41b-63b8-4c8c-99e0-a01c9d1ba5a9}"/>
+  <p:tag name="TABLE_ENDDRAG_ORIGIN_RECT" val="326*299"/>
+  <p:tag name="TABLE_ENDDRAG_RECT" val="144*165*326*299"/>
 </p:tagLst>
 </file>
 
-<file path=ppt/tags/tag4.xml><?xml version="1.0" encoding="utf-8"?>
-<p:tagLst xmlns:p="http://schemas.openxmlformats.org/presentationml/2006/main">
+<file path=ppt/tags/tag5.xml><?xml version="1.0" encoding="utf-8"?>
+<p:tagLst xmlns:a="http://schemas.openxmlformats.org/drawingml/2006/main" xmlns:r="http://schemas.openxmlformats.org/officeDocument/2006/relationships" xmlns:p="http://schemas.openxmlformats.org/presentationml/2006/main">
   <p:tag name="KSO_WM_UNIT_TABLE_BEAUTIFY" val="smartTable{1c353507-25bb-4930-b727-3cdd9cc09ae2}"/>
   <p:tag name="TABLE_ENDDRAG_ORIGIN_RECT" val="326*299"/>
   <p:tag name="TABLE_ENDDRAG_RECT" val="144*165*326*299"/>
 </p:tagLst>
 </file>
 
-<file path=ppt/tags/tag5.xml><?xml version="1.0" encoding="utf-8"?>
-<p:tagLst xmlns:p="http://schemas.openxmlformats.org/presentationml/2006/main">
+<file path=ppt/tags/tag6.xml><?xml version="1.0" encoding="utf-8"?>
+<p:tagLst xmlns:a="http://schemas.openxmlformats.org/drawingml/2006/main" xmlns:r="http://schemas.openxmlformats.org/officeDocument/2006/relationships" xmlns:p="http://schemas.openxmlformats.org/presentationml/2006/main">
   <p:tag name="KSO_WM_UNIT_TABLE_BEAUTIFY" val="smartTable{1c353507-25bb-4930-b727-3cdd9cc09ae2}"/>
   <p:tag name="TABLE_ENDDRAG_ORIGIN_RECT" val="726*314"/>
   <p:tag name="TABLE_ENDDRAG_RECT" val="116*156*726*314"/>
 </p:tagLst>
 </file>
 
-<file path=ppt/tags/tag6.xml><?xml version="1.0" encoding="utf-8"?>
-<p:tagLst xmlns:p="http://schemas.openxmlformats.org/presentationml/2006/main">
+<file path=ppt/tags/tag7.xml><?xml version="1.0" encoding="utf-8"?>
+<p:tagLst xmlns:a="http://schemas.openxmlformats.org/drawingml/2006/main" xmlns:r="http://schemas.openxmlformats.org/officeDocument/2006/relationships" xmlns:p="http://schemas.openxmlformats.org/presentationml/2006/main">
   <p:tag name="KSO_WM_UNIT_TABLE_BEAUTIFY" val="smartTable{1c353507-25bb-4930-b727-3cdd9cc09ae2}"/>
   <p:tag name="TABLE_ENDDRAG_ORIGIN_RECT" val="726*316"/>
   <p:tag name="TABLE_ENDDRAG_RECT" val="116*156*726*316"/>
 </p:tagLst>
 </file>
 
-<file path=ppt/tags/tag7.xml><?xml version="1.0" encoding="utf-8"?>
-<p:tagLst xmlns:p="http://schemas.openxmlformats.org/presentationml/2006/main">
+<file path=ppt/tags/tag8.xml><?xml version="1.0" encoding="utf-8"?>
+<p:tagLst xmlns:a="http://schemas.openxmlformats.org/drawingml/2006/main" xmlns:r="http://schemas.openxmlformats.org/officeDocument/2006/relationships" xmlns:p="http://schemas.openxmlformats.org/presentationml/2006/main">
   <p:tag name="KSO_WM_UNIT_TABLE_BEAUTIFY" val="smartTable{1c353507-25bb-4930-b727-3cdd9cc09ae2}"/>
   <p:tag name="TABLE_ENDDRAG_ORIGIN_RECT" val="726*290"/>
   <p:tag name="TABLE_ENDDRAG_RECT" val="116*156*726*290"/>
 </p:tagLst>
 </file>
 
-<file path=ppt/tags/tag8.xml><?xml version="1.0" encoding="utf-8"?>
-<p:tagLst xmlns:p="http://schemas.openxmlformats.org/presentationml/2006/main">
-  <p:tag name="KSO_WM_UNIT_TABLE_BEAUTIFY" val="smartTable{1c353507-25bb-4930-b727-3cdd9cc09ae2}"/>
-  <p:tag name="TABLE_ENDDRAG_ORIGIN_RECT" val="726*207"/>
-  <p:tag name="TABLE_ENDDRAG_RECT" val="116*156*726*207"/>
-</p:tagLst>
-</file>
-
 <file path=ppt/tags/tag9.xml><?xml version="1.0" encoding="utf-8"?>
-<p:tagLst xmlns:p="http://schemas.openxmlformats.org/presentationml/2006/main">
+<p:tagLst xmlns:a="http://schemas.openxmlformats.org/drawingml/2006/main" xmlns:r="http://schemas.openxmlformats.org/officeDocument/2006/relationships" xmlns:p="http://schemas.openxmlformats.org/presentationml/2006/main">
   <p:tag name="KSO_WM_UNIT_TABLE_BEAUTIFY" val="smartTable{1c353507-25bb-4930-b727-3cdd9cc09ae2}"/>
   <p:tag name="TABLE_ENDDRAG_ORIGIN_RECT" val="726*207"/>
   <p:tag name="TABLE_ENDDRAG_RECT" val="116*156*726*207"/>
@@ -38116,6 +37944,7 @@
       </a:style>
     </a:spDef>
   </a:objectDefaults>
+  <a:extraClrSchemeLst/>
   <a:extLst>
     <a:ext uri="{05A4C25C-085E-4340-85A3-A5531E510DB2}">
       <thm15:themeFamily xmlns:thm15="http://schemas.microsoft.com/office/thememl/2012/main" name="Office Theme" id="{62F939B6-93AF-4DB8-9C6B-D6C7DFDC589F}" vid="{4A3C46E8-61CC-4603-A589-7422A47A8E4A}"/>
@@ -38375,6 +38204,8 @@
       </a:bgFillStyleLst>
     </a:fmtScheme>
   </a:themeElements>
+  <a:objectDefaults/>
+  <a:extraClrSchemeLst/>
   <a:extLst>
     <a:ext uri="{05A4C25C-085E-4340-85A3-A5531E510DB2}">
       <thm15:themeFamily xmlns:thm15="http://schemas.microsoft.com/office/thememl/2012/main" name="Office Theme" id="{62F939B6-93AF-4DB8-9C6B-D6C7DFDC589F}" vid="{4A3C46E8-61CC-4603-A589-7422A47A8E4A}"/>

--- a/ppt/第3章 Redis常用命令.pptx
+++ b/ppt/第3章 Redis常用命令.pptx
@@ -244,7 +244,7 @@
           <a:p>
             <a:fld id="{E86D8963-CFCD-4740-AF60-049850373CDF}" type="datetimeFigureOut">
               <a:rPr lang="zh-CN" altLang="en-US" smtClean="0"/>
-              <a:t>2022/3/12</a:t>
+              <a:t>2022/3/13</a:t>
             </a:fld>
             <a:endParaRPr lang="zh-CN" altLang="en-US"/>
           </a:p>
@@ -3127,7 +3127,7 @@
           <a:p>
             <a:fld id="{E6F26766-F62E-419D-BB7F-91C9CEBCA24E}" type="datetime1">
               <a:rPr lang="zh-CN" altLang="en-US" smtClean="0"/>
-              <a:t>2022/3/12</a:t>
+              <a:t>2022/3/13</a:t>
             </a:fld>
             <a:endParaRPr lang="zh-CN" altLang="en-US"/>
           </a:p>
@@ -4540,7 +4540,7 @@
           <a:p>
             <a:fld id="{67FE44A0-2E53-457E-9AC0-11D6EE9FA3B5}" type="datetime1">
               <a:rPr lang="zh-CN" altLang="en-US" smtClean="0"/>
-              <a:t>2022/3/12</a:t>
+              <a:t>2022/3/13</a:t>
             </a:fld>
             <a:endParaRPr lang="zh-CN" altLang="en-US"/>
           </a:p>
@@ -6593,6 +6593,36 @@
           </a:p>
         </p:txBody>
       </p:sp>
+      <p:pic>
+        <p:nvPicPr>
+          <p:cNvPr id="10" name="图片 9"/>
+          <p:cNvPicPr>
+            <a:picLocks noChangeAspect="1"/>
+          </p:cNvPicPr>
+          <p:nvPr/>
+        </p:nvPicPr>
+        <p:blipFill>
+          <a:blip r:embed="rId5">
+            <a:extLst>
+              <a:ext uri="{28A0092B-C50C-407E-A947-70E740481C1C}">
+                <a14:useLocalDpi xmlns:a14="http://schemas.microsoft.com/office/drawing/2010/main" val="0"/>
+              </a:ext>
+            </a:extLst>
+          </a:blip>
+          <a:stretch>
+            <a:fillRect/>
+          </a:stretch>
+        </p:blipFill>
+        <p:spPr>
+          <a:xfrm>
+            <a:off x="7141248" y="804861"/>
+            <a:ext cx="3353401" cy="4698348"/>
+          </a:xfrm>
+          <a:prstGeom prst="rect">
+            <a:avLst/>
+          </a:prstGeom>
+        </p:spPr>
+      </p:pic>
     </p:spTree>
   </p:cSld>
   <p:clrMapOvr>
@@ -22853,16 +22883,7 @@
                 </a:solidFill>
                 <a:sym typeface="+mn-ea"/>
               </a:rPr>
-              <a:t>服务器相关</a:t>
-            </a:r>
-            <a:r>
-              <a:rPr lang="zh-CN" altLang="en-US" sz="2400" dirty="0">
-                <a:solidFill>
-                  <a:srgbClr val="000000"/>
-                </a:solidFill>
-                <a:sym typeface="+mn-ea"/>
-              </a:rPr>
-              <a:t>命令</a:t>
+              <a:t>服务器相关命令</a:t>
             </a:r>
             <a:r>
               <a:rPr lang="en-US" altLang="zh-CN" sz="2400" dirty="0">
@@ -23778,16 +23799,7 @@
                 </a:solidFill>
                 <a:sym typeface="+mn-ea"/>
               </a:rPr>
-              <a:t>服务器相关</a:t>
-            </a:r>
-            <a:r>
-              <a:rPr lang="zh-CN" altLang="en-US" sz="2400" dirty="0">
-                <a:solidFill>
-                  <a:srgbClr val="000000"/>
-                </a:solidFill>
-                <a:sym typeface="+mn-ea"/>
-              </a:rPr>
-              <a:t>命令</a:t>
+              <a:t>服务器相关命令</a:t>
             </a:r>
             <a:r>
               <a:rPr lang="en-US" altLang="zh-CN" sz="2400" dirty="0">
@@ -24697,16 +24709,7 @@
                 </a:solidFill>
                 <a:sym typeface="+mn-ea"/>
               </a:rPr>
-              <a:t>服务器相关</a:t>
-            </a:r>
-            <a:r>
-              <a:rPr lang="zh-CN" altLang="en-US" sz="2400" dirty="0">
-                <a:solidFill>
-                  <a:srgbClr val="000000"/>
-                </a:solidFill>
-                <a:sym typeface="+mn-ea"/>
-              </a:rPr>
-              <a:t>命令</a:t>
+              <a:t>服务器相关命令</a:t>
             </a:r>
             <a:r>
               <a:rPr lang="en-US" altLang="zh-CN" sz="2400" dirty="0">
@@ -25637,16 +25640,7 @@
                 </a:solidFill>
                 <a:sym typeface="+mn-ea"/>
               </a:rPr>
-              <a:t>服务器相关</a:t>
-            </a:r>
-            <a:r>
-              <a:rPr lang="zh-CN" altLang="en-US" sz="2400" dirty="0">
-                <a:solidFill>
-                  <a:srgbClr val="000000"/>
-                </a:solidFill>
-                <a:sym typeface="+mn-ea"/>
-              </a:rPr>
-              <a:t>命令</a:t>
+              <a:t>服务器相关命令</a:t>
             </a:r>
             <a:r>
               <a:rPr lang="en-US" altLang="zh-CN" sz="2400" dirty="0">
@@ -27694,16 +27688,7 @@
                 </a:solidFill>
                 <a:sym typeface="+mn-ea"/>
               </a:rPr>
-              <a:t>服务器相关</a:t>
-            </a:r>
-            <a:r>
-              <a:rPr lang="zh-CN" altLang="en-US" sz="2400" dirty="0">
-                <a:solidFill>
-                  <a:srgbClr val="000000"/>
-                </a:solidFill>
-                <a:sym typeface="+mn-ea"/>
-              </a:rPr>
-              <a:t>命令</a:t>
+              <a:t>服务器相关命令</a:t>
             </a:r>
             <a:r>
               <a:rPr lang="en-US" altLang="zh-CN" sz="2400" dirty="0">
@@ -28694,16 +28679,7 @@
                 </a:solidFill>
                 <a:sym typeface="+mn-ea"/>
               </a:rPr>
-              <a:t>服务器相关</a:t>
-            </a:r>
-            <a:r>
-              <a:rPr lang="zh-CN" altLang="en-US" sz="2400" dirty="0">
-                <a:solidFill>
-                  <a:srgbClr val="000000"/>
-                </a:solidFill>
-                <a:sym typeface="+mn-ea"/>
-              </a:rPr>
-              <a:t>命令</a:t>
+              <a:t>服务器相关命令</a:t>
             </a:r>
             <a:r>
               <a:rPr lang="en-US" altLang="zh-CN" sz="2400" dirty="0">
@@ -29616,16 +29592,7 @@
                 </a:solidFill>
                 <a:sym typeface="+mn-ea"/>
               </a:rPr>
-              <a:t>服务器相关</a:t>
-            </a:r>
-            <a:r>
-              <a:rPr lang="zh-CN" altLang="en-US" sz="2400" dirty="0">
-                <a:solidFill>
-                  <a:srgbClr val="000000"/>
-                </a:solidFill>
-                <a:sym typeface="+mn-ea"/>
-              </a:rPr>
-              <a:t>命令</a:t>
+              <a:t>服务器相关命令</a:t>
             </a:r>
             <a:r>
               <a:rPr lang="en-US" altLang="zh-CN" sz="2400" dirty="0">
@@ -30556,16 +30523,7 @@
                 </a:solidFill>
                 <a:sym typeface="+mn-ea"/>
               </a:rPr>
-              <a:t>服务器相关</a:t>
-            </a:r>
-            <a:r>
-              <a:rPr lang="zh-CN" altLang="en-US" sz="2400" dirty="0">
-                <a:solidFill>
-                  <a:srgbClr val="000000"/>
-                </a:solidFill>
-                <a:sym typeface="+mn-ea"/>
-              </a:rPr>
-              <a:t>命令</a:t>
+              <a:t>服务器相关命令</a:t>
             </a:r>
             <a:r>
               <a:rPr lang="en-US" altLang="zh-CN" sz="2400" dirty="0">
